--- a/Presentation/Model_Presentation.pptx
+++ b/Presentation/Model_Presentation.pptx
@@ -11804,10 +11804,10 @@
         </p:nvGrpSpPr>
         <p:grpSpPr>
           <a:xfrm rot="5400000">
-            <a:off x="7845403" y="2269632"/>
-            <a:ext cx="3306719" cy="4477137"/>
+            <a:off x="7833150" y="1912943"/>
+            <a:ext cx="3522162" cy="4477137"/>
             <a:chOff x="3265149" y="2807468"/>
-            <a:chExt cx="3306719" cy="3462486"/>
+            <a:chExt cx="3522162" cy="3462486"/>
           </a:xfrm>
         </p:grpSpPr>
         <p:sp>
@@ -11824,8 +11824,8 @@
           </p:nvSpPr>
           <p:spPr>
             <a:xfrm rot="16200000">
-              <a:off x="3469557" y="3016679"/>
-              <a:ext cx="3311522" cy="2893100"/>
+              <a:off x="3577279" y="2908957"/>
+              <a:ext cx="3311522" cy="3108543"/>
             </a:xfrm>
             <a:prstGeom prst="rect">
               <a:avLst/>
@@ -11906,6 +11906,13 @@
                 </a:rPr>
                 <a:t>Random Forest</a:t>
               </a:r>
+            </a:p>
+            <a:p>
+              <a:pPr lvl="1"/>
+              <a:endParaRPr lang="en-US" sz="1400" b="0" i="0" dirty="0">
+                <a:effectLst/>
+                <a:latin typeface="Candara" panose="020E0502030303020204" pitchFamily="34" charset="0"/>
+              </a:endParaRPr>
             </a:p>
             <a:p>
               <a:r>
@@ -12234,13 +12241,13 @@
           <p:nvPr>
             <p:extLst>
               <p:ext uri="{D42A27DB-BD31-4B8C-83A1-F6EECF244321}">
-                <p14:modId xmlns:p14="http://schemas.microsoft.com/office/powerpoint/2010/main" val="858890658"/>
+                <p14:modId xmlns:p14="http://schemas.microsoft.com/office/powerpoint/2010/main" val="1377616198"/>
               </p:ext>
             </p:extLst>
           </p:nvPr>
         </p:nvGraphicFramePr>
         <p:xfrm>
-          <a:off x="833992" y="2460741"/>
+          <a:off x="833992" y="2533650"/>
           <a:ext cx="2816089" cy="3608070"/>
         </p:xfrm>
         <a:graphic>
@@ -13910,13 +13917,13 @@
           <p:nvPr>
             <p:extLst>
               <p:ext uri="{D42A27DB-BD31-4B8C-83A1-F6EECF244321}">
-                <p14:modId xmlns:p14="http://schemas.microsoft.com/office/powerpoint/2010/main" val="1829987489"/>
+                <p14:modId xmlns:p14="http://schemas.microsoft.com/office/powerpoint/2010/main" val="126724099"/>
               </p:ext>
             </p:extLst>
           </p:nvPr>
         </p:nvGraphicFramePr>
         <p:xfrm>
-          <a:off x="3725828" y="2483082"/>
+          <a:off x="3746574" y="2533650"/>
           <a:ext cx="3249886" cy="3779520"/>
         </p:xfrm>
         <a:graphic>
@@ -13947,7 +13954,7 @@
                     <a:p>
                       <a:pPr algn="ctr" rtl="0" fontAlgn="b"/>
                       <a:r>
-                        <a:rPr lang="en-US" sz="1000" b="1" i="0" u="none" strike="noStrike" dirty="0">
+                        <a:rPr lang="en-US" sz="1100" b="1" i="0" u="none" strike="noStrike" dirty="0">
                           <a:solidFill>
                             <a:srgbClr val="000000"/>
                           </a:solidFill>
@@ -13995,7 +14002,7 @@
                     <a:p>
                       <a:pPr algn="ctr" rtl="0" fontAlgn="b"/>
                       <a:r>
-                        <a:rPr lang="en-US" sz="1000" b="1" i="0" u="none" strike="noStrike" dirty="0">
+                        <a:rPr lang="en-US" sz="1100" b="1" i="0" u="none" strike="noStrike" dirty="0">
                           <a:solidFill>
                             <a:srgbClr val="000000"/>
                           </a:solidFill>
@@ -14157,7 +14164,7 @@
                     <a:p>
                       <a:pPr algn="ctr" rtl="0" fontAlgn="b"/>
                       <a:r>
-                        <a:rPr lang="en-US" sz="900" b="1" i="0" u="none" strike="noStrike">
+                        <a:rPr lang="en-US" sz="900" b="1" i="0" u="none" strike="noStrike" dirty="0">
                           <a:solidFill>
                             <a:srgbClr val="000000"/>
                           </a:solidFill>
@@ -14312,7 +14319,7 @@
                     <a:p>
                       <a:pPr algn="ctr" rtl="0" fontAlgn="b"/>
                       <a:r>
-                        <a:rPr lang="en-US" sz="900" b="1" i="0" u="none" strike="noStrike">
+                        <a:rPr lang="en-US" sz="900" b="1" i="0" u="none" strike="noStrike" dirty="0">
                           <a:solidFill>
                             <a:srgbClr val="000000"/>
                           </a:solidFill>
@@ -14469,7 +14476,7 @@
                     <a:p>
                       <a:pPr algn="ctr" rtl="0" fontAlgn="b"/>
                       <a:r>
-                        <a:rPr lang="en-US" sz="900" b="1" i="0" u="none" strike="noStrike">
+                        <a:rPr lang="en-US" sz="900" b="1" i="0" u="none" strike="noStrike" dirty="0">
                           <a:solidFill>
                             <a:srgbClr val="000000"/>
                           </a:solidFill>
@@ -14624,7 +14631,7 @@
                     <a:p>
                       <a:pPr algn="ctr" rtl="0" fontAlgn="b"/>
                       <a:r>
-                        <a:rPr lang="en-US" sz="900" b="1" i="0" u="none" strike="noStrike">
+                        <a:rPr lang="en-US" sz="900" b="1" i="0" u="none" strike="noStrike" dirty="0">
                           <a:solidFill>
                             <a:srgbClr val="000000"/>
                           </a:solidFill>
@@ -14772,16 +14779,6 @@
                     <a:p>
                       <a:pPr algn="ctr" rtl="0" fontAlgn="b"/>
                       <a:r>
-                        <a:rPr lang="en-US" sz="900" b="1" i="0" u="none" strike="noStrike" dirty="0" err="1">
-                          <a:solidFill>
-                            <a:srgbClr val="000000"/>
-                          </a:solidFill>
-                          <a:effectLst/>
-                          <a:latin typeface="Candara" panose="020E0502030303020204" pitchFamily="34" charset="0"/>
-                        </a:rPr>
-                        <a:t>Bereau</a:t>
-                      </a:r>
-                      <a:r>
                         <a:rPr lang="en-US" sz="900" b="1" i="0" u="none" strike="noStrike" dirty="0">
                           <a:solidFill>
                             <a:srgbClr val="000000"/>
@@ -14789,7 +14786,7 @@
                           <a:effectLst/>
                           <a:latin typeface="Candara" panose="020E0502030303020204" pitchFamily="34" charset="0"/>
                         </a:rPr>
-                        <a:t> Score</a:t>
+                        <a:t>Bureau Score</a:t>
                       </a:r>
                     </a:p>
                   </a:txBody>
@@ -16602,6 +16599,2472 @@
           </a:extLst>
         </p:spPr>
       </p:pic>
+      <p:sp>
+        <p:nvSpPr>
+          <p:cNvPr id="3" name="TextBox 2">
+            <a:extLst>
+              <a:ext uri="{FF2B5EF4-FFF2-40B4-BE49-F238E27FC236}">
+                <a16:creationId xmlns:a16="http://schemas.microsoft.com/office/drawing/2014/main" id="{65CDC8D5-D49C-6FAD-B455-AD9BDBF2100E}"/>
+              </a:ext>
+            </a:extLst>
+          </p:cNvPr>
+          <p:cNvSpPr txBox="1"/>
+          <p:nvPr/>
+        </p:nvSpPr>
+        <p:spPr>
+          <a:xfrm>
+            <a:off x="968879" y="2163689"/>
+            <a:ext cx="822960" cy="274320"/>
+          </a:xfrm>
+          <a:prstGeom prst="rect">
+            <a:avLst/>
+          </a:prstGeom>
+          <a:noFill/>
+        </p:spPr>
+        <p:txBody>
+          <a:bodyPr wrap="square">
+            <a:spAutoFit/>
+          </a:bodyPr>
+          <a:lstStyle/>
+          <a:p>
+            <a:pPr>
+              <a:lnSpc>
+                <a:spcPts val="1600"/>
+              </a:lnSpc>
+            </a:pPr>
+            <a:r>
+              <a:rPr lang="en-GB" sz="700" b="1" dirty="0"/>
+              <a:t>Enrichment Data</a:t>
+            </a:r>
+          </a:p>
+        </p:txBody>
+      </p:sp>
+      <p:sp>
+        <p:nvSpPr>
+          <p:cNvPr id="4" name="TextBox 3">
+            <a:extLst>
+              <a:ext uri="{FF2B5EF4-FFF2-40B4-BE49-F238E27FC236}">
+                <a16:creationId xmlns:a16="http://schemas.microsoft.com/office/drawing/2014/main" id="{9460ECF5-A2CA-C226-2E27-29873E90D25E}"/>
+              </a:ext>
+            </a:extLst>
+          </p:cNvPr>
+          <p:cNvSpPr txBox="1"/>
+          <p:nvPr/>
+        </p:nvSpPr>
+        <p:spPr>
+          <a:xfrm>
+            <a:off x="3218621" y="2180312"/>
+            <a:ext cx="938530" cy="274320"/>
+          </a:xfrm>
+          <a:prstGeom prst="rect">
+            <a:avLst/>
+          </a:prstGeom>
+          <a:noFill/>
+        </p:spPr>
+        <p:txBody>
+          <a:bodyPr wrap="square">
+            <a:spAutoFit/>
+          </a:bodyPr>
+          <a:lstStyle/>
+          <a:p>
+            <a:pPr>
+              <a:lnSpc>
+                <a:spcPts val="1600"/>
+              </a:lnSpc>
+            </a:pPr>
+            <a:r>
+              <a:rPr lang="en-GB" sz="700" b="1" dirty="0"/>
+              <a:t>Demographic Data</a:t>
+            </a:r>
+          </a:p>
+        </p:txBody>
+      </p:sp>
+      <p:sp>
+        <p:nvSpPr>
+          <p:cNvPr id="5" name="TextBox 4">
+            <a:extLst>
+              <a:ext uri="{FF2B5EF4-FFF2-40B4-BE49-F238E27FC236}">
+                <a16:creationId xmlns:a16="http://schemas.microsoft.com/office/drawing/2014/main" id="{9AD4F496-147A-84D5-CBD8-E371D4497758}"/>
+              </a:ext>
+            </a:extLst>
+          </p:cNvPr>
+          <p:cNvSpPr txBox="1"/>
+          <p:nvPr/>
+        </p:nvSpPr>
+        <p:spPr>
+          <a:xfrm>
+            <a:off x="2141473" y="2177276"/>
+            <a:ext cx="822960" cy="274320"/>
+          </a:xfrm>
+          <a:prstGeom prst="rect">
+            <a:avLst/>
+          </a:prstGeom>
+          <a:noFill/>
+        </p:spPr>
+        <p:txBody>
+          <a:bodyPr wrap="square">
+            <a:spAutoFit/>
+          </a:bodyPr>
+          <a:lstStyle/>
+          <a:p>
+            <a:pPr>
+              <a:lnSpc>
+                <a:spcPts val="1600"/>
+              </a:lnSpc>
+            </a:pPr>
+            <a:r>
+              <a:rPr lang="en-GB" sz="700" b="1" dirty="0"/>
+              <a:t>Bank Data</a:t>
+            </a:r>
+          </a:p>
+        </p:txBody>
+      </p:sp>
+      <p:sp>
+        <p:nvSpPr>
+          <p:cNvPr id="8" name="TextBox 7">
+            <a:extLst>
+              <a:ext uri="{FF2B5EF4-FFF2-40B4-BE49-F238E27FC236}">
+                <a16:creationId xmlns:a16="http://schemas.microsoft.com/office/drawing/2014/main" id="{8EF1D3B0-4ABC-A5BF-B906-B78216252340}"/>
+              </a:ext>
+            </a:extLst>
+          </p:cNvPr>
+          <p:cNvSpPr txBox="1"/>
+          <p:nvPr/>
+        </p:nvSpPr>
+        <p:spPr>
+          <a:xfrm>
+            <a:off x="4540689" y="2173458"/>
+            <a:ext cx="822960" cy="274320"/>
+          </a:xfrm>
+          <a:prstGeom prst="rect">
+            <a:avLst/>
+          </a:prstGeom>
+          <a:noFill/>
+        </p:spPr>
+        <p:txBody>
+          <a:bodyPr wrap="square">
+            <a:spAutoFit/>
+          </a:bodyPr>
+          <a:lstStyle/>
+          <a:p>
+            <a:pPr>
+              <a:lnSpc>
+                <a:spcPts val="1600"/>
+              </a:lnSpc>
+            </a:pPr>
+            <a:r>
+              <a:rPr lang="en-GB" sz="700" b="1" dirty="0"/>
+              <a:t>Insurance Data</a:t>
+            </a:r>
+          </a:p>
+        </p:txBody>
+      </p:sp>
+      <p:sp>
+        <p:nvSpPr>
+          <p:cNvPr id="9" name="Rectangle 8">
+            <a:extLst>
+              <a:ext uri="{FF2B5EF4-FFF2-40B4-BE49-F238E27FC236}">
+                <a16:creationId xmlns:a16="http://schemas.microsoft.com/office/drawing/2014/main" id="{2A8D05C1-B05B-98BB-842F-1E626A8B7FF0}"/>
+              </a:ext>
+            </a:extLst>
+          </p:cNvPr>
+          <p:cNvSpPr/>
+          <p:nvPr/>
+        </p:nvSpPr>
+        <p:spPr>
+          <a:xfrm>
+            <a:off x="843280" y="1706880"/>
+            <a:ext cx="4520370" cy="745107"/>
+          </a:xfrm>
+          <a:prstGeom prst="rect">
+            <a:avLst/>
+          </a:prstGeom>
+          <a:noFill/>
+          <a:ln w="25400">
+            <a:prstDash val="sysDash"/>
+          </a:ln>
+        </p:spPr>
+        <p:style>
+          <a:lnRef idx="2">
+            <a:schemeClr val="accent1">
+              <a:shade val="15000"/>
+            </a:schemeClr>
+          </a:lnRef>
+          <a:fillRef idx="1">
+            <a:schemeClr val="accent1"/>
+          </a:fillRef>
+          <a:effectRef idx="0">
+            <a:schemeClr val="accent1"/>
+          </a:effectRef>
+          <a:fontRef idx="minor">
+            <a:schemeClr val="lt1"/>
+          </a:fontRef>
+        </p:style>
+        <p:txBody>
+          <a:bodyPr rtlCol="0" anchor="ctr"/>
+          <a:lstStyle/>
+          <a:p>
+            <a:pPr algn="ctr"/>
+            <a:endParaRPr lang="en-US"/>
+          </a:p>
+        </p:txBody>
+      </p:sp>
+      <p:sp>
+        <p:nvSpPr>
+          <p:cNvPr id="10" name="TextBox 9">
+            <a:extLst>
+              <a:ext uri="{FF2B5EF4-FFF2-40B4-BE49-F238E27FC236}">
+                <a16:creationId xmlns:a16="http://schemas.microsoft.com/office/drawing/2014/main" id="{7DF7E3E4-1144-4992-114B-31377A0650C2}"/>
+              </a:ext>
+            </a:extLst>
+          </p:cNvPr>
+          <p:cNvSpPr txBox="1"/>
+          <p:nvPr/>
+        </p:nvSpPr>
+        <p:spPr>
+          <a:xfrm>
+            <a:off x="2651837" y="1510612"/>
+            <a:ext cx="1133567" cy="282129"/>
+          </a:xfrm>
+          <a:prstGeom prst="rect">
+            <a:avLst/>
+          </a:prstGeom>
+          <a:solidFill>
+            <a:schemeClr val="bg1"/>
+          </a:solidFill>
+          <a:ln>
+            <a:solidFill>
+              <a:schemeClr val="tx2">
+                <a:lumMod val="50000"/>
+              </a:schemeClr>
+            </a:solidFill>
+          </a:ln>
+        </p:spPr>
+        <p:txBody>
+          <a:bodyPr wrap="square">
+            <a:spAutoFit/>
+          </a:bodyPr>
+          <a:lstStyle/>
+          <a:p>
+            <a:pPr algn="r">
+              <a:lnSpc>
+                <a:spcPts val="1600"/>
+              </a:lnSpc>
+            </a:pPr>
+            <a:r>
+              <a:rPr lang="en-GB" sz="1000" b="1" dirty="0">
+                <a:solidFill>
+                  <a:schemeClr val="tx2"/>
+                </a:solidFill>
+                <a:latin typeface="Poppins "/>
+                <a:ea typeface="Inter" panose="02000503000000020004" pitchFamily="2" charset="0"/>
+              </a:rPr>
+              <a:t>Data Sources</a:t>
+            </a:r>
+          </a:p>
+        </p:txBody>
+      </p:sp>
+      <p:pic>
+        <p:nvPicPr>
+          <p:cNvPr id="1026" name="Picture 2" descr="Bank ">
+            <a:extLst>
+              <a:ext uri="{FF2B5EF4-FFF2-40B4-BE49-F238E27FC236}">
+                <a16:creationId xmlns:a16="http://schemas.microsoft.com/office/drawing/2014/main" id="{8333EDEB-E985-136B-8047-439CA68BABAE}"/>
+              </a:ext>
+            </a:extLst>
+          </p:cNvPr>
+          <p:cNvPicPr>
+            <a:picLocks noChangeAspect="1" noChangeArrowheads="1"/>
+          </p:cNvPicPr>
+          <p:nvPr/>
+        </p:nvPicPr>
+        <p:blipFill>
+          <a:blip r:embed="rId3">
+            <a:extLst>
+              <a:ext uri="{28A0092B-C50C-407E-A947-70E740481C1C}">
+                <a14:useLocalDpi xmlns:a14="http://schemas.microsoft.com/office/drawing/2010/main" val="0"/>
+              </a:ext>
+            </a:extLst>
+          </a:blip>
+          <a:srcRect/>
+          <a:stretch>
+            <a:fillRect/>
+          </a:stretch>
+        </p:blipFill>
+        <p:spPr bwMode="auto">
+          <a:xfrm>
+            <a:off x="2247613" y="1882966"/>
+            <a:ext cx="365760" cy="365760"/>
+          </a:xfrm>
+          <a:prstGeom prst="rect">
+            <a:avLst/>
+          </a:prstGeom>
+          <a:noFill/>
+          <a:extLst>
+            <a:ext uri="{909E8E84-426E-40DD-AFC4-6F175D3DCCD1}">
+              <a14:hiddenFill xmlns:a14="http://schemas.microsoft.com/office/drawing/2010/main">
+                <a:solidFill>
+                  <a:srgbClr val="FFFFFF"/>
+                </a:solidFill>
+              </a14:hiddenFill>
+            </a:ext>
+          </a:extLst>
+        </p:spPr>
+      </p:pic>
+      <p:pic>
+        <p:nvPicPr>
+          <p:cNvPr id="1028" name="Picture 4" descr="Demographic ">
+            <a:extLst>
+              <a:ext uri="{FF2B5EF4-FFF2-40B4-BE49-F238E27FC236}">
+                <a16:creationId xmlns:a16="http://schemas.microsoft.com/office/drawing/2014/main" id="{CBE75E0B-9364-33F2-2862-4CC9EC67C412}"/>
+              </a:ext>
+            </a:extLst>
+          </p:cNvPr>
+          <p:cNvPicPr>
+            <a:picLocks noChangeAspect="1" noChangeArrowheads="1"/>
+          </p:cNvPicPr>
+          <p:nvPr/>
+        </p:nvPicPr>
+        <p:blipFill>
+          <a:blip r:embed="rId4">
+            <a:extLst>
+              <a:ext uri="{28A0092B-C50C-407E-A947-70E740481C1C}">
+                <a14:useLocalDpi xmlns:a14="http://schemas.microsoft.com/office/drawing/2010/main" val="0"/>
+              </a:ext>
+            </a:extLst>
+          </a:blip>
+          <a:srcRect/>
+          <a:stretch>
+            <a:fillRect/>
+          </a:stretch>
+        </p:blipFill>
+        <p:spPr bwMode="auto">
+          <a:xfrm>
+            <a:off x="3370562" y="1882966"/>
+            <a:ext cx="365760" cy="365760"/>
+          </a:xfrm>
+          <a:prstGeom prst="rect">
+            <a:avLst/>
+          </a:prstGeom>
+          <a:noFill/>
+          <a:extLst>
+            <a:ext uri="{909E8E84-426E-40DD-AFC4-6F175D3DCCD1}">
+              <a14:hiddenFill xmlns:a14="http://schemas.microsoft.com/office/drawing/2010/main">
+                <a:solidFill>
+                  <a:srgbClr val="FFFFFF"/>
+                </a:solidFill>
+              </a14:hiddenFill>
+            </a:ext>
+          </a:extLst>
+        </p:spPr>
+      </p:pic>
+      <p:pic>
+        <p:nvPicPr>
+          <p:cNvPr id="1030" name="Picture 6" descr="Insurance ">
+            <a:extLst>
+              <a:ext uri="{FF2B5EF4-FFF2-40B4-BE49-F238E27FC236}">
+                <a16:creationId xmlns:a16="http://schemas.microsoft.com/office/drawing/2014/main" id="{1C8641D0-906B-5F41-2B12-7B5D1AE54D6D}"/>
+              </a:ext>
+            </a:extLst>
+          </p:cNvPr>
+          <p:cNvPicPr>
+            <a:picLocks noChangeAspect="1" noChangeArrowheads="1"/>
+          </p:cNvPicPr>
+          <p:nvPr/>
+        </p:nvPicPr>
+        <p:blipFill>
+          <a:blip r:embed="rId5">
+            <a:extLst>
+              <a:ext uri="{28A0092B-C50C-407E-A947-70E740481C1C}">
+                <a14:useLocalDpi xmlns:a14="http://schemas.microsoft.com/office/drawing/2010/main" val="0"/>
+              </a:ext>
+            </a:extLst>
+          </a:blip>
+          <a:srcRect/>
+          <a:stretch>
+            <a:fillRect/>
+          </a:stretch>
+        </p:blipFill>
+        <p:spPr bwMode="auto">
+          <a:xfrm>
+            <a:off x="4723934" y="1882966"/>
+            <a:ext cx="365760" cy="365760"/>
+          </a:xfrm>
+          <a:prstGeom prst="rect">
+            <a:avLst/>
+          </a:prstGeom>
+          <a:noFill/>
+          <a:extLst>
+            <a:ext uri="{909E8E84-426E-40DD-AFC4-6F175D3DCCD1}">
+              <a14:hiddenFill xmlns:a14="http://schemas.microsoft.com/office/drawing/2010/main">
+                <a:solidFill>
+                  <a:srgbClr val="FFFFFF"/>
+                </a:solidFill>
+              </a14:hiddenFill>
+            </a:ext>
+          </a:extLst>
+        </p:spPr>
+      </p:pic>
+      <p:pic>
+        <p:nvPicPr>
+          <p:cNvPr id="1032" name="Picture 8" descr="Online analysis ">
+            <a:extLst>
+              <a:ext uri="{FF2B5EF4-FFF2-40B4-BE49-F238E27FC236}">
+                <a16:creationId xmlns:a16="http://schemas.microsoft.com/office/drawing/2014/main" id="{E820324A-0571-94B1-3124-CC0B5FB420AB}"/>
+              </a:ext>
+            </a:extLst>
+          </p:cNvPr>
+          <p:cNvPicPr>
+            <a:picLocks noChangeAspect="1" noChangeArrowheads="1"/>
+          </p:cNvPicPr>
+          <p:nvPr/>
+        </p:nvPicPr>
+        <p:blipFill>
+          <a:blip r:embed="rId6">
+            <a:extLst>
+              <a:ext uri="{28A0092B-C50C-407E-A947-70E740481C1C}">
+                <a14:useLocalDpi xmlns:a14="http://schemas.microsoft.com/office/drawing/2010/main" val="0"/>
+              </a:ext>
+            </a:extLst>
+          </a:blip>
+          <a:srcRect/>
+          <a:stretch>
+            <a:fillRect/>
+          </a:stretch>
+        </p:blipFill>
+        <p:spPr bwMode="auto">
+          <a:xfrm>
+            <a:off x="1160455" y="1882966"/>
+            <a:ext cx="365760" cy="365760"/>
+          </a:xfrm>
+          <a:prstGeom prst="rect">
+            <a:avLst/>
+          </a:prstGeom>
+          <a:noFill/>
+          <a:extLst>
+            <a:ext uri="{909E8E84-426E-40DD-AFC4-6F175D3DCCD1}">
+              <a14:hiddenFill xmlns:a14="http://schemas.microsoft.com/office/drawing/2010/main">
+                <a:solidFill>
+                  <a:srgbClr val="FFFFFF"/>
+                </a:solidFill>
+              </a14:hiddenFill>
+            </a:ext>
+          </a:extLst>
+        </p:spPr>
+      </p:pic>
+      <p:sp>
+        <p:nvSpPr>
+          <p:cNvPr id="12" name="Rectangle 11">
+            <a:extLst>
+              <a:ext uri="{FF2B5EF4-FFF2-40B4-BE49-F238E27FC236}">
+                <a16:creationId xmlns:a16="http://schemas.microsoft.com/office/drawing/2014/main" id="{F52D48FF-1AB2-5160-3700-5D5857F4F397}"/>
+              </a:ext>
+            </a:extLst>
+          </p:cNvPr>
+          <p:cNvSpPr/>
+          <p:nvPr/>
+        </p:nvSpPr>
+        <p:spPr>
+          <a:xfrm>
+            <a:off x="860717" y="2916840"/>
+            <a:ext cx="1260005" cy="3267585"/>
+          </a:xfrm>
+          <a:prstGeom prst="rect">
+            <a:avLst/>
+          </a:prstGeom>
+          <a:noFill/>
+          <a:ln w="25400">
+            <a:prstDash val="sysDash"/>
+          </a:ln>
+        </p:spPr>
+        <p:style>
+          <a:lnRef idx="2">
+            <a:schemeClr val="accent1">
+              <a:shade val="15000"/>
+            </a:schemeClr>
+          </a:lnRef>
+          <a:fillRef idx="1">
+            <a:schemeClr val="accent1"/>
+          </a:fillRef>
+          <a:effectRef idx="0">
+            <a:schemeClr val="accent1"/>
+          </a:effectRef>
+          <a:fontRef idx="minor">
+            <a:schemeClr val="lt1"/>
+          </a:fontRef>
+        </p:style>
+        <p:txBody>
+          <a:bodyPr rtlCol="0" anchor="ctr"/>
+          <a:lstStyle/>
+          <a:p>
+            <a:pPr algn="ctr"/>
+            <a:endParaRPr lang="en-US"/>
+          </a:p>
+        </p:txBody>
+      </p:sp>
+      <p:sp>
+        <p:nvSpPr>
+          <p:cNvPr id="14" name="TextBox 13">
+            <a:extLst>
+              <a:ext uri="{FF2B5EF4-FFF2-40B4-BE49-F238E27FC236}">
+                <a16:creationId xmlns:a16="http://schemas.microsoft.com/office/drawing/2014/main" id="{91271301-A1F8-8E08-1663-F0676CA8DABE}"/>
+              </a:ext>
+            </a:extLst>
+          </p:cNvPr>
+          <p:cNvSpPr txBox="1"/>
+          <p:nvPr/>
+        </p:nvSpPr>
+        <p:spPr>
+          <a:xfrm>
+            <a:off x="948402" y="2656600"/>
+            <a:ext cx="1133567" cy="369332"/>
+          </a:xfrm>
+          <a:prstGeom prst="rect">
+            <a:avLst/>
+          </a:prstGeom>
+          <a:solidFill>
+            <a:schemeClr val="bg1"/>
+          </a:solidFill>
+          <a:ln>
+            <a:solidFill>
+              <a:schemeClr val="tx2">
+                <a:lumMod val="50000"/>
+              </a:schemeClr>
+            </a:solidFill>
+          </a:ln>
+        </p:spPr>
+        <p:txBody>
+          <a:bodyPr wrap="square">
+            <a:spAutoFit/>
+          </a:bodyPr>
+          <a:lstStyle/>
+          <a:p>
+            <a:pPr algn="ctr"/>
+            <a:r>
+              <a:rPr lang="en-GB" sz="900" b="1" dirty="0">
+                <a:solidFill>
+                  <a:schemeClr val="tx2"/>
+                </a:solidFill>
+                <a:latin typeface="Poppins "/>
+                <a:ea typeface="Inter" panose="02000503000000020004" pitchFamily="2" charset="0"/>
+              </a:rPr>
+              <a:t>Model Deployment</a:t>
+            </a:r>
+          </a:p>
+        </p:txBody>
+      </p:sp>
+      <p:sp>
+        <p:nvSpPr>
+          <p:cNvPr id="15" name="Rectangle 14">
+            <a:extLst>
+              <a:ext uri="{FF2B5EF4-FFF2-40B4-BE49-F238E27FC236}">
+                <a16:creationId xmlns:a16="http://schemas.microsoft.com/office/drawing/2014/main" id="{D0FDE77A-3AF5-EBF7-8DB9-E30DCBA4B3C9}"/>
+              </a:ext>
+            </a:extLst>
+          </p:cNvPr>
+          <p:cNvSpPr/>
+          <p:nvPr/>
+        </p:nvSpPr>
+        <p:spPr>
+          <a:xfrm>
+            <a:off x="2544468" y="2980870"/>
+            <a:ext cx="2819181" cy="745107"/>
+          </a:xfrm>
+          <a:prstGeom prst="rect">
+            <a:avLst/>
+          </a:prstGeom>
+          <a:noFill/>
+          <a:ln w="25400">
+            <a:prstDash val="sysDash"/>
+          </a:ln>
+        </p:spPr>
+        <p:style>
+          <a:lnRef idx="2">
+            <a:schemeClr val="accent1">
+              <a:shade val="15000"/>
+            </a:schemeClr>
+          </a:lnRef>
+          <a:fillRef idx="1">
+            <a:schemeClr val="accent1"/>
+          </a:fillRef>
+          <a:effectRef idx="0">
+            <a:schemeClr val="accent1"/>
+          </a:effectRef>
+          <a:fontRef idx="minor">
+            <a:schemeClr val="lt1"/>
+          </a:fontRef>
+        </p:style>
+        <p:txBody>
+          <a:bodyPr rtlCol="0" anchor="ctr"/>
+          <a:lstStyle/>
+          <a:p>
+            <a:pPr algn="ctr"/>
+            <a:endParaRPr lang="en-US"/>
+          </a:p>
+        </p:txBody>
+      </p:sp>
+      <p:sp>
+        <p:nvSpPr>
+          <p:cNvPr id="16" name="Rectangle 15">
+            <a:extLst>
+              <a:ext uri="{FF2B5EF4-FFF2-40B4-BE49-F238E27FC236}">
+                <a16:creationId xmlns:a16="http://schemas.microsoft.com/office/drawing/2014/main" id="{0E14C1D6-F460-129F-77A4-18046AF07744}"/>
+              </a:ext>
+            </a:extLst>
+          </p:cNvPr>
+          <p:cNvSpPr/>
+          <p:nvPr/>
+        </p:nvSpPr>
+        <p:spPr>
+          <a:xfrm>
+            <a:off x="2544468" y="4033460"/>
+            <a:ext cx="2819181" cy="745107"/>
+          </a:xfrm>
+          <a:prstGeom prst="rect">
+            <a:avLst/>
+          </a:prstGeom>
+          <a:noFill/>
+          <a:ln w="25400">
+            <a:prstDash val="sysDash"/>
+          </a:ln>
+        </p:spPr>
+        <p:style>
+          <a:lnRef idx="2">
+            <a:schemeClr val="accent1">
+              <a:shade val="15000"/>
+            </a:schemeClr>
+          </a:lnRef>
+          <a:fillRef idx="1">
+            <a:schemeClr val="accent1"/>
+          </a:fillRef>
+          <a:effectRef idx="0">
+            <a:schemeClr val="accent1"/>
+          </a:effectRef>
+          <a:fontRef idx="minor">
+            <a:schemeClr val="lt1"/>
+          </a:fontRef>
+        </p:style>
+        <p:txBody>
+          <a:bodyPr rtlCol="0" anchor="ctr"/>
+          <a:lstStyle/>
+          <a:p>
+            <a:pPr algn="ctr"/>
+            <a:endParaRPr lang="en-US"/>
+          </a:p>
+        </p:txBody>
+      </p:sp>
+      <p:sp>
+        <p:nvSpPr>
+          <p:cNvPr id="17" name="Rectangle 16">
+            <a:extLst>
+              <a:ext uri="{FF2B5EF4-FFF2-40B4-BE49-F238E27FC236}">
+                <a16:creationId xmlns:a16="http://schemas.microsoft.com/office/drawing/2014/main" id="{27F9548A-77E7-E5C7-36DB-AAEDF7CB1C43}"/>
+              </a:ext>
+            </a:extLst>
+          </p:cNvPr>
+          <p:cNvSpPr/>
+          <p:nvPr/>
+        </p:nvSpPr>
+        <p:spPr>
+          <a:xfrm>
+            <a:off x="2544467" y="5086668"/>
+            <a:ext cx="2819181" cy="745107"/>
+          </a:xfrm>
+          <a:prstGeom prst="rect">
+            <a:avLst/>
+          </a:prstGeom>
+          <a:noFill/>
+          <a:ln w="25400">
+            <a:prstDash val="sysDash"/>
+          </a:ln>
+        </p:spPr>
+        <p:style>
+          <a:lnRef idx="2">
+            <a:schemeClr val="accent1">
+              <a:shade val="15000"/>
+            </a:schemeClr>
+          </a:lnRef>
+          <a:fillRef idx="1">
+            <a:schemeClr val="accent1"/>
+          </a:fillRef>
+          <a:effectRef idx="0">
+            <a:schemeClr val="accent1"/>
+          </a:effectRef>
+          <a:fontRef idx="minor">
+            <a:schemeClr val="lt1"/>
+          </a:fontRef>
+        </p:style>
+        <p:txBody>
+          <a:bodyPr rtlCol="0" anchor="ctr"/>
+          <a:lstStyle/>
+          <a:p>
+            <a:pPr algn="ctr"/>
+            <a:endParaRPr lang="en-US"/>
+          </a:p>
+        </p:txBody>
+      </p:sp>
+      <p:sp>
+        <p:nvSpPr>
+          <p:cNvPr id="18" name="TextBox 17">
+            <a:extLst>
+              <a:ext uri="{FF2B5EF4-FFF2-40B4-BE49-F238E27FC236}">
+                <a16:creationId xmlns:a16="http://schemas.microsoft.com/office/drawing/2014/main" id="{5130499B-E733-3584-B7F0-DA77301F5872}"/>
+              </a:ext>
+            </a:extLst>
+          </p:cNvPr>
+          <p:cNvSpPr txBox="1"/>
+          <p:nvPr/>
+        </p:nvSpPr>
+        <p:spPr>
+          <a:xfrm>
+            <a:off x="3815699" y="2832951"/>
+            <a:ext cx="1133567" cy="282129"/>
+          </a:xfrm>
+          <a:prstGeom prst="rect">
+            <a:avLst/>
+          </a:prstGeom>
+          <a:solidFill>
+            <a:schemeClr val="bg1"/>
+          </a:solidFill>
+          <a:ln>
+            <a:solidFill>
+              <a:schemeClr val="tx2">
+                <a:lumMod val="50000"/>
+              </a:schemeClr>
+            </a:solidFill>
+          </a:ln>
+        </p:spPr>
+        <p:txBody>
+          <a:bodyPr wrap="square">
+            <a:spAutoFit/>
+          </a:bodyPr>
+          <a:lstStyle/>
+          <a:p>
+            <a:pPr algn="r">
+              <a:lnSpc>
+                <a:spcPts val="1600"/>
+              </a:lnSpc>
+            </a:pPr>
+            <a:r>
+              <a:rPr lang="en-GB" sz="1000" b="1" dirty="0">
+                <a:solidFill>
+                  <a:schemeClr val="tx2"/>
+                </a:solidFill>
+                <a:latin typeface="Poppins "/>
+                <a:ea typeface="Inter" panose="02000503000000020004" pitchFamily="2" charset="0"/>
+              </a:rPr>
+              <a:t>API Endpoint</a:t>
+            </a:r>
+          </a:p>
+        </p:txBody>
+      </p:sp>
+      <p:sp>
+        <p:nvSpPr>
+          <p:cNvPr id="19" name="TextBox 18">
+            <a:extLst>
+              <a:ext uri="{FF2B5EF4-FFF2-40B4-BE49-F238E27FC236}">
+                <a16:creationId xmlns:a16="http://schemas.microsoft.com/office/drawing/2014/main" id="{E9022E78-6DB7-0D42-CD51-8FE10007D772}"/>
+              </a:ext>
+            </a:extLst>
+          </p:cNvPr>
+          <p:cNvSpPr txBox="1"/>
+          <p:nvPr/>
+        </p:nvSpPr>
+        <p:spPr>
+          <a:xfrm>
+            <a:off x="3794345" y="3892395"/>
+            <a:ext cx="1492688" cy="282129"/>
+          </a:xfrm>
+          <a:prstGeom prst="rect">
+            <a:avLst/>
+          </a:prstGeom>
+          <a:solidFill>
+            <a:schemeClr val="bg1"/>
+          </a:solidFill>
+          <a:ln>
+            <a:solidFill>
+              <a:schemeClr val="tx2">
+                <a:lumMod val="50000"/>
+              </a:schemeClr>
+            </a:solidFill>
+          </a:ln>
+        </p:spPr>
+        <p:txBody>
+          <a:bodyPr wrap="square">
+            <a:spAutoFit/>
+          </a:bodyPr>
+          <a:lstStyle/>
+          <a:p>
+            <a:pPr algn="r">
+              <a:lnSpc>
+                <a:spcPts val="1600"/>
+              </a:lnSpc>
+            </a:pPr>
+            <a:r>
+              <a:rPr lang="en-GB" sz="1000" b="1" dirty="0">
+                <a:solidFill>
+                  <a:schemeClr val="tx2"/>
+                </a:solidFill>
+                <a:latin typeface="Poppins "/>
+                <a:ea typeface="Inter" panose="02000503000000020004" pitchFamily="2" charset="0"/>
+              </a:rPr>
+              <a:t>Model Development</a:t>
+            </a:r>
+          </a:p>
+        </p:txBody>
+      </p:sp>
+      <p:sp>
+        <p:nvSpPr>
+          <p:cNvPr id="20" name="TextBox 19">
+            <a:extLst>
+              <a:ext uri="{FF2B5EF4-FFF2-40B4-BE49-F238E27FC236}">
+                <a16:creationId xmlns:a16="http://schemas.microsoft.com/office/drawing/2014/main" id="{3264E8F0-BF40-39BE-7D25-09A271294459}"/>
+              </a:ext>
+            </a:extLst>
+          </p:cNvPr>
+          <p:cNvSpPr txBox="1"/>
+          <p:nvPr/>
+        </p:nvSpPr>
+        <p:spPr>
+          <a:xfrm>
+            <a:off x="3785404" y="4948248"/>
+            <a:ext cx="1492688" cy="282129"/>
+          </a:xfrm>
+          <a:prstGeom prst="rect">
+            <a:avLst/>
+          </a:prstGeom>
+          <a:solidFill>
+            <a:schemeClr val="bg1"/>
+          </a:solidFill>
+          <a:ln>
+            <a:solidFill>
+              <a:schemeClr val="tx2">
+                <a:lumMod val="50000"/>
+              </a:schemeClr>
+            </a:solidFill>
+          </a:ln>
+        </p:spPr>
+        <p:txBody>
+          <a:bodyPr wrap="square">
+            <a:spAutoFit/>
+          </a:bodyPr>
+          <a:lstStyle/>
+          <a:p>
+            <a:pPr algn="r">
+              <a:lnSpc>
+                <a:spcPts val="1600"/>
+              </a:lnSpc>
+            </a:pPr>
+            <a:r>
+              <a:rPr lang="en-GB" sz="1000" b="1" dirty="0">
+                <a:solidFill>
+                  <a:schemeClr val="tx2"/>
+                </a:solidFill>
+                <a:latin typeface="Poppins "/>
+                <a:ea typeface="Inter" panose="02000503000000020004" pitchFamily="2" charset="0"/>
+              </a:rPr>
+              <a:t>Data pipeline</a:t>
+            </a:r>
+          </a:p>
+        </p:txBody>
+      </p:sp>
+      <p:sp>
+        <p:nvSpPr>
+          <p:cNvPr id="29" name="TextBox 28">
+            <a:extLst>
+              <a:ext uri="{FF2B5EF4-FFF2-40B4-BE49-F238E27FC236}">
+                <a16:creationId xmlns:a16="http://schemas.microsoft.com/office/drawing/2014/main" id="{1BD8B441-E433-3288-3A1C-16290805645E}"/>
+              </a:ext>
+            </a:extLst>
+          </p:cNvPr>
+          <p:cNvSpPr txBox="1"/>
+          <p:nvPr/>
+        </p:nvSpPr>
+        <p:spPr>
+          <a:xfrm>
+            <a:off x="2643216" y="5558779"/>
+            <a:ext cx="822960" cy="274320"/>
+          </a:xfrm>
+          <a:prstGeom prst="rect">
+            <a:avLst/>
+          </a:prstGeom>
+          <a:noFill/>
+        </p:spPr>
+        <p:txBody>
+          <a:bodyPr wrap="square">
+            <a:spAutoFit/>
+          </a:bodyPr>
+          <a:lstStyle/>
+          <a:p>
+            <a:pPr>
+              <a:lnSpc>
+                <a:spcPts val="1600"/>
+              </a:lnSpc>
+            </a:pPr>
+            <a:r>
+              <a:rPr lang="en-GB" sz="700" b="1" dirty="0"/>
+              <a:t>Validate</a:t>
+            </a:r>
+          </a:p>
+        </p:txBody>
+      </p:sp>
+      <p:sp>
+        <p:nvSpPr>
+          <p:cNvPr id="30" name="TextBox 29">
+            <a:extLst>
+              <a:ext uri="{FF2B5EF4-FFF2-40B4-BE49-F238E27FC236}">
+                <a16:creationId xmlns:a16="http://schemas.microsoft.com/office/drawing/2014/main" id="{9C7BC47E-E7A6-A1DF-D26B-35C25FA2FA29}"/>
+              </a:ext>
+            </a:extLst>
+          </p:cNvPr>
+          <p:cNvSpPr txBox="1"/>
+          <p:nvPr/>
+        </p:nvSpPr>
+        <p:spPr>
+          <a:xfrm>
+            <a:off x="3638938" y="5558779"/>
+            <a:ext cx="938530" cy="274320"/>
+          </a:xfrm>
+          <a:prstGeom prst="rect">
+            <a:avLst/>
+          </a:prstGeom>
+          <a:noFill/>
+        </p:spPr>
+        <p:txBody>
+          <a:bodyPr wrap="square">
+            <a:spAutoFit/>
+          </a:bodyPr>
+          <a:lstStyle/>
+          <a:p>
+            <a:pPr algn="ctr">
+              <a:lnSpc>
+                <a:spcPts val="1600"/>
+              </a:lnSpc>
+            </a:pPr>
+            <a:r>
+              <a:rPr lang="en-GB" sz="700" b="1" dirty="0"/>
+              <a:t>Standardize</a:t>
+            </a:r>
+          </a:p>
+        </p:txBody>
+      </p:sp>
+      <p:sp>
+        <p:nvSpPr>
+          <p:cNvPr id="31" name="TextBox 30">
+            <a:extLst>
+              <a:ext uri="{FF2B5EF4-FFF2-40B4-BE49-F238E27FC236}">
+                <a16:creationId xmlns:a16="http://schemas.microsoft.com/office/drawing/2014/main" id="{124AA974-A4B8-88E9-E360-61C1F6A74D30}"/>
+              </a:ext>
+            </a:extLst>
+          </p:cNvPr>
+          <p:cNvSpPr txBox="1"/>
+          <p:nvPr/>
+        </p:nvSpPr>
+        <p:spPr>
+          <a:xfrm>
+            <a:off x="3075764" y="5558779"/>
+            <a:ext cx="822960" cy="274320"/>
+          </a:xfrm>
+          <a:prstGeom prst="rect">
+            <a:avLst/>
+          </a:prstGeom>
+          <a:noFill/>
+        </p:spPr>
+        <p:txBody>
+          <a:bodyPr wrap="square">
+            <a:spAutoFit/>
+          </a:bodyPr>
+          <a:lstStyle/>
+          <a:p>
+            <a:pPr algn="ctr">
+              <a:lnSpc>
+                <a:spcPts val="1600"/>
+              </a:lnSpc>
+            </a:pPr>
+            <a:r>
+              <a:rPr lang="en-GB" sz="700" b="1" dirty="0"/>
+              <a:t>Clean</a:t>
+            </a:r>
+          </a:p>
+        </p:txBody>
+      </p:sp>
+      <p:sp>
+        <p:nvSpPr>
+          <p:cNvPr id="33" name="TextBox 32">
+            <a:extLst>
+              <a:ext uri="{FF2B5EF4-FFF2-40B4-BE49-F238E27FC236}">
+                <a16:creationId xmlns:a16="http://schemas.microsoft.com/office/drawing/2014/main" id="{41B4223E-3CBD-14DD-6092-E5D84D73E949}"/>
+              </a:ext>
+            </a:extLst>
+          </p:cNvPr>
+          <p:cNvSpPr txBox="1"/>
+          <p:nvPr/>
+        </p:nvSpPr>
+        <p:spPr>
+          <a:xfrm>
+            <a:off x="4514152" y="5558779"/>
+            <a:ext cx="822960" cy="274320"/>
+          </a:xfrm>
+          <a:prstGeom prst="rect">
+            <a:avLst/>
+          </a:prstGeom>
+          <a:noFill/>
+        </p:spPr>
+        <p:txBody>
+          <a:bodyPr wrap="square">
+            <a:spAutoFit/>
+          </a:bodyPr>
+          <a:lstStyle/>
+          <a:p>
+            <a:pPr algn="ctr">
+              <a:lnSpc>
+                <a:spcPts val="1600"/>
+              </a:lnSpc>
+            </a:pPr>
+            <a:r>
+              <a:rPr lang="en-GB" sz="700" b="1" dirty="0"/>
+              <a:t>Create</a:t>
+            </a:r>
+          </a:p>
+        </p:txBody>
+      </p:sp>
+      <p:pic>
+        <p:nvPicPr>
+          <p:cNvPr id="1034" name="Picture 10" descr="Verification ">
+            <a:extLst>
+              <a:ext uri="{FF2B5EF4-FFF2-40B4-BE49-F238E27FC236}">
+                <a16:creationId xmlns:a16="http://schemas.microsoft.com/office/drawing/2014/main" id="{56820614-A561-177D-F8DC-5E4F61CEBB4A}"/>
+              </a:ext>
+            </a:extLst>
+          </p:cNvPr>
+          <p:cNvPicPr>
+            <a:picLocks noChangeAspect="1" noChangeArrowheads="1"/>
+          </p:cNvPicPr>
+          <p:nvPr/>
+        </p:nvPicPr>
+        <p:blipFill>
+          <a:blip r:embed="rId7">
+            <a:extLst>
+              <a:ext uri="{28A0092B-C50C-407E-A947-70E740481C1C}">
+                <a14:useLocalDpi xmlns:a14="http://schemas.microsoft.com/office/drawing/2010/main" val="0"/>
+              </a:ext>
+            </a:extLst>
+          </a:blip>
+          <a:srcRect/>
+          <a:stretch>
+            <a:fillRect/>
+          </a:stretch>
+        </p:blipFill>
+        <p:spPr bwMode="auto">
+          <a:xfrm>
+            <a:off x="2645708" y="5193019"/>
+            <a:ext cx="365760" cy="365760"/>
+          </a:xfrm>
+          <a:prstGeom prst="rect">
+            <a:avLst/>
+          </a:prstGeom>
+          <a:noFill/>
+          <a:extLst>
+            <a:ext uri="{909E8E84-426E-40DD-AFC4-6F175D3DCCD1}">
+              <a14:hiddenFill xmlns:a14="http://schemas.microsoft.com/office/drawing/2010/main">
+                <a:solidFill>
+                  <a:srgbClr val="FFFFFF"/>
+                </a:solidFill>
+              </a14:hiddenFill>
+            </a:ext>
+          </a:extLst>
+        </p:spPr>
+      </p:pic>
+      <p:pic>
+        <p:nvPicPr>
+          <p:cNvPr id="1036" name="Picture 12" descr="Bucket ">
+            <a:extLst>
+              <a:ext uri="{FF2B5EF4-FFF2-40B4-BE49-F238E27FC236}">
+                <a16:creationId xmlns:a16="http://schemas.microsoft.com/office/drawing/2014/main" id="{A79C0869-EB54-4EE2-6059-52EB2AC7D683}"/>
+              </a:ext>
+            </a:extLst>
+          </p:cNvPr>
+          <p:cNvPicPr>
+            <a:picLocks noChangeAspect="1" noChangeArrowheads="1"/>
+          </p:cNvPicPr>
+          <p:nvPr/>
+        </p:nvPicPr>
+        <p:blipFill>
+          <a:blip r:embed="rId8">
+            <a:extLst>
+              <a:ext uri="{28A0092B-C50C-407E-A947-70E740481C1C}">
+                <a14:useLocalDpi xmlns:a14="http://schemas.microsoft.com/office/drawing/2010/main" val="0"/>
+              </a:ext>
+            </a:extLst>
+          </a:blip>
+          <a:srcRect/>
+          <a:stretch>
+            <a:fillRect/>
+          </a:stretch>
+        </p:blipFill>
+        <p:spPr bwMode="auto">
+          <a:xfrm>
+            <a:off x="3244538" y="5193899"/>
+            <a:ext cx="365760" cy="365760"/>
+          </a:xfrm>
+          <a:prstGeom prst="rect">
+            <a:avLst/>
+          </a:prstGeom>
+          <a:noFill/>
+          <a:extLst>
+            <a:ext uri="{909E8E84-426E-40DD-AFC4-6F175D3DCCD1}">
+              <a14:hiddenFill xmlns:a14="http://schemas.microsoft.com/office/drawing/2010/main">
+                <a:solidFill>
+                  <a:srgbClr val="FFFFFF"/>
+                </a:solidFill>
+              </a14:hiddenFill>
+            </a:ext>
+          </a:extLst>
+        </p:spPr>
+      </p:pic>
+      <p:pic>
+        <p:nvPicPr>
+          <p:cNvPr id="1038" name="Picture 14" descr="Data cleaning ">
+            <a:extLst>
+              <a:ext uri="{FF2B5EF4-FFF2-40B4-BE49-F238E27FC236}">
+                <a16:creationId xmlns:a16="http://schemas.microsoft.com/office/drawing/2014/main" id="{FF5DF9FA-1783-FB2C-B64A-947CF112A5EB}"/>
+              </a:ext>
+            </a:extLst>
+          </p:cNvPr>
+          <p:cNvPicPr>
+            <a:picLocks noChangeAspect="1" noChangeArrowheads="1"/>
+          </p:cNvPicPr>
+          <p:nvPr/>
+        </p:nvPicPr>
+        <p:blipFill>
+          <a:blip r:embed="rId9">
+            <a:extLst>
+              <a:ext uri="{28A0092B-C50C-407E-A947-70E740481C1C}">
+                <a14:useLocalDpi xmlns:a14="http://schemas.microsoft.com/office/drawing/2010/main" val="0"/>
+              </a:ext>
+            </a:extLst>
+          </a:blip>
+          <a:srcRect/>
+          <a:stretch>
+            <a:fillRect/>
+          </a:stretch>
+        </p:blipFill>
+        <p:spPr bwMode="auto">
+          <a:xfrm>
+            <a:off x="3874072" y="5238346"/>
+            <a:ext cx="365760" cy="365760"/>
+          </a:xfrm>
+          <a:prstGeom prst="rect">
+            <a:avLst/>
+          </a:prstGeom>
+          <a:noFill/>
+          <a:extLst>
+            <a:ext uri="{909E8E84-426E-40DD-AFC4-6F175D3DCCD1}">
+              <a14:hiddenFill xmlns:a14="http://schemas.microsoft.com/office/drawing/2010/main">
+                <a:solidFill>
+                  <a:srgbClr val="FFFFFF"/>
+                </a:solidFill>
+              </a14:hiddenFill>
+            </a:ext>
+          </a:extLst>
+        </p:spPr>
+      </p:pic>
+      <p:pic>
+        <p:nvPicPr>
+          <p:cNvPr id="1040" name="Picture 16" descr="Database ">
+            <a:extLst>
+              <a:ext uri="{FF2B5EF4-FFF2-40B4-BE49-F238E27FC236}">
+                <a16:creationId xmlns:a16="http://schemas.microsoft.com/office/drawing/2014/main" id="{036F956F-6549-F09D-4F78-3D1F90281E75}"/>
+              </a:ext>
+            </a:extLst>
+          </p:cNvPr>
+          <p:cNvPicPr>
+            <a:picLocks noChangeAspect="1" noChangeArrowheads="1"/>
+          </p:cNvPicPr>
+          <p:nvPr/>
+        </p:nvPicPr>
+        <p:blipFill>
+          <a:blip r:embed="rId10">
+            <a:extLst>
+              <a:ext uri="{28A0092B-C50C-407E-A947-70E740481C1C}">
+                <a14:useLocalDpi xmlns:a14="http://schemas.microsoft.com/office/drawing/2010/main" val="0"/>
+              </a:ext>
+            </a:extLst>
+          </a:blip>
+          <a:srcRect/>
+          <a:stretch>
+            <a:fillRect/>
+          </a:stretch>
+        </p:blipFill>
+        <p:spPr bwMode="auto">
+          <a:xfrm>
+            <a:off x="4672380" y="5251924"/>
+            <a:ext cx="365760" cy="368618"/>
+          </a:xfrm>
+          <a:prstGeom prst="rect">
+            <a:avLst/>
+          </a:prstGeom>
+          <a:noFill/>
+          <a:extLst>
+            <a:ext uri="{909E8E84-426E-40DD-AFC4-6F175D3DCCD1}">
+              <a14:hiddenFill xmlns:a14="http://schemas.microsoft.com/office/drawing/2010/main">
+                <a:solidFill>
+                  <a:srgbClr val="FFFFFF"/>
+                </a:solidFill>
+              </a14:hiddenFill>
+            </a:ext>
+          </a:extLst>
+        </p:spPr>
+      </p:pic>
+      <p:sp>
+        <p:nvSpPr>
+          <p:cNvPr id="34" name="TextBox 33">
+            <a:extLst>
+              <a:ext uri="{FF2B5EF4-FFF2-40B4-BE49-F238E27FC236}">
+                <a16:creationId xmlns:a16="http://schemas.microsoft.com/office/drawing/2014/main" id="{64614EE4-445D-ADBF-522F-E98BDE9E3D62}"/>
+              </a:ext>
+            </a:extLst>
+          </p:cNvPr>
+          <p:cNvSpPr txBox="1"/>
+          <p:nvPr/>
+        </p:nvSpPr>
+        <p:spPr>
+          <a:xfrm>
+            <a:off x="1067190" y="3333711"/>
+            <a:ext cx="822960" cy="274320"/>
+          </a:xfrm>
+          <a:prstGeom prst="rect">
+            <a:avLst/>
+          </a:prstGeom>
+          <a:noFill/>
+        </p:spPr>
+        <p:txBody>
+          <a:bodyPr wrap="square">
+            <a:spAutoFit/>
+          </a:bodyPr>
+          <a:lstStyle/>
+          <a:p>
+            <a:pPr algn="ctr">
+              <a:lnSpc>
+                <a:spcPts val="1600"/>
+              </a:lnSpc>
+            </a:pPr>
+            <a:r>
+              <a:rPr lang="en-GB" sz="700" b="1" dirty="0"/>
+              <a:t>App Service</a:t>
+            </a:r>
+          </a:p>
+        </p:txBody>
+      </p:sp>
+      <p:sp>
+        <p:nvSpPr>
+          <p:cNvPr id="35" name="TextBox 34">
+            <a:extLst>
+              <a:ext uri="{FF2B5EF4-FFF2-40B4-BE49-F238E27FC236}">
+                <a16:creationId xmlns:a16="http://schemas.microsoft.com/office/drawing/2014/main" id="{52E5A061-D108-BD66-36FB-0DCC6F9A2397}"/>
+              </a:ext>
+            </a:extLst>
+          </p:cNvPr>
+          <p:cNvSpPr txBox="1"/>
+          <p:nvPr/>
+        </p:nvSpPr>
+        <p:spPr>
+          <a:xfrm>
+            <a:off x="1067190" y="3868740"/>
+            <a:ext cx="822960" cy="274320"/>
+          </a:xfrm>
+          <a:prstGeom prst="rect">
+            <a:avLst/>
+          </a:prstGeom>
+          <a:noFill/>
+        </p:spPr>
+        <p:txBody>
+          <a:bodyPr wrap="square">
+            <a:spAutoFit/>
+          </a:bodyPr>
+          <a:lstStyle/>
+          <a:p>
+            <a:pPr algn="ctr">
+              <a:lnSpc>
+                <a:spcPts val="1600"/>
+              </a:lnSpc>
+            </a:pPr>
+            <a:r>
+              <a:rPr lang="en-GB" sz="700" b="1" dirty="0"/>
+              <a:t>App Config</a:t>
+            </a:r>
+          </a:p>
+        </p:txBody>
+      </p:sp>
+      <p:sp>
+        <p:nvSpPr>
+          <p:cNvPr id="36" name="TextBox 35">
+            <a:extLst>
+              <a:ext uri="{FF2B5EF4-FFF2-40B4-BE49-F238E27FC236}">
+                <a16:creationId xmlns:a16="http://schemas.microsoft.com/office/drawing/2014/main" id="{C8BD0F77-4E29-7C7D-53A4-08C4CE2D4990}"/>
+              </a:ext>
+            </a:extLst>
+          </p:cNvPr>
+          <p:cNvSpPr txBox="1"/>
+          <p:nvPr/>
+        </p:nvSpPr>
+        <p:spPr>
+          <a:xfrm>
+            <a:off x="1147755" y="4470753"/>
+            <a:ext cx="822960" cy="274320"/>
+          </a:xfrm>
+          <a:prstGeom prst="rect">
+            <a:avLst/>
+          </a:prstGeom>
+          <a:noFill/>
+        </p:spPr>
+        <p:txBody>
+          <a:bodyPr wrap="square">
+            <a:spAutoFit/>
+          </a:bodyPr>
+          <a:lstStyle/>
+          <a:p>
+            <a:pPr>
+              <a:lnSpc>
+                <a:spcPts val="1600"/>
+              </a:lnSpc>
+            </a:pPr>
+            <a:r>
+              <a:rPr lang="en-GB" sz="700" b="1" dirty="0"/>
+              <a:t>Code Build</a:t>
+            </a:r>
+          </a:p>
+        </p:txBody>
+      </p:sp>
+      <p:sp>
+        <p:nvSpPr>
+          <p:cNvPr id="37" name="TextBox 36">
+            <a:extLst>
+              <a:ext uri="{FF2B5EF4-FFF2-40B4-BE49-F238E27FC236}">
+                <a16:creationId xmlns:a16="http://schemas.microsoft.com/office/drawing/2014/main" id="{98FFCB58-CBC0-2A1C-8260-7196C5C825FD}"/>
+              </a:ext>
+            </a:extLst>
+          </p:cNvPr>
+          <p:cNvSpPr txBox="1"/>
+          <p:nvPr/>
+        </p:nvSpPr>
+        <p:spPr>
+          <a:xfrm>
+            <a:off x="1150913" y="5146110"/>
+            <a:ext cx="822960" cy="274320"/>
+          </a:xfrm>
+          <a:prstGeom prst="rect">
+            <a:avLst/>
+          </a:prstGeom>
+          <a:noFill/>
+        </p:spPr>
+        <p:txBody>
+          <a:bodyPr wrap="square">
+            <a:spAutoFit/>
+          </a:bodyPr>
+          <a:lstStyle/>
+          <a:p>
+            <a:pPr>
+              <a:lnSpc>
+                <a:spcPts val="1600"/>
+              </a:lnSpc>
+            </a:pPr>
+            <a:r>
+              <a:rPr lang="en-GB" sz="700" b="1" dirty="0"/>
+              <a:t>Containerize</a:t>
+            </a:r>
+          </a:p>
+        </p:txBody>
+      </p:sp>
+      <p:sp>
+        <p:nvSpPr>
+          <p:cNvPr id="38" name="TextBox 37">
+            <a:extLst>
+              <a:ext uri="{FF2B5EF4-FFF2-40B4-BE49-F238E27FC236}">
+                <a16:creationId xmlns:a16="http://schemas.microsoft.com/office/drawing/2014/main" id="{1D492E0C-7E75-E1C2-789C-873EB49AF6DA}"/>
+              </a:ext>
+            </a:extLst>
+          </p:cNvPr>
+          <p:cNvSpPr txBox="1"/>
+          <p:nvPr/>
+        </p:nvSpPr>
+        <p:spPr>
+          <a:xfrm>
+            <a:off x="1106079" y="5728209"/>
+            <a:ext cx="822960" cy="274320"/>
+          </a:xfrm>
+          <a:prstGeom prst="rect">
+            <a:avLst/>
+          </a:prstGeom>
+          <a:noFill/>
+        </p:spPr>
+        <p:txBody>
+          <a:bodyPr wrap="square">
+            <a:spAutoFit/>
+          </a:bodyPr>
+          <a:lstStyle/>
+          <a:p>
+            <a:pPr algn="ctr">
+              <a:lnSpc>
+                <a:spcPts val="1600"/>
+              </a:lnSpc>
+            </a:pPr>
+            <a:r>
+              <a:rPr lang="en-GB" sz="700" b="1" dirty="0"/>
+              <a:t>Repository</a:t>
+            </a:r>
+          </a:p>
+        </p:txBody>
+      </p:sp>
+      <p:pic>
+        <p:nvPicPr>
+          <p:cNvPr id="1042" name="Picture 18" descr="Business ">
+            <a:extLst>
+              <a:ext uri="{FF2B5EF4-FFF2-40B4-BE49-F238E27FC236}">
+                <a16:creationId xmlns:a16="http://schemas.microsoft.com/office/drawing/2014/main" id="{84D4DD11-D3FA-A3F7-8F22-69EC32628930}"/>
+              </a:ext>
+            </a:extLst>
+          </p:cNvPr>
+          <p:cNvPicPr>
+            <a:picLocks noChangeAspect="1" noChangeArrowheads="1"/>
+          </p:cNvPicPr>
+          <p:nvPr/>
+        </p:nvPicPr>
+        <p:blipFill>
+          <a:blip r:embed="rId11">
+            <a:extLst>
+              <a:ext uri="{28A0092B-C50C-407E-A947-70E740481C1C}">
+                <a14:useLocalDpi xmlns:a14="http://schemas.microsoft.com/office/drawing/2010/main" val="0"/>
+              </a:ext>
+            </a:extLst>
+          </a:blip>
+          <a:srcRect/>
+          <a:stretch>
+            <a:fillRect/>
+          </a:stretch>
+        </p:blipFill>
+        <p:spPr bwMode="auto">
+          <a:xfrm>
+            <a:off x="1330809" y="3092912"/>
+            <a:ext cx="346794" cy="365760"/>
+          </a:xfrm>
+          <a:prstGeom prst="rect">
+            <a:avLst/>
+          </a:prstGeom>
+          <a:noFill/>
+          <a:extLst>
+            <a:ext uri="{909E8E84-426E-40DD-AFC4-6F175D3DCCD1}">
+              <a14:hiddenFill xmlns:a14="http://schemas.microsoft.com/office/drawing/2010/main">
+                <a:solidFill>
+                  <a:srgbClr val="FFFFFF"/>
+                </a:solidFill>
+              </a14:hiddenFill>
+            </a:ext>
+          </a:extLst>
+        </p:spPr>
+      </p:pic>
+      <p:pic>
+        <p:nvPicPr>
+          <p:cNvPr id="1044" name="Picture 20" descr="Mobile app developer ">
+            <a:extLst>
+              <a:ext uri="{FF2B5EF4-FFF2-40B4-BE49-F238E27FC236}">
+                <a16:creationId xmlns:a16="http://schemas.microsoft.com/office/drawing/2014/main" id="{C0798C59-59BD-41F8-FE35-FB78C02C795F}"/>
+              </a:ext>
+            </a:extLst>
+          </p:cNvPr>
+          <p:cNvPicPr>
+            <a:picLocks noChangeAspect="1" noChangeArrowheads="1"/>
+          </p:cNvPicPr>
+          <p:nvPr/>
+        </p:nvPicPr>
+        <p:blipFill>
+          <a:blip r:embed="rId12">
+            <a:extLst>
+              <a:ext uri="{28A0092B-C50C-407E-A947-70E740481C1C}">
+                <a14:useLocalDpi xmlns:a14="http://schemas.microsoft.com/office/drawing/2010/main" val="0"/>
+              </a:ext>
+            </a:extLst>
+          </a:blip>
+          <a:srcRect/>
+          <a:stretch>
+            <a:fillRect/>
+          </a:stretch>
+        </p:blipFill>
+        <p:spPr bwMode="auto">
+          <a:xfrm>
+            <a:off x="1353773" y="3590690"/>
+            <a:ext cx="365760" cy="365760"/>
+          </a:xfrm>
+          <a:prstGeom prst="rect">
+            <a:avLst/>
+          </a:prstGeom>
+          <a:noFill/>
+          <a:extLst>
+            <a:ext uri="{909E8E84-426E-40DD-AFC4-6F175D3DCCD1}">
+              <a14:hiddenFill xmlns:a14="http://schemas.microsoft.com/office/drawing/2010/main">
+                <a:solidFill>
+                  <a:srgbClr val="FFFFFF"/>
+                </a:solidFill>
+              </a14:hiddenFill>
+            </a:ext>
+          </a:extLst>
+        </p:spPr>
+      </p:pic>
+      <p:pic>
+        <p:nvPicPr>
+          <p:cNvPr id="1046" name="Picture 22" descr="Program ">
+            <a:extLst>
+              <a:ext uri="{FF2B5EF4-FFF2-40B4-BE49-F238E27FC236}">
+                <a16:creationId xmlns:a16="http://schemas.microsoft.com/office/drawing/2014/main" id="{A9654735-B29C-1365-9D05-B1575F21ABCD}"/>
+              </a:ext>
+            </a:extLst>
+          </p:cNvPr>
+          <p:cNvPicPr>
+            <a:picLocks noChangeAspect="1" noChangeArrowheads="1"/>
+          </p:cNvPicPr>
+          <p:nvPr/>
+        </p:nvPicPr>
+        <p:blipFill>
+          <a:blip r:embed="rId13">
+            <a:extLst>
+              <a:ext uri="{28A0092B-C50C-407E-A947-70E740481C1C}">
+                <a14:useLocalDpi xmlns:a14="http://schemas.microsoft.com/office/drawing/2010/main" val="0"/>
+              </a:ext>
+            </a:extLst>
+          </a:blip>
+          <a:srcRect/>
+          <a:stretch>
+            <a:fillRect/>
+          </a:stretch>
+        </p:blipFill>
+        <p:spPr bwMode="auto">
+          <a:xfrm>
+            <a:off x="1250070" y="4081524"/>
+            <a:ext cx="457200" cy="457200"/>
+          </a:xfrm>
+          <a:prstGeom prst="rect">
+            <a:avLst/>
+          </a:prstGeom>
+          <a:noFill/>
+          <a:extLst>
+            <a:ext uri="{909E8E84-426E-40DD-AFC4-6F175D3DCCD1}">
+              <a14:hiddenFill xmlns:a14="http://schemas.microsoft.com/office/drawing/2010/main">
+                <a:solidFill>
+                  <a:srgbClr val="FFFFFF"/>
+                </a:solidFill>
+              </a14:hiddenFill>
+            </a:ext>
+          </a:extLst>
+        </p:spPr>
+      </p:pic>
+      <p:pic>
+        <p:nvPicPr>
+          <p:cNvPr id="40" name="Picture 39">
+            <a:extLst>
+              <a:ext uri="{FF2B5EF4-FFF2-40B4-BE49-F238E27FC236}">
+                <a16:creationId xmlns:a16="http://schemas.microsoft.com/office/drawing/2014/main" id="{012D3FA9-FB98-FE85-800D-638CF0C39653}"/>
+              </a:ext>
+            </a:extLst>
+          </p:cNvPr>
+          <p:cNvPicPr>
+            <a:picLocks noChangeAspect="1"/>
+          </p:cNvPicPr>
+          <p:nvPr/>
+        </p:nvPicPr>
+        <p:blipFill>
+          <a:blip r:embed="rId14"/>
+          <a:stretch>
+            <a:fillRect/>
+          </a:stretch>
+        </p:blipFill>
+        <p:spPr>
+          <a:xfrm>
+            <a:off x="1262208" y="4746857"/>
+            <a:ext cx="457200" cy="457200"/>
+          </a:xfrm>
+          <a:prstGeom prst="rect">
+            <a:avLst/>
+          </a:prstGeom>
+        </p:spPr>
+      </p:pic>
+      <p:pic>
+        <p:nvPicPr>
+          <p:cNvPr id="1048" name="Picture 24" descr="Git ">
+            <a:extLst>
+              <a:ext uri="{FF2B5EF4-FFF2-40B4-BE49-F238E27FC236}">
+                <a16:creationId xmlns:a16="http://schemas.microsoft.com/office/drawing/2014/main" id="{06307FFC-D65B-3359-1AE5-69865865311B}"/>
+              </a:ext>
+            </a:extLst>
+          </p:cNvPr>
+          <p:cNvPicPr>
+            <a:picLocks noChangeAspect="1" noChangeArrowheads="1"/>
+          </p:cNvPicPr>
+          <p:nvPr/>
+        </p:nvPicPr>
+        <p:blipFill>
+          <a:blip r:embed="rId15">
+            <a:extLst>
+              <a:ext uri="{28A0092B-C50C-407E-A947-70E740481C1C}">
+                <a14:useLocalDpi xmlns:a14="http://schemas.microsoft.com/office/drawing/2010/main" val="0"/>
+              </a:ext>
+            </a:extLst>
+          </a:blip>
+          <a:srcRect/>
+          <a:stretch>
+            <a:fillRect/>
+          </a:stretch>
+        </p:blipFill>
+        <p:spPr bwMode="auto">
+          <a:xfrm>
+            <a:off x="1233811" y="5376778"/>
+            <a:ext cx="430569" cy="430569"/>
+          </a:xfrm>
+          <a:prstGeom prst="rect">
+            <a:avLst/>
+          </a:prstGeom>
+          <a:noFill/>
+          <a:extLst>
+            <a:ext uri="{909E8E84-426E-40DD-AFC4-6F175D3DCCD1}">
+              <a14:hiddenFill xmlns:a14="http://schemas.microsoft.com/office/drawing/2010/main">
+                <a:solidFill>
+                  <a:srgbClr val="FFFFFF"/>
+                </a:solidFill>
+              </a14:hiddenFill>
+            </a:ext>
+          </a:extLst>
+        </p:spPr>
+      </p:pic>
+      <p:cxnSp>
+        <p:nvCxnSpPr>
+          <p:cNvPr id="41" name="Straight Connector 40">
+            <a:extLst>
+              <a:ext uri="{FF2B5EF4-FFF2-40B4-BE49-F238E27FC236}">
+                <a16:creationId xmlns:a16="http://schemas.microsoft.com/office/drawing/2014/main" id="{5BEE47CF-EDFC-BF8D-220A-5CD733622FAA}"/>
+              </a:ext>
+            </a:extLst>
+          </p:cNvPr>
+          <p:cNvCxnSpPr>
+            <a:cxnSpLocks/>
+          </p:cNvCxnSpPr>
+          <p:nvPr/>
+        </p:nvCxnSpPr>
+        <p:spPr>
+          <a:xfrm>
+            <a:off x="2247613" y="4358993"/>
+            <a:ext cx="274320" cy="0"/>
+          </a:xfrm>
+          <a:prstGeom prst="line">
+            <a:avLst/>
+          </a:prstGeom>
+          <a:ln w="22225">
+            <a:prstDash val="sysDash"/>
+            <a:headEnd type="triangle"/>
+            <a:tailEnd type="oval"/>
+          </a:ln>
+        </p:spPr>
+        <p:style>
+          <a:lnRef idx="1">
+            <a:schemeClr val="dk1"/>
+          </a:lnRef>
+          <a:fillRef idx="0">
+            <a:schemeClr val="dk1"/>
+          </a:fillRef>
+          <a:effectRef idx="0">
+            <a:schemeClr val="dk1"/>
+          </a:effectRef>
+          <a:fontRef idx="minor">
+            <a:schemeClr val="tx1"/>
+          </a:fontRef>
+        </p:style>
+      </p:cxnSp>
+      <p:sp>
+        <p:nvSpPr>
+          <p:cNvPr id="43" name="TextBox 42">
+            <a:extLst>
+              <a:ext uri="{FF2B5EF4-FFF2-40B4-BE49-F238E27FC236}">
+                <a16:creationId xmlns:a16="http://schemas.microsoft.com/office/drawing/2014/main" id="{66F56632-7903-295A-2C4C-66B6455B580F}"/>
+              </a:ext>
+            </a:extLst>
+          </p:cNvPr>
+          <p:cNvSpPr txBox="1"/>
+          <p:nvPr/>
+        </p:nvSpPr>
+        <p:spPr>
+          <a:xfrm>
+            <a:off x="2622468" y="4476363"/>
+            <a:ext cx="822960" cy="274320"/>
+          </a:xfrm>
+          <a:prstGeom prst="rect">
+            <a:avLst/>
+          </a:prstGeom>
+          <a:noFill/>
+        </p:spPr>
+        <p:txBody>
+          <a:bodyPr wrap="square">
+            <a:spAutoFit/>
+          </a:bodyPr>
+          <a:lstStyle/>
+          <a:p>
+            <a:pPr>
+              <a:lnSpc>
+                <a:spcPts val="1600"/>
+              </a:lnSpc>
+            </a:pPr>
+            <a:r>
+              <a:rPr lang="en-GB" sz="700" b="1" dirty="0"/>
+              <a:t>Code</a:t>
+            </a:r>
+          </a:p>
+        </p:txBody>
+      </p:sp>
+      <p:sp>
+        <p:nvSpPr>
+          <p:cNvPr id="44" name="TextBox 43">
+            <a:extLst>
+              <a:ext uri="{FF2B5EF4-FFF2-40B4-BE49-F238E27FC236}">
+                <a16:creationId xmlns:a16="http://schemas.microsoft.com/office/drawing/2014/main" id="{E164F718-C013-23DC-76F7-5824E5512EE9}"/>
+              </a:ext>
+            </a:extLst>
+          </p:cNvPr>
+          <p:cNvSpPr txBox="1"/>
+          <p:nvPr/>
+        </p:nvSpPr>
+        <p:spPr>
+          <a:xfrm>
+            <a:off x="3618190" y="4476363"/>
+            <a:ext cx="938530" cy="274320"/>
+          </a:xfrm>
+          <a:prstGeom prst="rect">
+            <a:avLst/>
+          </a:prstGeom>
+          <a:noFill/>
+        </p:spPr>
+        <p:txBody>
+          <a:bodyPr wrap="square">
+            <a:spAutoFit/>
+          </a:bodyPr>
+          <a:lstStyle/>
+          <a:p>
+            <a:pPr algn="ctr">
+              <a:lnSpc>
+                <a:spcPts val="1600"/>
+              </a:lnSpc>
+            </a:pPr>
+            <a:r>
+              <a:rPr lang="en-GB" sz="700" b="1" dirty="0"/>
+              <a:t>validate</a:t>
+            </a:r>
+          </a:p>
+        </p:txBody>
+      </p:sp>
+      <p:sp>
+        <p:nvSpPr>
+          <p:cNvPr id="45" name="TextBox 44">
+            <a:extLst>
+              <a:ext uri="{FF2B5EF4-FFF2-40B4-BE49-F238E27FC236}">
+                <a16:creationId xmlns:a16="http://schemas.microsoft.com/office/drawing/2014/main" id="{7DEF0F7B-0610-DDB0-A762-99F13CEEE27B}"/>
+              </a:ext>
+            </a:extLst>
+          </p:cNvPr>
+          <p:cNvSpPr txBox="1"/>
+          <p:nvPr/>
+        </p:nvSpPr>
+        <p:spPr>
+          <a:xfrm>
+            <a:off x="3055016" y="4476363"/>
+            <a:ext cx="822960" cy="274320"/>
+          </a:xfrm>
+          <a:prstGeom prst="rect">
+            <a:avLst/>
+          </a:prstGeom>
+          <a:noFill/>
+        </p:spPr>
+        <p:txBody>
+          <a:bodyPr wrap="square">
+            <a:spAutoFit/>
+          </a:bodyPr>
+          <a:lstStyle/>
+          <a:p>
+            <a:pPr algn="ctr">
+              <a:lnSpc>
+                <a:spcPts val="1600"/>
+              </a:lnSpc>
+            </a:pPr>
+            <a:r>
+              <a:rPr lang="en-GB" sz="700" b="1" dirty="0"/>
+              <a:t>Train</a:t>
+            </a:r>
+          </a:p>
+        </p:txBody>
+      </p:sp>
+      <p:sp>
+        <p:nvSpPr>
+          <p:cNvPr id="46" name="TextBox 45">
+            <a:extLst>
+              <a:ext uri="{FF2B5EF4-FFF2-40B4-BE49-F238E27FC236}">
+                <a16:creationId xmlns:a16="http://schemas.microsoft.com/office/drawing/2014/main" id="{D493690A-9D34-7F98-BC91-ACE8E9114BCC}"/>
+              </a:ext>
+            </a:extLst>
+          </p:cNvPr>
+          <p:cNvSpPr txBox="1"/>
+          <p:nvPr/>
+        </p:nvSpPr>
+        <p:spPr>
+          <a:xfrm>
+            <a:off x="4493404" y="4476363"/>
+            <a:ext cx="822960" cy="274320"/>
+          </a:xfrm>
+          <a:prstGeom prst="rect">
+            <a:avLst/>
+          </a:prstGeom>
+          <a:noFill/>
+        </p:spPr>
+        <p:txBody>
+          <a:bodyPr wrap="square">
+            <a:spAutoFit/>
+          </a:bodyPr>
+          <a:lstStyle/>
+          <a:p>
+            <a:pPr algn="ctr">
+              <a:lnSpc>
+                <a:spcPts val="1600"/>
+              </a:lnSpc>
+            </a:pPr>
+            <a:r>
+              <a:rPr lang="en-GB" sz="700" b="1" dirty="0"/>
+              <a:t>Evaluate</a:t>
+            </a:r>
+          </a:p>
+        </p:txBody>
+      </p:sp>
+      <p:sp>
+        <p:nvSpPr>
+          <p:cNvPr id="47" name="TextBox 46">
+            <a:extLst>
+              <a:ext uri="{FF2B5EF4-FFF2-40B4-BE49-F238E27FC236}">
+                <a16:creationId xmlns:a16="http://schemas.microsoft.com/office/drawing/2014/main" id="{FECF8F24-AB29-A82C-2FBA-A05AF7477542}"/>
+              </a:ext>
+            </a:extLst>
+          </p:cNvPr>
+          <p:cNvSpPr txBox="1"/>
+          <p:nvPr/>
+        </p:nvSpPr>
+        <p:spPr>
+          <a:xfrm>
+            <a:off x="2776792" y="3427300"/>
+            <a:ext cx="822960" cy="274320"/>
+          </a:xfrm>
+          <a:prstGeom prst="rect">
+            <a:avLst/>
+          </a:prstGeom>
+          <a:noFill/>
+        </p:spPr>
+        <p:txBody>
+          <a:bodyPr wrap="square">
+            <a:spAutoFit/>
+          </a:bodyPr>
+          <a:lstStyle/>
+          <a:p>
+            <a:pPr algn="ctr">
+              <a:lnSpc>
+                <a:spcPts val="1600"/>
+              </a:lnSpc>
+            </a:pPr>
+            <a:r>
+              <a:rPr lang="en-GB" sz="700" b="1" dirty="0"/>
+              <a:t>API endpoint</a:t>
+            </a:r>
+          </a:p>
+        </p:txBody>
+      </p:sp>
+      <p:sp>
+        <p:nvSpPr>
+          <p:cNvPr id="48" name="TextBox 47">
+            <a:extLst>
+              <a:ext uri="{FF2B5EF4-FFF2-40B4-BE49-F238E27FC236}">
+                <a16:creationId xmlns:a16="http://schemas.microsoft.com/office/drawing/2014/main" id="{DF685275-1D9A-A4AF-FB43-DACC39B77C43}"/>
+              </a:ext>
+            </a:extLst>
+          </p:cNvPr>
+          <p:cNvSpPr txBox="1"/>
+          <p:nvPr/>
+        </p:nvSpPr>
+        <p:spPr>
+          <a:xfrm>
+            <a:off x="4215180" y="3427300"/>
+            <a:ext cx="822960" cy="274320"/>
+          </a:xfrm>
+          <a:prstGeom prst="rect">
+            <a:avLst/>
+          </a:prstGeom>
+          <a:noFill/>
+        </p:spPr>
+        <p:txBody>
+          <a:bodyPr wrap="square">
+            <a:spAutoFit/>
+          </a:bodyPr>
+          <a:lstStyle/>
+          <a:p>
+            <a:pPr algn="ctr">
+              <a:lnSpc>
+                <a:spcPts val="1600"/>
+              </a:lnSpc>
+            </a:pPr>
+            <a:r>
+              <a:rPr lang="en-GB" sz="700" b="1" dirty="0"/>
+              <a:t>Prediction Data</a:t>
+            </a:r>
+          </a:p>
+        </p:txBody>
+      </p:sp>
+      <p:pic>
+        <p:nvPicPr>
+          <p:cNvPr id="1050" name="Picture 26" descr="Experiment ">
+            <a:extLst>
+              <a:ext uri="{FF2B5EF4-FFF2-40B4-BE49-F238E27FC236}">
+                <a16:creationId xmlns:a16="http://schemas.microsoft.com/office/drawing/2014/main" id="{A76DEF21-C4A0-D73E-3AA9-D1077369CB7E}"/>
+              </a:ext>
+            </a:extLst>
+          </p:cNvPr>
+          <p:cNvPicPr>
+            <a:picLocks noChangeAspect="1" noChangeArrowheads="1"/>
+          </p:cNvPicPr>
+          <p:nvPr/>
+        </p:nvPicPr>
+        <p:blipFill>
+          <a:blip r:embed="rId16">
+            <a:extLst>
+              <a:ext uri="{28A0092B-C50C-407E-A947-70E740481C1C}">
+                <a14:useLocalDpi xmlns:a14="http://schemas.microsoft.com/office/drawing/2010/main" val="0"/>
+              </a:ext>
+            </a:extLst>
+          </a:blip>
+          <a:srcRect/>
+          <a:stretch>
+            <a:fillRect/>
+          </a:stretch>
+        </p:blipFill>
+        <p:spPr bwMode="auto">
+          <a:xfrm>
+            <a:off x="4705974" y="4219887"/>
+            <a:ext cx="365760" cy="365760"/>
+          </a:xfrm>
+          <a:prstGeom prst="rect">
+            <a:avLst/>
+          </a:prstGeom>
+          <a:noFill/>
+          <a:extLst>
+            <a:ext uri="{909E8E84-426E-40DD-AFC4-6F175D3DCCD1}">
+              <a14:hiddenFill xmlns:a14="http://schemas.microsoft.com/office/drawing/2010/main">
+                <a:solidFill>
+                  <a:srgbClr val="FFFFFF"/>
+                </a:solidFill>
+              </a14:hiddenFill>
+            </a:ext>
+          </a:extLst>
+        </p:spPr>
+      </p:pic>
+      <p:pic>
+        <p:nvPicPr>
+          <p:cNvPr id="1052" name="Picture 28" descr="Approval ">
+            <a:extLst>
+              <a:ext uri="{FF2B5EF4-FFF2-40B4-BE49-F238E27FC236}">
+                <a16:creationId xmlns:a16="http://schemas.microsoft.com/office/drawing/2014/main" id="{78EB8594-77FE-BB92-F5F6-88BE5F21FD38}"/>
+              </a:ext>
+            </a:extLst>
+          </p:cNvPr>
+          <p:cNvPicPr>
+            <a:picLocks noChangeAspect="1" noChangeArrowheads="1"/>
+          </p:cNvPicPr>
+          <p:nvPr/>
+        </p:nvPicPr>
+        <p:blipFill>
+          <a:blip r:embed="rId17">
+            <a:extLst>
+              <a:ext uri="{28A0092B-C50C-407E-A947-70E740481C1C}">
+                <a14:useLocalDpi xmlns:a14="http://schemas.microsoft.com/office/drawing/2010/main" val="0"/>
+              </a:ext>
+            </a:extLst>
+          </a:blip>
+          <a:srcRect/>
+          <a:stretch>
+            <a:fillRect/>
+          </a:stretch>
+        </p:blipFill>
+        <p:spPr bwMode="auto">
+          <a:xfrm>
+            <a:off x="3944764" y="4208643"/>
+            <a:ext cx="365760" cy="365760"/>
+          </a:xfrm>
+          <a:prstGeom prst="rect">
+            <a:avLst/>
+          </a:prstGeom>
+          <a:noFill/>
+          <a:extLst>
+            <a:ext uri="{909E8E84-426E-40DD-AFC4-6F175D3DCCD1}">
+              <a14:hiddenFill xmlns:a14="http://schemas.microsoft.com/office/drawing/2010/main">
+                <a:solidFill>
+                  <a:srgbClr val="FFFFFF"/>
+                </a:solidFill>
+              </a14:hiddenFill>
+            </a:ext>
+          </a:extLst>
+        </p:spPr>
+      </p:pic>
+      <p:pic>
+        <p:nvPicPr>
+          <p:cNvPr id="1054" name="Picture 30" descr="Machine learning ">
+            <a:extLst>
+              <a:ext uri="{FF2B5EF4-FFF2-40B4-BE49-F238E27FC236}">
+                <a16:creationId xmlns:a16="http://schemas.microsoft.com/office/drawing/2014/main" id="{3092BF05-8F36-212C-6106-3C646685BDE9}"/>
+              </a:ext>
+            </a:extLst>
+          </p:cNvPr>
+          <p:cNvPicPr>
+            <a:picLocks noChangeAspect="1" noChangeArrowheads="1"/>
+          </p:cNvPicPr>
+          <p:nvPr/>
+        </p:nvPicPr>
+        <p:blipFill>
+          <a:blip r:embed="rId18">
+            <a:extLst>
+              <a:ext uri="{28A0092B-C50C-407E-A947-70E740481C1C}">
+                <a14:useLocalDpi xmlns:a14="http://schemas.microsoft.com/office/drawing/2010/main" val="0"/>
+              </a:ext>
+            </a:extLst>
+          </a:blip>
+          <a:srcRect/>
+          <a:stretch>
+            <a:fillRect/>
+          </a:stretch>
+        </p:blipFill>
+        <p:spPr bwMode="auto">
+          <a:xfrm>
+            <a:off x="3297112" y="4198088"/>
+            <a:ext cx="365760" cy="365760"/>
+          </a:xfrm>
+          <a:prstGeom prst="rect">
+            <a:avLst/>
+          </a:prstGeom>
+          <a:noFill/>
+          <a:extLst>
+            <a:ext uri="{909E8E84-426E-40DD-AFC4-6F175D3DCCD1}">
+              <a14:hiddenFill xmlns:a14="http://schemas.microsoft.com/office/drawing/2010/main">
+                <a:solidFill>
+                  <a:srgbClr val="FFFFFF"/>
+                </a:solidFill>
+              </a14:hiddenFill>
+            </a:ext>
+          </a:extLst>
+        </p:spPr>
+      </p:pic>
+      <p:pic>
+        <p:nvPicPr>
+          <p:cNvPr id="1056" name="Picture 32" descr="Coding ">
+            <a:extLst>
+              <a:ext uri="{FF2B5EF4-FFF2-40B4-BE49-F238E27FC236}">
+                <a16:creationId xmlns:a16="http://schemas.microsoft.com/office/drawing/2014/main" id="{E7F53B44-C66C-7ACD-7297-6384AA4190D9}"/>
+              </a:ext>
+            </a:extLst>
+          </p:cNvPr>
+          <p:cNvPicPr>
+            <a:picLocks noChangeAspect="1" noChangeArrowheads="1"/>
+          </p:cNvPicPr>
+          <p:nvPr/>
+        </p:nvPicPr>
+        <p:blipFill>
+          <a:blip r:embed="rId19">
+            <a:extLst>
+              <a:ext uri="{28A0092B-C50C-407E-A947-70E740481C1C}">
+                <a14:useLocalDpi xmlns:a14="http://schemas.microsoft.com/office/drawing/2010/main" val="0"/>
+              </a:ext>
+            </a:extLst>
+          </a:blip>
+          <a:srcRect/>
+          <a:stretch>
+            <a:fillRect/>
+          </a:stretch>
+        </p:blipFill>
+        <p:spPr bwMode="auto">
+          <a:xfrm>
+            <a:off x="2627506" y="4185950"/>
+            <a:ext cx="365760" cy="365760"/>
+          </a:xfrm>
+          <a:prstGeom prst="rect">
+            <a:avLst/>
+          </a:prstGeom>
+          <a:noFill/>
+          <a:extLst>
+            <a:ext uri="{909E8E84-426E-40DD-AFC4-6F175D3DCCD1}">
+              <a14:hiddenFill xmlns:a14="http://schemas.microsoft.com/office/drawing/2010/main">
+                <a:solidFill>
+                  <a:srgbClr val="FFFFFF"/>
+                </a:solidFill>
+              </a14:hiddenFill>
+            </a:ext>
+          </a:extLst>
+        </p:spPr>
+      </p:pic>
+      <p:pic>
+        <p:nvPicPr>
+          <p:cNvPr id="1058" name="Picture 34" descr="Ingestion ">
+            <a:extLst>
+              <a:ext uri="{FF2B5EF4-FFF2-40B4-BE49-F238E27FC236}">
+                <a16:creationId xmlns:a16="http://schemas.microsoft.com/office/drawing/2014/main" id="{21E10990-7C12-AA18-D4E1-4E9E3D69C83E}"/>
+              </a:ext>
+            </a:extLst>
+          </p:cNvPr>
+          <p:cNvPicPr>
+            <a:picLocks noChangeAspect="1" noChangeArrowheads="1"/>
+          </p:cNvPicPr>
+          <p:nvPr/>
+        </p:nvPicPr>
+        <p:blipFill>
+          <a:blip r:embed="rId20">
+            <a:extLst>
+              <a:ext uri="{28A0092B-C50C-407E-A947-70E740481C1C}">
+                <a14:useLocalDpi xmlns:a14="http://schemas.microsoft.com/office/drawing/2010/main" val="0"/>
+              </a:ext>
+            </a:extLst>
+          </a:blip>
+          <a:srcRect/>
+          <a:stretch>
+            <a:fillRect/>
+          </a:stretch>
+        </p:blipFill>
+        <p:spPr bwMode="auto">
+          <a:xfrm>
+            <a:off x="5952540" y="5266227"/>
+            <a:ext cx="365760" cy="365760"/>
+          </a:xfrm>
+          <a:prstGeom prst="rect">
+            <a:avLst/>
+          </a:prstGeom>
+          <a:noFill/>
+          <a:extLst>
+            <a:ext uri="{909E8E84-426E-40DD-AFC4-6F175D3DCCD1}">
+              <a14:hiddenFill xmlns:a14="http://schemas.microsoft.com/office/drawing/2010/main">
+                <a:solidFill>
+                  <a:srgbClr val="FFFFFF"/>
+                </a:solidFill>
+              </a14:hiddenFill>
+            </a:ext>
+          </a:extLst>
+        </p:spPr>
+      </p:pic>
+      <p:pic>
+        <p:nvPicPr>
+          <p:cNvPr id="1060" name="Picture 36" descr="Data lake ">
+            <a:extLst>
+              <a:ext uri="{FF2B5EF4-FFF2-40B4-BE49-F238E27FC236}">
+                <a16:creationId xmlns:a16="http://schemas.microsoft.com/office/drawing/2014/main" id="{277205D0-1A07-E3B0-67BD-BDD5F1CB652F}"/>
+              </a:ext>
+            </a:extLst>
+          </p:cNvPr>
+          <p:cNvPicPr>
+            <a:picLocks noChangeAspect="1" noChangeArrowheads="1"/>
+          </p:cNvPicPr>
+          <p:nvPr/>
+        </p:nvPicPr>
+        <p:blipFill>
+          <a:blip r:embed="rId21">
+            <a:extLst>
+              <a:ext uri="{28A0092B-C50C-407E-A947-70E740481C1C}">
+                <a14:useLocalDpi xmlns:a14="http://schemas.microsoft.com/office/drawing/2010/main" val="0"/>
+              </a:ext>
+            </a:extLst>
+          </a:blip>
+          <a:srcRect/>
+          <a:stretch>
+            <a:fillRect/>
+          </a:stretch>
+        </p:blipFill>
+        <p:spPr bwMode="auto">
+          <a:xfrm>
+            <a:off x="6990888" y="5276341"/>
+            <a:ext cx="365760" cy="365760"/>
+          </a:xfrm>
+          <a:prstGeom prst="rect">
+            <a:avLst/>
+          </a:prstGeom>
+          <a:noFill/>
+          <a:extLst>
+            <a:ext uri="{909E8E84-426E-40DD-AFC4-6F175D3DCCD1}">
+              <a14:hiddenFill xmlns:a14="http://schemas.microsoft.com/office/drawing/2010/main">
+                <a:solidFill>
+                  <a:srgbClr val="FFFFFF"/>
+                </a:solidFill>
+              </a14:hiddenFill>
+            </a:ext>
+          </a:extLst>
+        </p:spPr>
+      </p:pic>
+      <p:cxnSp>
+        <p:nvCxnSpPr>
+          <p:cNvPr id="49" name="Straight Connector 48">
+            <a:extLst>
+              <a:ext uri="{FF2B5EF4-FFF2-40B4-BE49-F238E27FC236}">
+                <a16:creationId xmlns:a16="http://schemas.microsoft.com/office/drawing/2014/main" id="{4B4A747D-06D6-2CA0-58BA-7E409C4C7852}"/>
+              </a:ext>
+            </a:extLst>
+          </p:cNvPr>
+          <p:cNvCxnSpPr>
+            <a:cxnSpLocks/>
+          </p:cNvCxnSpPr>
+          <p:nvPr/>
+        </p:nvCxnSpPr>
+        <p:spPr>
+          <a:xfrm>
+            <a:off x="5363648" y="5491081"/>
+            <a:ext cx="640080" cy="0"/>
+          </a:xfrm>
+          <a:prstGeom prst="line">
+            <a:avLst/>
+          </a:prstGeom>
+          <a:ln w="22225">
+            <a:solidFill>
+              <a:schemeClr val="tx2">
+                <a:lumMod val="75000"/>
+              </a:schemeClr>
+            </a:solidFill>
+            <a:prstDash val="sysDash"/>
+            <a:headEnd type="oval"/>
+            <a:tailEnd type="oval"/>
+          </a:ln>
+        </p:spPr>
+        <p:style>
+          <a:lnRef idx="1">
+            <a:schemeClr val="dk1"/>
+          </a:lnRef>
+          <a:fillRef idx="0">
+            <a:schemeClr val="dk1"/>
+          </a:fillRef>
+          <a:effectRef idx="0">
+            <a:schemeClr val="dk1"/>
+          </a:effectRef>
+          <a:fontRef idx="minor">
+            <a:schemeClr val="tx1"/>
+          </a:fontRef>
+        </p:style>
+      </p:cxnSp>
+      <p:cxnSp>
+        <p:nvCxnSpPr>
+          <p:cNvPr id="51" name="Straight Connector 50">
+            <a:extLst>
+              <a:ext uri="{FF2B5EF4-FFF2-40B4-BE49-F238E27FC236}">
+                <a16:creationId xmlns:a16="http://schemas.microsoft.com/office/drawing/2014/main" id="{D06DFF8A-4254-6972-577D-74E058FD7374}"/>
+              </a:ext>
+            </a:extLst>
+          </p:cNvPr>
+          <p:cNvCxnSpPr>
+            <a:cxnSpLocks/>
+          </p:cNvCxnSpPr>
+          <p:nvPr/>
+        </p:nvCxnSpPr>
+        <p:spPr>
+          <a:xfrm>
+            <a:off x="6281307" y="5491081"/>
+            <a:ext cx="640080" cy="0"/>
+          </a:xfrm>
+          <a:prstGeom prst="line">
+            <a:avLst/>
+          </a:prstGeom>
+          <a:ln w="22225">
+            <a:solidFill>
+              <a:schemeClr val="tx2">
+                <a:lumMod val="75000"/>
+              </a:schemeClr>
+            </a:solidFill>
+            <a:prstDash val="sysDash"/>
+            <a:headEnd type="oval"/>
+            <a:tailEnd type="oval"/>
+          </a:ln>
+        </p:spPr>
+        <p:style>
+          <a:lnRef idx="1">
+            <a:schemeClr val="dk1"/>
+          </a:lnRef>
+          <a:fillRef idx="0">
+            <a:schemeClr val="dk1"/>
+          </a:fillRef>
+          <a:effectRef idx="0">
+            <a:schemeClr val="dk1"/>
+          </a:effectRef>
+          <a:fontRef idx="minor">
+            <a:schemeClr val="tx1"/>
+          </a:fontRef>
+        </p:style>
+      </p:cxnSp>
+      <p:sp>
+        <p:nvSpPr>
+          <p:cNvPr id="52" name="TextBox 51">
+            <a:extLst>
+              <a:ext uri="{FF2B5EF4-FFF2-40B4-BE49-F238E27FC236}">
+                <a16:creationId xmlns:a16="http://schemas.microsoft.com/office/drawing/2014/main" id="{22384F57-A462-8BF2-F45A-12E70F7EC9E8}"/>
+              </a:ext>
+            </a:extLst>
+          </p:cNvPr>
+          <p:cNvSpPr txBox="1"/>
+          <p:nvPr/>
+        </p:nvSpPr>
+        <p:spPr>
+          <a:xfrm>
+            <a:off x="5704194" y="5660402"/>
+            <a:ext cx="938530" cy="274320"/>
+          </a:xfrm>
+          <a:prstGeom prst="rect">
+            <a:avLst/>
+          </a:prstGeom>
+          <a:noFill/>
+        </p:spPr>
+        <p:txBody>
+          <a:bodyPr wrap="square">
+            <a:spAutoFit/>
+          </a:bodyPr>
+          <a:lstStyle/>
+          <a:p>
+            <a:pPr algn="ctr">
+              <a:lnSpc>
+                <a:spcPts val="1600"/>
+              </a:lnSpc>
+            </a:pPr>
+            <a:r>
+              <a:rPr lang="en-GB" sz="700" b="1" dirty="0"/>
+              <a:t>Batch Ingestion</a:t>
+            </a:r>
+          </a:p>
+        </p:txBody>
+      </p:sp>
+      <p:sp>
+        <p:nvSpPr>
+          <p:cNvPr id="53" name="TextBox 52">
+            <a:extLst>
+              <a:ext uri="{FF2B5EF4-FFF2-40B4-BE49-F238E27FC236}">
+                <a16:creationId xmlns:a16="http://schemas.microsoft.com/office/drawing/2014/main" id="{2BB47032-3925-AD1B-0ADC-426515179945}"/>
+              </a:ext>
+            </a:extLst>
+          </p:cNvPr>
+          <p:cNvSpPr txBox="1"/>
+          <p:nvPr/>
+        </p:nvSpPr>
+        <p:spPr>
+          <a:xfrm>
+            <a:off x="6579408" y="5660402"/>
+            <a:ext cx="822960" cy="274320"/>
+          </a:xfrm>
+          <a:prstGeom prst="rect">
+            <a:avLst/>
+          </a:prstGeom>
+          <a:noFill/>
+        </p:spPr>
+        <p:txBody>
+          <a:bodyPr wrap="square">
+            <a:spAutoFit/>
+          </a:bodyPr>
+          <a:lstStyle/>
+          <a:p>
+            <a:pPr algn="ctr">
+              <a:lnSpc>
+                <a:spcPts val="1600"/>
+              </a:lnSpc>
+            </a:pPr>
+            <a:r>
+              <a:rPr lang="en-GB" sz="700" b="1" dirty="0"/>
+              <a:t>Data Lake</a:t>
+            </a:r>
+          </a:p>
+        </p:txBody>
+      </p:sp>
+      <p:pic>
+        <p:nvPicPr>
+          <p:cNvPr id="1062" name="Picture 38" descr="jenkins Vector Icons free download in SVG, PNG Format">
+            <a:extLst>
+              <a:ext uri="{FF2B5EF4-FFF2-40B4-BE49-F238E27FC236}">
+                <a16:creationId xmlns:a16="http://schemas.microsoft.com/office/drawing/2014/main" id="{ECFA0420-5CE8-3DAE-E1BC-0B5DD1C870E9}"/>
+              </a:ext>
+            </a:extLst>
+          </p:cNvPr>
+          <p:cNvPicPr>
+            <a:picLocks noChangeAspect="1" noChangeArrowheads="1"/>
+          </p:cNvPicPr>
+          <p:nvPr/>
+        </p:nvPicPr>
+        <p:blipFill>
+          <a:blip r:embed="rId22">
+            <a:extLst>
+              <a:ext uri="{28A0092B-C50C-407E-A947-70E740481C1C}">
+                <a14:useLocalDpi xmlns:a14="http://schemas.microsoft.com/office/drawing/2010/main" val="0"/>
+              </a:ext>
+            </a:extLst>
+          </a:blip>
+          <a:srcRect/>
+          <a:stretch>
+            <a:fillRect/>
+          </a:stretch>
+        </p:blipFill>
+        <p:spPr bwMode="auto">
+          <a:xfrm>
+            <a:off x="1873201" y="5732530"/>
+            <a:ext cx="457200" cy="405183"/>
+          </a:xfrm>
+          <a:prstGeom prst="rect">
+            <a:avLst/>
+          </a:prstGeom>
+          <a:noFill/>
+          <a:extLst>
+            <a:ext uri="{909E8E84-426E-40DD-AFC4-6F175D3DCCD1}">
+              <a14:hiddenFill xmlns:a14="http://schemas.microsoft.com/office/drawing/2010/main">
+                <a:solidFill>
+                  <a:srgbClr val="FFFFFF"/>
+                </a:solidFill>
+              </a14:hiddenFill>
+            </a:ext>
+          </a:extLst>
+        </p:spPr>
+      </p:pic>
+      <p:cxnSp>
+        <p:nvCxnSpPr>
+          <p:cNvPr id="54" name="Straight Connector 53">
+            <a:extLst>
+              <a:ext uri="{FF2B5EF4-FFF2-40B4-BE49-F238E27FC236}">
+                <a16:creationId xmlns:a16="http://schemas.microsoft.com/office/drawing/2014/main" id="{6787F5BF-B7DC-A58E-6E0B-62D39C566D11}"/>
+              </a:ext>
+            </a:extLst>
+          </p:cNvPr>
+          <p:cNvCxnSpPr>
+            <a:cxnSpLocks/>
+          </p:cNvCxnSpPr>
+          <p:nvPr/>
+        </p:nvCxnSpPr>
+        <p:spPr>
+          <a:xfrm>
+            <a:off x="2132885" y="3206578"/>
+            <a:ext cx="274320" cy="0"/>
+          </a:xfrm>
+          <a:prstGeom prst="line">
+            <a:avLst/>
+          </a:prstGeom>
+          <a:ln w="22225">
+            <a:prstDash val="sysDash"/>
+            <a:headEnd type="oval"/>
+            <a:tailEnd type="triangle"/>
+          </a:ln>
+        </p:spPr>
+        <p:style>
+          <a:lnRef idx="1">
+            <a:schemeClr val="dk1"/>
+          </a:lnRef>
+          <a:fillRef idx="0">
+            <a:schemeClr val="dk1"/>
+          </a:fillRef>
+          <a:effectRef idx="0">
+            <a:schemeClr val="dk1"/>
+          </a:effectRef>
+          <a:fontRef idx="minor">
+            <a:schemeClr val="tx1"/>
+          </a:fontRef>
+        </p:style>
+      </p:cxnSp>
     </p:spTree>
     <p:extLst>
       <p:ext uri="{BB962C8B-B14F-4D97-AF65-F5344CB8AC3E}">

--- a/Presentation/Model_Presentation.pptx
+++ b/Presentation/Model_Presentation.pptx
@@ -11661,7 +11661,7 @@
           <a:lstStyle/>
           <a:p>
             <a:r>
-              <a:rPr lang="en-US" sz="1200" b="1" i="0" dirty="0">
+              <a:rPr lang="en-US" sz="1200" i="0" dirty="0">
                 <a:effectLst/>
                 <a:latin typeface="Poppins "/>
                 <a:ea typeface="Arimo Medium" panose="020B0604020202020204" pitchFamily="34" charset="0"/>
@@ -11670,7 +11670,7 @@
               <a:t>Busines</a:t>
             </a:r>
             <a:r>
-              <a:rPr lang="en-US" sz="1200" b="1" dirty="0">
+              <a:rPr lang="en-US" sz="1200" dirty="0">
                 <a:latin typeface="Poppins "/>
                 <a:ea typeface="Arimo Medium" panose="020B0604020202020204" pitchFamily="34" charset="0"/>
                 <a:cs typeface="Poppins" panose="00000500000000000000" pitchFamily="2" charset="0"/>
@@ -11804,10 +11804,10 @@
         </p:nvGrpSpPr>
         <p:grpSpPr>
           <a:xfrm rot="5400000">
-            <a:off x="7833150" y="1912943"/>
-            <a:ext cx="3522162" cy="4477137"/>
+            <a:off x="7827115" y="2122354"/>
+            <a:ext cx="3737607" cy="4273761"/>
             <a:chOff x="3265149" y="2807468"/>
-            <a:chExt cx="3522162" cy="3462486"/>
+            <a:chExt cx="3737607" cy="3462486"/>
           </a:xfrm>
         </p:grpSpPr>
         <p:sp>
@@ -11824,8 +11824,8 @@
           </p:nvSpPr>
           <p:spPr>
             <a:xfrm rot="16200000">
-              <a:off x="3577279" y="2908957"/>
-              <a:ext cx="3311522" cy="3108543"/>
+              <a:off x="3778756" y="2707481"/>
+              <a:ext cx="3124013" cy="3323987"/>
             </a:xfrm>
             <a:prstGeom prst="rect">
               <a:avLst/>
@@ -12241,7 +12241,7 @@
           <p:nvPr>
             <p:extLst>
               <p:ext uri="{D42A27DB-BD31-4B8C-83A1-F6EECF244321}">
-                <p14:modId xmlns:p14="http://schemas.microsoft.com/office/powerpoint/2010/main" val="1377616198"/>
+                <p14:modId xmlns:p14="http://schemas.microsoft.com/office/powerpoint/2010/main" val="3379520611"/>
               </p:ext>
             </p:extLst>
           </p:nvPr>
@@ -13917,28 +13917,28 @@
           <p:nvPr>
             <p:extLst>
               <p:ext uri="{D42A27DB-BD31-4B8C-83A1-F6EECF244321}">
-                <p14:modId xmlns:p14="http://schemas.microsoft.com/office/powerpoint/2010/main" val="126724099"/>
+                <p14:modId xmlns:p14="http://schemas.microsoft.com/office/powerpoint/2010/main" val="9264612"/>
               </p:ext>
             </p:extLst>
           </p:nvPr>
         </p:nvGraphicFramePr>
         <p:xfrm>
           <a:off x="3746574" y="2533650"/>
-          <a:ext cx="3249886" cy="3779520"/>
+          <a:ext cx="3273986" cy="3779520"/>
         </p:xfrm>
         <a:graphic>
           <a:graphicData uri="http://schemas.openxmlformats.org/drawingml/2006/table">
             <a:tbl>
               <a:tblPr firstRow="1" bandRow="1"/>
               <a:tblGrid>
-                <a:gridCol w="1109905">
+                <a:gridCol w="1028626">
                   <a:extLst>
                     <a:ext uri="{9D8B030D-6E8A-4147-A177-3AD203B41FA5}">
                       <a16:colId xmlns:a16="http://schemas.microsoft.com/office/drawing/2014/main" val="655509816"/>
                     </a:ext>
                   </a:extLst>
                 </a:gridCol>
-                <a:gridCol w="2139981">
+                <a:gridCol w="2245360">
                   <a:extLst>
                     <a:ext uri="{9D8B030D-6E8A-4147-A177-3AD203B41FA5}">
                       <a16:colId xmlns:a16="http://schemas.microsoft.com/office/drawing/2014/main" val="3148263239"/>
@@ -14057,7 +14057,7 @@
                     <a:p>
                       <a:pPr algn="ctr" rtl="0" fontAlgn="ctr"/>
                       <a:r>
-                        <a:rPr lang="en-US" sz="1000" b="0" i="0" u="none" strike="noStrike" dirty="0">
+                        <a:rPr lang="en-US" sz="1000" b="1" i="0" u="none" strike="noStrike" dirty="0">
                           <a:solidFill>
                             <a:srgbClr val="000000"/>
                           </a:solidFill>
@@ -14268,7 +14268,7 @@
                     <a:p>
                       <a:pPr algn="ctr" rtl="0" fontAlgn="b"/>
                       <a:r>
-                        <a:rPr lang="en-US" sz="900" b="1" i="0" u="none" strike="noStrike">
+                        <a:rPr lang="en-US" sz="900" b="1" i="0" u="none" strike="noStrike" dirty="0">
                           <a:solidFill>
                             <a:srgbClr val="000000"/>
                           </a:solidFill>
@@ -14372,7 +14372,7 @@
                     <a:p>
                       <a:pPr algn="ctr" rtl="0" fontAlgn="b"/>
                       <a:r>
-                        <a:rPr lang="en-US" sz="900" b="1" i="0" u="none" strike="noStrike">
+                        <a:rPr lang="en-US" sz="900" b="1" i="0" u="none" strike="noStrike" dirty="0">
                           <a:solidFill>
                             <a:srgbClr val="000000"/>
                           </a:solidFill>
@@ -14527,7 +14527,7 @@
                     <a:p>
                       <a:pPr algn="ctr" rtl="0" fontAlgn="b"/>
                       <a:r>
-                        <a:rPr lang="en-US" sz="900" b="1" i="0" u="none" strike="noStrike">
+                        <a:rPr lang="en-US" sz="900" b="1" i="0" u="none" strike="noStrike" dirty="0">
                           <a:solidFill>
                             <a:srgbClr val="000000"/>
                           </a:solidFill>
@@ -14684,14 +14684,34 @@
                     <a:p>
                       <a:pPr algn="ctr" rtl="0" fontAlgn="b"/>
                       <a:r>
-                        <a:rPr lang="en-US" sz="900" b="1" i="0" u="none" strike="noStrike">
+                        <a:rPr lang="en-US" sz="900" b="1" i="0" u="none" strike="noStrike" dirty="0">
                           <a:solidFill>
                             <a:srgbClr val="000000"/>
                           </a:solidFill>
                           <a:effectLst/>
                           <a:latin typeface="Candara" panose="020E0502030303020204" pitchFamily="34" charset="0"/>
                         </a:rPr>
-                        <a:t>Flag for Risky Occupation (Fire fighter, Paramilitary etc)</a:t>
+                        <a:t>Flag For Risky Occupation (Fire Fighter, Paramilitary </a:t>
+                      </a:r>
+                      <a:r>
+                        <a:rPr lang="en-US" sz="900" b="1" i="0" u="none" strike="noStrike" dirty="0" err="1">
+                          <a:solidFill>
+                            <a:srgbClr val="000000"/>
+                          </a:solidFill>
+                          <a:effectLst/>
+                          <a:latin typeface="Candara" panose="020E0502030303020204" pitchFamily="34" charset="0"/>
+                        </a:rPr>
+                        <a:t>etc</a:t>
+                      </a:r>
+                      <a:r>
+                        <a:rPr lang="en-US" sz="900" b="1" i="0" u="none" strike="noStrike" dirty="0">
+                          <a:solidFill>
+                            <a:srgbClr val="000000"/>
+                          </a:solidFill>
+                          <a:effectLst/>
+                          <a:latin typeface="Candara" panose="020E0502030303020204" pitchFamily="34" charset="0"/>
+                        </a:rPr>
+                        <a:t>)</a:t>
                       </a:r>
                     </a:p>
                   </a:txBody>
@@ -14731,14 +14751,14 @@
                     <a:p>
                       <a:pPr algn="ctr" rtl="0" fontAlgn="ctr"/>
                       <a:r>
-                        <a:rPr lang="en-US" sz="1000" b="0" i="0" u="none" strike="noStrike">
+                        <a:rPr lang="en-US" sz="1000" b="1" i="0" u="none" strike="noStrike" dirty="0">
                           <a:solidFill>
                             <a:srgbClr val="000000"/>
                           </a:solidFill>
                           <a:effectLst/>
                           <a:latin typeface="Candara" panose="020E0502030303020204" pitchFamily="34" charset="0"/>
                         </a:rPr>
-                        <a:t>Bereau variables</a:t>
+                        <a:t>Bureau Variables</a:t>
                       </a:r>
                     </a:p>
                   </a:txBody>
@@ -14838,14 +14858,14 @@
                     <a:p>
                       <a:pPr algn="ctr" rtl="0" fontAlgn="b"/>
                       <a:r>
-                        <a:rPr lang="en-US" sz="900" b="1" i="0" u="none" strike="noStrike">
+                        <a:rPr lang="en-US" sz="900" b="1" i="0" u="none" strike="noStrike" dirty="0">
                           <a:solidFill>
                             <a:srgbClr val="000000"/>
                           </a:solidFill>
                           <a:effectLst/>
                           <a:latin typeface="Candara" panose="020E0502030303020204" pitchFamily="34" charset="0"/>
                         </a:rPr>
-                        <a:t>No of active Loans</a:t>
+                        <a:t>No of Active Loans</a:t>
                       </a:r>
                     </a:p>
                   </a:txBody>
@@ -14896,7 +14916,7 @@
                           <a:effectLst/>
                           <a:latin typeface="Candara" panose="020E0502030303020204" pitchFamily="34" charset="0"/>
                         </a:rPr>
-                        <a:t>Credit vintage</a:t>
+                        <a:t>Credit Vintage</a:t>
                       </a:r>
                     </a:p>
                   </a:txBody>
@@ -14949,7 +14969,7 @@
                           <a:effectLst/>
                           <a:latin typeface="Candara" panose="020E0502030303020204" pitchFamily="34" charset="0"/>
                         </a:rPr>
-                        <a:t>DPD's</a:t>
+                        <a:t>DPD’s</a:t>
                       </a:r>
                     </a:p>
                   </a:txBody>
@@ -15000,7 +15020,7 @@
                           <a:effectLst/>
                           <a:latin typeface="Candara" panose="020E0502030303020204" pitchFamily="34" charset="0"/>
                         </a:rPr>
-                        <a:t>Secured/Unsecured loans</a:t>
+                        <a:t>Secured/Unsecured Loans</a:t>
                       </a:r>
                     </a:p>
                   </a:txBody>
@@ -15053,7 +15073,7 @@
                           <a:effectLst/>
                           <a:latin typeface="Candara" panose="020E0502030303020204" pitchFamily="34" charset="0"/>
                         </a:rPr>
-                        <a:t>No of Enquiries</a:t>
+                        <a:t>No Of Enquiries</a:t>
                       </a:r>
                     </a:p>
                   </a:txBody>
@@ -15104,7 +15124,7 @@
                           <a:effectLst/>
                           <a:latin typeface="Candara" panose="020E0502030303020204" pitchFamily="34" charset="0"/>
                         </a:rPr>
-                        <a:t>Max CC spend </a:t>
+                        <a:t>Max CC Spend </a:t>
                       </a:r>
                       <a:r>
                         <a:rPr lang="en-US" sz="900" b="1" i="0" u="none" strike="noStrike" dirty="0" err="1">
@@ -15159,6 +15179,100 @@
           </a:graphicData>
         </a:graphic>
       </p:graphicFrame>
+      <p:pic>
+        <p:nvPicPr>
+          <p:cNvPr id="2050" name="Picture 2" descr="Ruler">
+            <a:extLst>
+              <a:ext uri="{FF2B5EF4-FFF2-40B4-BE49-F238E27FC236}">
+                <a16:creationId xmlns:a16="http://schemas.microsoft.com/office/drawing/2014/main" id="{A5A7F1B5-B889-7A80-B1A2-8F3D4537695F}"/>
+              </a:ext>
+            </a:extLst>
+          </p:cNvPr>
+          <p:cNvPicPr>
+            <a:picLocks noChangeAspect="1" noChangeArrowheads="1"/>
+          </p:cNvPicPr>
+          <p:nvPr/>
+        </p:nvPicPr>
+        <p:blipFill>
+          <a:blip r:embed="rId3">
+            <a:extLst>
+              <a:ext uri="{28A0092B-C50C-407E-A947-70E740481C1C}">
+                <a14:useLocalDpi xmlns:a14="http://schemas.microsoft.com/office/drawing/2010/main" val="0"/>
+              </a:ext>
+            </a:extLst>
+          </a:blip>
+          <a:srcRect/>
+          <a:stretch>
+            <a:fillRect/>
+          </a:stretch>
+        </p:blipFill>
+        <p:spPr bwMode="auto">
+          <a:xfrm>
+            <a:off x="9520330" y="2331108"/>
+            <a:ext cx="457200" cy="457200"/>
+          </a:xfrm>
+          <a:prstGeom prst="rect">
+            <a:avLst/>
+          </a:prstGeom>
+          <a:noFill/>
+          <a:extLst>
+            <a:ext uri="{909E8E84-426E-40DD-AFC4-6F175D3DCCD1}">
+              <a14:hiddenFill xmlns:a14="http://schemas.microsoft.com/office/drawing/2010/main">
+                <a:solidFill>
+                  <a:srgbClr val="FFFFFF"/>
+                </a:solidFill>
+              </a14:hiddenFill>
+            </a:ext>
+          </a:extLst>
+        </p:spPr>
+      </p:pic>
+      <p:pic>
+        <p:nvPicPr>
+          <p:cNvPr id="7" name="Picture 4" descr="Architecture">
+            <a:extLst>
+              <a:ext uri="{FF2B5EF4-FFF2-40B4-BE49-F238E27FC236}">
+                <a16:creationId xmlns:a16="http://schemas.microsoft.com/office/drawing/2014/main" id="{4380307F-BB2D-50DF-A452-89A049706EB9}"/>
+              </a:ext>
+            </a:extLst>
+          </p:cNvPr>
+          <p:cNvPicPr>
+            <a:picLocks noChangeAspect="1" noChangeArrowheads="1"/>
+          </p:cNvPicPr>
+          <p:nvPr/>
+        </p:nvPicPr>
+        <p:blipFill>
+          <a:blip r:embed="rId4">
+            <a:extLst>
+              <a:ext uri="{28A0092B-C50C-407E-A947-70E740481C1C}">
+                <a14:useLocalDpi xmlns:a14="http://schemas.microsoft.com/office/drawing/2010/main" val="0"/>
+              </a:ext>
+            </a:extLst>
+          </a:blip>
+          <a:srcRect/>
+          <a:stretch>
+            <a:fillRect/>
+          </a:stretch>
+        </p:blipFill>
+        <p:spPr bwMode="auto">
+          <a:xfrm>
+            <a:off x="2093122" y="1962938"/>
+            <a:ext cx="365760" cy="365760"/>
+          </a:xfrm>
+          <a:prstGeom prst="rect">
+            <a:avLst/>
+          </a:prstGeom>
+          <a:noFill/>
+          <a:extLst>
+            <a:ext uri="{909E8E84-426E-40DD-AFC4-6F175D3DCCD1}">
+              <a14:hiddenFill xmlns:a14="http://schemas.microsoft.com/office/drawing/2010/main">
+                <a:solidFill>
+                  <a:srgbClr val="FFFFFF"/>
+                </a:solidFill>
+              </a14:hiddenFill>
+            </a:ext>
+          </a:extLst>
+        </p:spPr>
+      </p:pic>
     </p:spTree>
     <p:extLst>
       <p:ext uri="{BB962C8B-B14F-4D97-AF65-F5344CB8AC3E}">
@@ -15536,7 +15650,7 @@
                 <a:ea typeface="Arimo SemiBold" panose="020B0604020202020204" pitchFamily="34" charset="0"/>
                 <a:cs typeface="Poppins Medium" panose="00000600000000000000" pitchFamily="2" charset="0"/>
               </a:rPr>
-              <a:t>Overview</a:t>
+              <a:t>Basic EDA</a:t>
             </a:r>
           </a:p>
         </p:txBody>
@@ -15569,22 +15683,13 @@
           </a:bodyPr>
           <a:lstStyle/>
           <a:p>
-            <a:r>
-              <a:rPr lang="en-US" sz="900" b="0" i="0" dirty="0">
-                <a:effectLst/>
-                <a:latin typeface="Poppins "/>
-                <a:ea typeface="Arimo Medium" panose="020B0604020202020204" pitchFamily="34" charset="0"/>
-                <a:cs typeface="Poppins" panose="00000500000000000000" pitchFamily="2" charset="0"/>
-              </a:rPr>
-              <a:t>Busines</a:t>
-            </a:r>
             <a:r>
               <a:rPr lang="en-US" sz="900" dirty="0">
                 <a:latin typeface="Poppins "/>
                 <a:ea typeface="Arimo Medium" panose="020B0604020202020204" pitchFamily="34" charset="0"/>
                 <a:cs typeface="Poppins" panose="00000500000000000000" pitchFamily="2" charset="0"/>
               </a:rPr>
-              <a:t>s problem </a:t>
+              <a:t>Basic Data Cuts and Overview</a:t>
             </a:r>
           </a:p>
         </p:txBody>
@@ -16326,49 +16431,6 @@
       </p:sp>
       <p:cxnSp>
         <p:nvCxnSpPr>
-          <p:cNvPr id="32" name="Straight Connector 31">
-            <a:extLst>
-              <a:ext uri="{FF2B5EF4-FFF2-40B4-BE49-F238E27FC236}">
-                <a16:creationId xmlns:a16="http://schemas.microsoft.com/office/drawing/2014/main" id="{573A18E9-B876-D640-0555-32C5E2F94B5A}"/>
-              </a:ext>
-            </a:extLst>
-          </p:cNvPr>
-          <p:cNvCxnSpPr>
-            <a:cxnSpLocks/>
-          </p:cNvCxnSpPr>
-          <p:nvPr/>
-        </p:nvCxnSpPr>
-        <p:spPr>
-          <a:xfrm flipV="1">
-            <a:off x="679855" y="3875093"/>
-            <a:ext cx="0" cy="2284403"/>
-          </a:xfrm>
-          <a:prstGeom prst="line">
-            <a:avLst/>
-          </a:prstGeom>
-          <a:ln w="28575">
-            <a:solidFill>
-              <a:schemeClr val="tx2"/>
-            </a:solidFill>
-          </a:ln>
-        </p:spPr>
-        <p:style>
-          <a:lnRef idx="1">
-            <a:schemeClr val="accent1"/>
-          </a:lnRef>
-          <a:fillRef idx="0">
-            <a:schemeClr val="accent1"/>
-          </a:fillRef>
-          <a:effectRef idx="0">
-            <a:schemeClr val="accent1"/>
-          </a:effectRef>
-          <a:fontRef idx="minor">
-            <a:schemeClr val="tx1"/>
-          </a:fontRef>
-        </p:style>
-      </p:cxnSp>
-      <p:cxnSp>
-        <p:nvCxnSpPr>
           <p:cNvPr id="61" name="Straight Connector 60">
             <a:extLst>
               <a:ext uri="{FF2B5EF4-FFF2-40B4-BE49-F238E27FC236}">
@@ -16425,7 +16487,7 @@
         <p:spPr>
           <a:xfrm>
             <a:off x="8459068" y="271105"/>
-            <a:ext cx="1885201" cy="338554"/>
+            <a:ext cx="2643339" cy="338554"/>
           </a:xfrm>
           <a:prstGeom prst="rect">
             <a:avLst/>
@@ -16444,7 +16506,7 @@
                 <a:ea typeface="Arimo SemiBold" panose="020B0604020202020204" pitchFamily="34" charset="0"/>
                 <a:cs typeface="Poppins Medium" panose="00000600000000000000" pitchFamily="2" charset="0"/>
               </a:rPr>
-              <a:t>Overview</a:t>
+              <a:t>Model Architecture </a:t>
             </a:r>
           </a:p>
         </p:txBody>
@@ -16484,15 +16546,7 @@
                 <a:ea typeface="Arimo Medium" panose="020B0604020202020204" pitchFamily="34" charset="0"/>
                 <a:cs typeface="Poppins" panose="00000500000000000000" pitchFamily="2" charset="0"/>
               </a:rPr>
-              <a:t>Busines</a:t>
-            </a:r>
-            <a:r>
-              <a:rPr lang="en-US" sz="900" dirty="0">
-                <a:latin typeface="Poppins "/>
-                <a:ea typeface="Arimo Medium" panose="020B0604020202020204" pitchFamily="34" charset="0"/>
-                <a:cs typeface="Poppins" panose="00000500000000000000" pitchFamily="2" charset="0"/>
-              </a:rPr>
-              <a:t>s problem </a:t>
+              <a:t>High Level Architecture view </a:t>
             </a:r>
           </a:p>
         </p:txBody>
@@ -16527,6 +16581,13 @@
               </a:schemeClr>
             </a:solidFill>
           </a:ln>
+          <a:effectLst>
+            <a:outerShdw blurRad="50800" dist="38100" dir="2700000" algn="tl" rotWithShape="0">
+              <a:prstClr val="black">
+                <a:alpha val="40000"/>
+              </a:prstClr>
+            </a:outerShdw>
+          </a:effectLst>
         </p:spPr>
         <p:txBody>
           <a:bodyPr wrap="square">
@@ -16534,7 +16595,7 @@
           </a:bodyPr>
           <a:lstStyle/>
           <a:p>
-            <a:pPr algn="r">
+            <a:pPr algn="ctr">
               <a:lnSpc>
                 <a:spcPts val="1600"/>
               </a:lnSpc>
@@ -16542,63 +16603,18 @@
             <a:r>
               <a:rPr lang="en-GB" sz="1000" b="1" dirty="0">
                 <a:solidFill>
-                  <a:schemeClr val="tx2"/>
+                  <a:schemeClr val="tx2">
+                    <a:lumMod val="50000"/>
+                  </a:schemeClr>
                 </a:solidFill>
                 <a:latin typeface="Poppins "/>
                 <a:ea typeface="Inter" panose="02000503000000020004" pitchFamily="2" charset="0"/>
               </a:rPr>
-              <a:t>High Level Architecture View : </a:t>
+              <a:t>High Level Architecture View  </a:t>
             </a:r>
           </a:p>
         </p:txBody>
       </p:sp>
-      <p:pic>
-        <p:nvPicPr>
-          <p:cNvPr id="2050" name="Picture 2" descr="Architectural ">
-            <a:extLst>
-              <a:ext uri="{FF2B5EF4-FFF2-40B4-BE49-F238E27FC236}">
-                <a16:creationId xmlns:a16="http://schemas.microsoft.com/office/drawing/2014/main" id="{AF32717E-C806-8CE5-4716-11822D7E4937}"/>
-              </a:ext>
-            </a:extLst>
-          </p:cNvPr>
-          <p:cNvPicPr>
-            <a:picLocks noChangeAspect="1" noChangeArrowheads="1"/>
-          </p:cNvPicPr>
-          <p:nvPr/>
-        </p:nvPicPr>
-        <p:blipFill>
-          <a:blip r:embed="rId2">
-            <a:extLst>
-              <a:ext uri="{28A0092B-C50C-407E-A947-70E740481C1C}">
-                <a14:useLocalDpi xmlns:a14="http://schemas.microsoft.com/office/drawing/2010/main" val="0"/>
-              </a:ext>
-            </a:extLst>
-          </a:blip>
-          <a:srcRect/>
-          <a:stretch>
-            <a:fillRect/>
-          </a:stretch>
-        </p:blipFill>
-        <p:spPr bwMode="auto">
-          <a:xfrm>
-            <a:off x="303426" y="726906"/>
-            <a:ext cx="365760" cy="365760"/>
-          </a:xfrm>
-          <a:prstGeom prst="rect">
-            <a:avLst/>
-          </a:prstGeom>
-          <a:noFill/>
-          <a:extLst>
-            <a:ext uri="{909E8E84-426E-40DD-AFC4-6F175D3DCCD1}">
-              <a14:hiddenFill xmlns:a14="http://schemas.microsoft.com/office/drawing/2010/main">
-                <a:solidFill>
-                  <a:srgbClr val="FFFFFF"/>
-                </a:solidFill>
-              </a14:hiddenFill>
-            </a:ext>
-          </a:extLst>
-        </p:spPr>
-      </p:pic>
       <p:sp>
         <p:nvSpPr>
           <p:cNvPr id="3" name="TextBox 2">
@@ -16613,7 +16629,7 @@
         </p:nvSpPr>
         <p:spPr>
           <a:xfrm>
-            <a:off x="968879" y="2163689"/>
+            <a:off x="1154055" y="2163689"/>
             <a:ext cx="822960" cy="274320"/>
           </a:xfrm>
           <a:prstGeom prst="rect">
@@ -16653,7 +16669,7 @@
         </p:nvSpPr>
         <p:spPr>
           <a:xfrm>
-            <a:off x="3218621" y="2180312"/>
+            <a:off x="3403797" y="2180312"/>
             <a:ext cx="938530" cy="274320"/>
           </a:xfrm>
           <a:prstGeom prst="rect">
@@ -16693,7 +16709,7 @@
         </p:nvSpPr>
         <p:spPr>
           <a:xfrm>
-            <a:off x="2141473" y="2177276"/>
+            <a:off x="2326649" y="2177276"/>
             <a:ext cx="822960" cy="274320"/>
           </a:xfrm>
           <a:prstGeom prst="rect">
@@ -16733,7 +16749,7 @@
         </p:nvSpPr>
         <p:spPr>
           <a:xfrm>
-            <a:off x="4540689" y="2173458"/>
+            <a:off x="4725865" y="2173458"/>
             <a:ext cx="822960" cy="274320"/>
           </a:xfrm>
           <a:prstGeom prst="rect">
@@ -16773,15 +16789,21 @@
         </p:nvSpPr>
         <p:spPr>
           <a:xfrm>
-            <a:off x="843280" y="1706880"/>
+            <a:off x="1028456" y="1706880"/>
             <a:ext cx="4520370" cy="745107"/>
           </a:xfrm>
           <a:prstGeom prst="rect">
             <a:avLst/>
           </a:prstGeom>
           <a:noFill/>
-          <a:ln w="25400">
-            <a:prstDash val="sysDash"/>
+          <a:ln w="19050" cap="rnd">
+            <a:solidFill>
+              <a:schemeClr val="accent6">
+                <a:lumMod val="50000"/>
+              </a:schemeClr>
+            </a:solidFill>
+            <a:prstDash val="sysDot"/>
+            <a:round/>
           </a:ln>
         </p:spPr>
         <p:style>
@@ -16823,7 +16845,7 @@
         </p:nvSpPr>
         <p:spPr>
           <a:xfrm>
-            <a:off x="2651837" y="1510612"/>
+            <a:off x="1157422" y="1540869"/>
             <a:ext cx="1133567" cy="282129"/>
           </a:xfrm>
           <a:prstGeom prst="rect">
@@ -16879,7 +16901,7 @@
           <p:nvPr/>
         </p:nvPicPr>
         <p:blipFill>
-          <a:blip r:embed="rId3">
+          <a:blip r:embed="rId2">
             <a:extLst>
               <a:ext uri="{28A0092B-C50C-407E-A947-70E740481C1C}">
                 <a14:useLocalDpi xmlns:a14="http://schemas.microsoft.com/office/drawing/2010/main" val="0"/>
@@ -16893,7 +16915,7 @@
         </p:blipFill>
         <p:spPr bwMode="auto">
           <a:xfrm>
-            <a:off x="2247613" y="1882966"/>
+            <a:off x="2432789" y="1882966"/>
             <a:ext cx="365760" cy="365760"/>
           </a:xfrm>
           <a:prstGeom prst="rect">
@@ -16926,7 +16948,7 @@
           <p:nvPr/>
         </p:nvPicPr>
         <p:blipFill>
-          <a:blip r:embed="rId4">
+          <a:blip r:embed="rId3">
             <a:extLst>
               <a:ext uri="{28A0092B-C50C-407E-A947-70E740481C1C}">
                 <a14:useLocalDpi xmlns:a14="http://schemas.microsoft.com/office/drawing/2010/main" val="0"/>
@@ -16940,7 +16962,7 @@
         </p:blipFill>
         <p:spPr bwMode="auto">
           <a:xfrm>
-            <a:off x="3370562" y="1882966"/>
+            <a:off x="3555738" y="1882966"/>
             <a:ext cx="365760" cy="365760"/>
           </a:xfrm>
           <a:prstGeom prst="rect">
@@ -16973,7 +16995,7 @@
           <p:nvPr/>
         </p:nvPicPr>
         <p:blipFill>
-          <a:blip r:embed="rId5">
+          <a:blip r:embed="rId4">
             <a:extLst>
               <a:ext uri="{28A0092B-C50C-407E-A947-70E740481C1C}">
                 <a14:useLocalDpi xmlns:a14="http://schemas.microsoft.com/office/drawing/2010/main" val="0"/>
@@ -16987,7 +17009,7 @@
         </p:blipFill>
         <p:spPr bwMode="auto">
           <a:xfrm>
-            <a:off x="4723934" y="1882966"/>
+            <a:off x="4909110" y="1882966"/>
             <a:ext cx="365760" cy="365760"/>
           </a:xfrm>
           <a:prstGeom prst="rect">
@@ -17020,7 +17042,7 @@
           <p:nvPr/>
         </p:nvPicPr>
         <p:blipFill>
-          <a:blip r:embed="rId6">
+          <a:blip r:embed="rId5">
             <a:extLst>
               <a:ext uri="{28A0092B-C50C-407E-A947-70E740481C1C}">
                 <a14:useLocalDpi xmlns:a14="http://schemas.microsoft.com/office/drawing/2010/main" val="0"/>
@@ -17034,7 +17056,7 @@
         </p:blipFill>
         <p:spPr bwMode="auto">
           <a:xfrm>
-            <a:off x="1160455" y="1882966"/>
+            <a:off x="1345631" y="1882966"/>
             <a:ext cx="365760" cy="365760"/>
           </a:xfrm>
           <a:prstGeom prst="rect">
@@ -17066,15 +17088,21 @@
         </p:nvSpPr>
         <p:spPr>
           <a:xfrm>
-            <a:off x="860717" y="2916840"/>
-            <a:ext cx="1260005" cy="3267585"/>
+            <a:off x="1045893" y="2916840"/>
+            <a:ext cx="1260005" cy="3085685"/>
           </a:xfrm>
           <a:prstGeom prst="rect">
             <a:avLst/>
           </a:prstGeom>
           <a:noFill/>
-          <a:ln w="25400">
-            <a:prstDash val="sysDash"/>
+          <a:ln w="19050" cap="rnd">
+            <a:solidFill>
+              <a:schemeClr val="accent6">
+                <a:lumMod val="50000"/>
+              </a:schemeClr>
+            </a:solidFill>
+            <a:prstDash val="sysDot"/>
+            <a:round/>
           </a:ln>
         </p:spPr>
         <p:style>
@@ -17116,7 +17144,7 @@
         </p:nvSpPr>
         <p:spPr>
           <a:xfrm>
-            <a:off x="948402" y="2656600"/>
+            <a:off x="1133578" y="2656600"/>
             <a:ext cx="1133567" cy="369332"/>
           </a:xfrm>
           <a:prstGeom prst="rect">
@@ -17167,15 +17195,21 @@
         </p:nvSpPr>
         <p:spPr>
           <a:xfrm>
-            <a:off x="2544468" y="2980870"/>
+            <a:off x="2729644" y="2980870"/>
             <a:ext cx="2819181" cy="745107"/>
           </a:xfrm>
           <a:prstGeom prst="rect">
             <a:avLst/>
           </a:prstGeom>
           <a:noFill/>
-          <a:ln w="25400">
-            <a:prstDash val="sysDash"/>
+          <a:ln w="19050" cap="rnd">
+            <a:solidFill>
+              <a:schemeClr val="accent6">
+                <a:lumMod val="50000"/>
+              </a:schemeClr>
+            </a:solidFill>
+            <a:prstDash val="sysDot"/>
+            <a:round/>
           </a:ln>
         </p:spPr>
         <p:style>
@@ -17217,15 +17251,21 @@
         </p:nvSpPr>
         <p:spPr>
           <a:xfrm>
-            <a:off x="2544468" y="4033460"/>
+            <a:off x="2729644" y="4033460"/>
             <a:ext cx="2819181" cy="745107"/>
           </a:xfrm>
           <a:prstGeom prst="rect">
             <a:avLst/>
           </a:prstGeom>
           <a:noFill/>
-          <a:ln w="25400">
-            <a:prstDash val="sysDash"/>
+          <a:ln w="19050" cap="rnd">
+            <a:solidFill>
+              <a:schemeClr val="accent6">
+                <a:lumMod val="50000"/>
+              </a:schemeClr>
+            </a:solidFill>
+            <a:prstDash val="sysDot"/>
+            <a:round/>
           </a:ln>
         </p:spPr>
         <p:style>
@@ -17267,15 +17307,21 @@
         </p:nvSpPr>
         <p:spPr>
           <a:xfrm>
-            <a:off x="2544467" y="5086668"/>
+            <a:off x="2729643" y="5086668"/>
             <a:ext cx="2819181" cy="745107"/>
           </a:xfrm>
           <a:prstGeom prst="rect">
             <a:avLst/>
           </a:prstGeom>
           <a:noFill/>
-          <a:ln w="25400">
-            <a:prstDash val="sysDash"/>
+          <a:ln w="19050" cap="rnd">
+            <a:solidFill>
+              <a:schemeClr val="accent6">
+                <a:lumMod val="50000"/>
+              </a:schemeClr>
+            </a:solidFill>
+            <a:prstDash val="sysDot"/>
+            <a:round/>
           </a:ln>
         </p:spPr>
         <p:style>
@@ -17317,8 +17363,8 @@
         </p:nvSpPr>
         <p:spPr>
           <a:xfrm>
-            <a:off x="3815699" y="2832951"/>
-            <a:ext cx="1133567" cy="282129"/>
+            <a:off x="3970580" y="2832951"/>
+            <a:ext cx="1371600" cy="282129"/>
           </a:xfrm>
           <a:prstGeom prst="rect">
             <a:avLst/>
@@ -17372,8 +17418,8 @@
         </p:nvSpPr>
         <p:spPr>
           <a:xfrm>
-            <a:off x="3794345" y="3892395"/>
-            <a:ext cx="1492688" cy="282129"/>
+            <a:off x="3970580" y="3892395"/>
+            <a:ext cx="1554480" cy="282129"/>
           </a:xfrm>
           <a:prstGeom prst="rect">
             <a:avLst/>
@@ -17395,7 +17441,7 @@
           </a:bodyPr>
           <a:lstStyle/>
           <a:p>
-            <a:pPr algn="r">
+            <a:pPr>
               <a:lnSpc>
                 <a:spcPts val="1600"/>
               </a:lnSpc>
@@ -17427,8 +17473,8 @@
         </p:nvSpPr>
         <p:spPr>
           <a:xfrm>
-            <a:off x="3785404" y="4948248"/>
-            <a:ext cx="1492688" cy="282129"/>
+            <a:off x="3970580" y="4948248"/>
+            <a:ext cx="1371600" cy="282129"/>
           </a:xfrm>
           <a:prstGeom prst="rect">
             <a:avLst/>
@@ -17450,7 +17496,7 @@
           </a:bodyPr>
           <a:lstStyle/>
           <a:p>
-            <a:pPr algn="r">
+            <a:pPr>
               <a:lnSpc>
                 <a:spcPts val="1600"/>
               </a:lnSpc>
@@ -17463,7 +17509,7 @@
                 <a:latin typeface="Poppins "/>
                 <a:ea typeface="Inter" panose="02000503000000020004" pitchFamily="2" charset="0"/>
               </a:rPr>
-              <a:t>Data pipeline</a:t>
+              <a:t>Data Pipeline</a:t>
             </a:r>
           </a:p>
         </p:txBody>
@@ -17482,7 +17528,7 @@
         </p:nvSpPr>
         <p:spPr>
           <a:xfrm>
-            <a:off x="2643216" y="5558779"/>
+            <a:off x="2828392" y="5558779"/>
             <a:ext cx="822960" cy="274320"/>
           </a:xfrm>
           <a:prstGeom prst="rect">
@@ -17522,7 +17568,7 @@
         </p:nvSpPr>
         <p:spPr>
           <a:xfrm>
-            <a:off x="3638938" y="5558779"/>
+            <a:off x="3824114" y="5558779"/>
             <a:ext cx="938530" cy="274320"/>
           </a:xfrm>
           <a:prstGeom prst="rect">
@@ -17562,7 +17608,7 @@
         </p:nvSpPr>
         <p:spPr>
           <a:xfrm>
-            <a:off x="3075764" y="5558779"/>
+            <a:off x="3260940" y="5558779"/>
             <a:ext cx="822960" cy="274320"/>
           </a:xfrm>
           <a:prstGeom prst="rect">
@@ -17602,7 +17648,7 @@
         </p:nvSpPr>
         <p:spPr>
           <a:xfrm>
-            <a:off x="4514152" y="5558779"/>
+            <a:off x="4699328" y="5558779"/>
             <a:ext cx="822960" cy="274320"/>
           </a:xfrm>
           <a:prstGeom prst="rect">
@@ -17643,7 +17689,7 @@
           <p:nvPr/>
         </p:nvPicPr>
         <p:blipFill>
-          <a:blip r:embed="rId7">
+          <a:blip r:embed="rId6">
             <a:extLst>
               <a:ext uri="{28A0092B-C50C-407E-A947-70E740481C1C}">
                 <a14:useLocalDpi xmlns:a14="http://schemas.microsoft.com/office/drawing/2010/main" val="0"/>
@@ -17657,7 +17703,7 @@
         </p:blipFill>
         <p:spPr bwMode="auto">
           <a:xfrm>
-            <a:off x="2645708" y="5193019"/>
+            <a:off x="2830884" y="5193019"/>
             <a:ext cx="365760" cy="365760"/>
           </a:xfrm>
           <a:prstGeom prst="rect">
@@ -17690,7 +17736,7 @@
           <p:nvPr/>
         </p:nvPicPr>
         <p:blipFill>
-          <a:blip r:embed="rId8">
+          <a:blip r:embed="rId7">
             <a:extLst>
               <a:ext uri="{28A0092B-C50C-407E-A947-70E740481C1C}">
                 <a14:useLocalDpi xmlns:a14="http://schemas.microsoft.com/office/drawing/2010/main" val="0"/>
@@ -17704,7 +17750,7 @@
         </p:blipFill>
         <p:spPr bwMode="auto">
           <a:xfrm>
-            <a:off x="3244538" y="5193899"/>
+            <a:off x="3429714" y="5193899"/>
             <a:ext cx="365760" cy="365760"/>
           </a:xfrm>
           <a:prstGeom prst="rect">
@@ -17737,7 +17783,7 @@
           <p:nvPr/>
         </p:nvPicPr>
         <p:blipFill>
-          <a:blip r:embed="rId9">
+          <a:blip r:embed="rId8">
             <a:extLst>
               <a:ext uri="{28A0092B-C50C-407E-A947-70E740481C1C}">
                 <a14:useLocalDpi xmlns:a14="http://schemas.microsoft.com/office/drawing/2010/main" val="0"/>
@@ -17751,7 +17797,7 @@
         </p:blipFill>
         <p:spPr bwMode="auto">
           <a:xfrm>
-            <a:off x="3874072" y="5238346"/>
+            <a:off x="4059248" y="5238346"/>
             <a:ext cx="365760" cy="365760"/>
           </a:xfrm>
           <a:prstGeom prst="rect">
@@ -17784,7 +17830,7 @@
           <p:nvPr/>
         </p:nvPicPr>
         <p:blipFill>
-          <a:blip r:embed="rId10">
+          <a:blip r:embed="rId9">
             <a:extLst>
               <a:ext uri="{28A0092B-C50C-407E-A947-70E740481C1C}">
                 <a14:useLocalDpi xmlns:a14="http://schemas.microsoft.com/office/drawing/2010/main" val="0"/>
@@ -17798,7 +17844,7 @@
         </p:blipFill>
         <p:spPr bwMode="auto">
           <a:xfrm>
-            <a:off x="4672380" y="5251924"/>
+            <a:off x="4857556" y="5251924"/>
             <a:ext cx="365760" cy="368618"/>
           </a:xfrm>
           <a:prstGeom prst="rect">
@@ -17830,7 +17876,7 @@
         </p:nvSpPr>
         <p:spPr>
           <a:xfrm>
-            <a:off x="1067190" y="3333711"/>
+            <a:off x="1252366" y="3333711"/>
             <a:ext cx="822960" cy="274320"/>
           </a:xfrm>
           <a:prstGeom prst="rect">
@@ -17870,7 +17916,7 @@
         </p:nvSpPr>
         <p:spPr>
           <a:xfrm>
-            <a:off x="1067190" y="3868740"/>
+            <a:off x="1252366" y="3868740"/>
             <a:ext cx="822960" cy="274320"/>
           </a:xfrm>
           <a:prstGeom prst="rect">
@@ -17910,7 +17956,7 @@
         </p:nvSpPr>
         <p:spPr>
           <a:xfrm>
-            <a:off x="1147755" y="4470753"/>
+            <a:off x="1332931" y="4470753"/>
             <a:ext cx="822960" cy="274320"/>
           </a:xfrm>
           <a:prstGeom prst="rect">
@@ -17950,7 +17996,7 @@
         </p:nvSpPr>
         <p:spPr>
           <a:xfrm>
-            <a:off x="1150913" y="5146110"/>
+            <a:off x="1336089" y="5146110"/>
             <a:ext cx="822960" cy="274320"/>
           </a:xfrm>
           <a:prstGeom prst="rect">
@@ -17990,7 +18036,7 @@
         </p:nvSpPr>
         <p:spPr>
           <a:xfrm>
-            <a:off x="1106079" y="5728209"/>
+            <a:off x="1291255" y="5728209"/>
             <a:ext cx="822960" cy="274320"/>
           </a:xfrm>
           <a:prstGeom prst="rect">
@@ -18031,7 +18077,7 @@
           <p:nvPr/>
         </p:nvPicPr>
         <p:blipFill>
-          <a:blip r:embed="rId11">
+          <a:blip r:embed="rId10">
             <a:extLst>
               <a:ext uri="{28A0092B-C50C-407E-A947-70E740481C1C}">
                 <a14:useLocalDpi xmlns:a14="http://schemas.microsoft.com/office/drawing/2010/main" val="0"/>
@@ -18045,7 +18091,7 @@
         </p:blipFill>
         <p:spPr bwMode="auto">
           <a:xfrm>
-            <a:off x="1330809" y="3092912"/>
+            <a:off x="1515985" y="3092912"/>
             <a:ext cx="346794" cy="365760"/>
           </a:xfrm>
           <a:prstGeom prst="rect">
@@ -18078,7 +18124,7 @@
           <p:nvPr/>
         </p:nvPicPr>
         <p:blipFill>
-          <a:blip r:embed="rId12">
+          <a:blip r:embed="rId11">
             <a:extLst>
               <a:ext uri="{28A0092B-C50C-407E-A947-70E740481C1C}">
                 <a14:useLocalDpi xmlns:a14="http://schemas.microsoft.com/office/drawing/2010/main" val="0"/>
@@ -18092,7 +18138,7 @@
         </p:blipFill>
         <p:spPr bwMode="auto">
           <a:xfrm>
-            <a:off x="1353773" y="3590690"/>
+            <a:off x="1538949" y="3590690"/>
             <a:ext cx="365760" cy="365760"/>
           </a:xfrm>
           <a:prstGeom prst="rect">
@@ -18125,7 +18171,7 @@
           <p:nvPr/>
         </p:nvPicPr>
         <p:blipFill>
-          <a:blip r:embed="rId13">
+          <a:blip r:embed="rId12">
             <a:extLst>
               <a:ext uri="{28A0092B-C50C-407E-A947-70E740481C1C}">
                 <a14:useLocalDpi xmlns:a14="http://schemas.microsoft.com/office/drawing/2010/main" val="0"/>
@@ -18139,7 +18185,7 @@
         </p:blipFill>
         <p:spPr bwMode="auto">
           <a:xfrm>
-            <a:off x="1250070" y="4081524"/>
+            <a:off x="1435246" y="4081524"/>
             <a:ext cx="457200" cy="457200"/>
           </a:xfrm>
           <a:prstGeom prst="rect">
@@ -18172,14 +18218,14 @@
           <p:nvPr/>
         </p:nvPicPr>
         <p:blipFill>
-          <a:blip r:embed="rId14"/>
+          <a:blip r:embed="rId13"/>
           <a:stretch>
             <a:fillRect/>
           </a:stretch>
         </p:blipFill>
         <p:spPr>
           <a:xfrm>
-            <a:off x="1262208" y="4746857"/>
+            <a:off x="1447384" y="4746857"/>
             <a:ext cx="457200" cy="457200"/>
           </a:xfrm>
           <a:prstGeom prst="rect">
@@ -18202,7 +18248,7 @@
           <p:nvPr/>
         </p:nvPicPr>
         <p:blipFill>
-          <a:blip r:embed="rId15">
+          <a:blip r:embed="rId14">
             <a:extLst>
               <a:ext uri="{28A0092B-C50C-407E-A947-70E740481C1C}">
                 <a14:useLocalDpi xmlns:a14="http://schemas.microsoft.com/office/drawing/2010/main" val="0"/>
@@ -18216,7 +18262,7 @@
         </p:blipFill>
         <p:spPr bwMode="auto">
           <a:xfrm>
-            <a:off x="1233811" y="5376778"/>
+            <a:off x="1418987" y="5376778"/>
             <a:ext cx="430569" cy="430569"/>
           </a:xfrm>
           <a:prstGeom prst="rect">
@@ -18250,13 +18296,16 @@
         </p:nvCxnSpPr>
         <p:spPr>
           <a:xfrm>
-            <a:off x="2247613" y="4358993"/>
-            <a:ext cx="274320" cy="0"/>
+            <a:off x="2288953" y="4358993"/>
+            <a:ext cx="457200" cy="0"/>
           </a:xfrm>
           <a:prstGeom prst="line">
             <a:avLst/>
           </a:prstGeom>
           <a:ln w="22225">
+            <a:solidFill>
+              <a:schemeClr val="tx2"/>
+            </a:solidFill>
             <a:prstDash val="sysDash"/>
             <a:headEnd type="triangle"/>
             <a:tailEnd type="oval"/>
@@ -18291,7 +18340,7 @@
         </p:nvSpPr>
         <p:spPr>
           <a:xfrm>
-            <a:off x="2622468" y="4476363"/>
+            <a:off x="2807644" y="4476363"/>
             <a:ext cx="822960" cy="274320"/>
           </a:xfrm>
           <a:prstGeom prst="rect">
@@ -18331,7 +18380,7 @@
         </p:nvSpPr>
         <p:spPr>
           <a:xfrm>
-            <a:off x="3618190" y="4476363"/>
+            <a:off x="3803366" y="4476363"/>
             <a:ext cx="938530" cy="274320"/>
           </a:xfrm>
           <a:prstGeom prst="rect">
@@ -18371,7 +18420,7 @@
         </p:nvSpPr>
         <p:spPr>
           <a:xfrm>
-            <a:off x="3055016" y="4476363"/>
+            <a:off x="3240192" y="4476363"/>
             <a:ext cx="822960" cy="274320"/>
           </a:xfrm>
           <a:prstGeom prst="rect">
@@ -18411,7 +18460,7 @@
         </p:nvSpPr>
         <p:spPr>
           <a:xfrm>
-            <a:off x="4493404" y="4476363"/>
+            <a:off x="4678580" y="4476363"/>
             <a:ext cx="822960" cy="274320"/>
           </a:xfrm>
           <a:prstGeom prst="rect">
@@ -18451,7 +18500,7 @@
         </p:nvSpPr>
         <p:spPr>
           <a:xfrm>
-            <a:off x="2776792" y="3427300"/>
+            <a:off x="2961968" y="3427300"/>
             <a:ext cx="822960" cy="274320"/>
           </a:xfrm>
           <a:prstGeom prst="rect">
@@ -18491,7 +18540,7 @@
         </p:nvSpPr>
         <p:spPr>
           <a:xfrm>
-            <a:off x="4215180" y="3427300"/>
+            <a:off x="4400356" y="3427300"/>
             <a:ext cx="822960" cy="274320"/>
           </a:xfrm>
           <a:prstGeom prst="rect">
@@ -18532,7 +18581,7 @@
           <p:nvPr/>
         </p:nvPicPr>
         <p:blipFill>
-          <a:blip r:embed="rId16">
+          <a:blip r:embed="rId15">
             <a:extLst>
               <a:ext uri="{28A0092B-C50C-407E-A947-70E740481C1C}">
                 <a14:useLocalDpi xmlns:a14="http://schemas.microsoft.com/office/drawing/2010/main" val="0"/>
@@ -18546,7 +18595,7 @@
         </p:blipFill>
         <p:spPr bwMode="auto">
           <a:xfrm>
-            <a:off x="4705974" y="4219887"/>
+            <a:off x="4891150" y="4219887"/>
             <a:ext cx="365760" cy="365760"/>
           </a:xfrm>
           <a:prstGeom prst="rect">
@@ -18579,7 +18628,7 @@
           <p:nvPr/>
         </p:nvPicPr>
         <p:blipFill>
-          <a:blip r:embed="rId17">
+          <a:blip r:embed="rId16">
             <a:extLst>
               <a:ext uri="{28A0092B-C50C-407E-A947-70E740481C1C}">
                 <a14:useLocalDpi xmlns:a14="http://schemas.microsoft.com/office/drawing/2010/main" val="0"/>
@@ -18593,7 +18642,7 @@
         </p:blipFill>
         <p:spPr bwMode="auto">
           <a:xfrm>
-            <a:off x="3944764" y="4208643"/>
+            <a:off x="4129940" y="4208643"/>
             <a:ext cx="365760" cy="365760"/>
           </a:xfrm>
           <a:prstGeom prst="rect">
@@ -18626,7 +18675,7 @@
           <p:nvPr/>
         </p:nvPicPr>
         <p:blipFill>
-          <a:blip r:embed="rId18">
+          <a:blip r:embed="rId17">
             <a:extLst>
               <a:ext uri="{28A0092B-C50C-407E-A947-70E740481C1C}">
                 <a14:useLocalDpi xmlns:a14="http://schemas.microsoft.com/office/drawing/2010/main" val="0"/>
@@ -18640,7 +18689,7 @@
         </p:blipFill>
         <p:spPr bwMode="auto">
           <a:xfrm>
-            <a:off x="3297112" y="4198088"/>
+            <a:off x="3482288" y="4198088"/>
             <a:ext cx="365760" cy="365760"/>
           </a:xfrm>
           <a:prstGeom prst="rect">
@@ -18673,7 +18722,7 @@
           <p:nvPr/>
         </p:nvPicPr>
         <p:blipFill>
-          <a:blip r:embed="rId19">
+          <a:blip r:embed="rId18">
             <a:extLst>
               <a:ext uri="{28A0092B-C50C-407E-A947-70E740481C1C}">
                 <a14:useLocalDpi xmlns:a14="http://schemas.microsoft.com/office/drawing/2010/main" val="0"/>
@@ -18687,7 +18736,7 @@
         </p:blipFill>
         <p:spPr bwMode="auto">
           <a:xfrm>
-            <a:off x="2627506" y="4185950"/>
+            <a:off x="2812682" y="4185950"/>
             <a:ext cx="365760" cy="365760"/>
           </a:xfrm>
           <a:prstGeom prst="rect">
@@ -18720,7 +18769,7 @@
           <p:nvPr/>
         </p:nvPicPr>
         <p:blipFill>
-          <a:blip r:embed="rId20">
+          <a:blip r:embed="rId19">
             <a:extLst>
               <a:ext uri="{28A0092B-C50C-407E-A947-70E740481C1C}">
                 <a14:useLocalDpi xmlns:a14="http://schemas.microsoft.com/office/drawing/2010/main" val="0"/>
@@ -18734,7 +18783,7 @@
         </p:blipFill>
         <p:spPr bwMode="auto">
           <a:xfrm>
-            <a:off x="5952540" y="5266227"/>
+            <a:off x="6137716" y="5266227"/>
             <a:ext cx="365760" cy="365760"/>
           </a:xfrm>
           <a:prstGeom prst="rect">
@@ -18767,7 +18816,7 @@
           <p:nvPr/>
         </p:nvPicPr>
         <p:blipFill>
-          <a:blip r:embed="rId21">
+          <a:blip r:embed="rId20">
             <a:extLst>
               <a:ext uri="{28A0092B-C50C-407E-A947-70E740481C1C}">
                 <a14:useLocalDpi xmlns:a14="http://schemas.microsoft.com/office/drawing/2010/main" val="0"/>
@@ -18781,7 +18830,7 @@
         </p:blipFill>
         <p:spPr bwMode="auto">
           <a:xfrm>
-            <a:off x="6990888" y="5276341"/>
+            <a:off x="7176064" y="5276341"/>
             <a:ext cx="365760" cy="365760"/>
           </a:xfrm>
           <a:prstGeom prst="rect">
@@ -18815,7 +18864,7 @@
         </p:nvCxnSpPr>
         <p:spPr>
           <a:xfrm>
-            <a:off x="5363648" y="5491081"/>
+            <a:off x="5548824" y="5491081"/>
             <a:ext cx="640080" cy="0"/>
           </a:xfrm>
           <a:prstGeom prst="line">
@@ -18863,7 +18912,7 @@
         </p:nvCxnSpPr>
         <p:spPr>
           <a:xfrm>
-            <a:off x="6281307" y="5491081"/>
+            <a:off x="6466483" y="5491081"/>
             <a:ext cx="640080" cy="0"/>
           </a:xfrm>
           <a:prstGeom prst="line">
@@ -18909,7 +18958,7 @@
         </p:nvSpPr>
         <p:spPr>
           <a:xfrm>
-            <a:off x="5704194" y="5660402"/>
+            <a:off x="5889370" y="5660402"/>
             <a:ext cx="938530" cy="274320"/>
           </a:xfrm>
           <a:prstGeom prst="rect">
@@ -18949,7 +18998,7 @@
         </p:nvSpPr>
         <p:spPr>
           <a:xfrm>
-            <a:off x="6579408" y="5660402"/>
+            <a:off x="6764584" y="5660402"/>
             <a:ext cx="822960" cy="274320"/>
           </a:xfrm>
           <a:prstGeom prst="rect">
@@ -18990,7 +19039,7 @@
           <p:nvPr/>
         </p:nvPicPr>
         <p:blipFill>
-          <a:blip r:embed="rId22">
+          <a:blip r:embed="rId21">
             <a:extLst>
               <a:ext uri="{28A0092B-C50C-407E-A947-70E740481C1C}">
                 <a14:useLocalDpi xmlns:a14="http://schemas.microsoft.com/office/drawing/2010/main" val="0"/>
@@ -19004,7 +19053,7 @@
         </p:blipFill>
         <p:spPr bwMode="auto">
           <a:xfrm>
-            <a:off x="1873201" y="5732530"/>
+            <a:off x="2058377" y="5732530"/>
             <a:ext cx="457200" cy="405183"/>
           </a:xfrm>
           <a:prstGeom prst="rect">
@@ -19038,16 +19087,1130 @@
         </p:nvCxnSpPr>
         <p:spPr>
           <a:xfrm>
-            <a:off x="2132885" y="3206578"/>
-            <a:ext cx="274320" cy="0"/>
+            <a:off x="2318061" y="3350414"/>
+            <a:ext cx="365760" cy="0"/>
           </a:xfrm>
           <a:prstGeom prst="line">
             <a:avLst/>
           </a:prstGeom>
           <a:ln w="22225">
+            <a:solidFill>
+              <a:schemeClr val="tx2"/>
+            </a:solidFill>
             <a:prstDash val="sysDash"/>
             <a:headEnd type="oval"/>
             <a:tailEnd type="triangle"/>
+          </a:ln>
+        </p:spPr>
+        <p:style>
+          <a:lnRef idx="1">
+            <a:schemeClr val="dk1"/>
+          </a:lnRef>
+          <a:fillRef idx="0">
+            <a:schemeClr val="dk1"/>
+          </a:fillRef>
+          <a:effectRef idx="0">
+            <a:schemeClr val="dk1"/>
+          </a:effectRef>
+          <a:fontRef idx="minor">
+            <a:schemeClr val="tx1"/>
+          </a:fontRef>
+        </p:style>
+      </p:cxnSp>
+      <p:pic>
+        <p:nvPicPr>
+          <p:cNvPr id="11" name="Picture 2" descr="Cloud api ">
+            <a:extLst>
+              <a:ext uri="{FF2B5EF4-FFF2-40B4-BE49-F238E27FC236}">
+                <a16:creationId xmlns:a16="http://schemas.microsoft.com/office/drawing/2014/main" id="{4EBB93D4-557D-2EC7-F0CC-385F46B11201}"/>
+              </a:ext>
+            </a:extLst>
+          </p:cNvPr>
+          <p:cNvPicPr>
+            <a:picLocks noChangeAspect="1" noChangeArrowheads="1"/>
+          </p:cNvPicPr>
+          <p:nvPr/>
+        </p:nvPicPr>
+        <p:blipFill>
+          <a:blip r:embed="rId22">
+            <a:extLst>
+              <a:ext uri="{28A0092B-C50C-407E-A947-70E740481C1C}">
+                <a14:useLocalDpi xmlns:a14="http://schemas.microsoft.com/office/drawing/2010/main" val="0"/>
+              </a:ext>
+            </a:extLst>
+          </a:blip>
+          <a:srcRect/>
+          <a:stretch>
+            <a:fillRect/>
+          </a:stretch>
+        </p:blipFill>
+        <p:spPr bwMode="auto">
+          <a:xfrm>
+            <a:off x="3170598" y="3103172"/>
+            <a:ext cx="365760" cy="365760"/>
+          </a:xfrm>
+          <a:prstGeom prst="rect">
+            <a:avLst/>
+          </a:prstGeom>
+          <a:noFill/>
+          <a:extLst>
+            <a:ext uri="{909E8E84-426E-40DD-AFC4-6F175D3DCCD1}">
+              <a14:hiddenFill xmlns:a14="http://schemas.microsoft.com/office/drawing/2010/main">
+                <a:solidFill>
+                  <a:srgbClr val="FFFFFF"/>
+                </a:solidFill>
+              </a14:hiddenFill>
+            </a:ext>
+          </a:extLst>
+        </p:spPr>
+      </p:pic>
+      <p:pic>
+        <p:nvPicPr>
+          <p:cNvPr id="13" name="Picture 4" descr="3d model ">
+            <a:extLst>
+              <a:ext uri="{FF2B5EF4-FFF2-40B4-BE49-F238E27FC236}">
+                <a16:creationId xmlns:a16="http://schemas.microsoft.com/office/drawing/2014/main" id="{3289C15F-3CD4-C0D3-E069-B37B95BEEB53}"/>
+              </a:ext>
+            </a:extLst>
+          </p:cNvPr>
+          <p:cNvPicPr>
+            <a:picLocks noChangeAspect="1" noChangeArrowheads="1"/>
+          </p:cNvPicPr>
+          <p:nvPr/>
+        </p:nvPicPr>
+        <p:blipFill>
+          <a:blip r:embed="rId23">
+            <a:extLst>
+              <a:ext uri="{28A0092B-C50C-407E-A947-70E740481C1C}">
+                <a14:useLocalDpi xmlns:a14="http://schemas.microsoft.com/office/drawing/2010/main" val="0"/>
+              </a:ext>
+            </a:extLst>
+          </a:blip>
+          <a:srcRect/>
+          <a:stretch>
+            <a:fillRect/>
+          </a:stretch>
+        </p:blipFill>
+        <p:spPr bwMode="auto">
+          <a:xfrm>
+            <a:off x="4608281" y="3153642"/>
+            <a:ext cx="365760" cy="365760"/>
+          </a:xfrm>
+          <a:prstGeom prst="rect">
+            <a:avLst/>
+          </a:prstGeom>
+          <a:noFill/>
+          <a:extLst>
+            <a:ext uri="{909E8E84-426E-40DD-AFC4-6F175D3DCCD1}">
+              <a14:hiddenFill xmlns:a14="http://schemas.microsoft.com/office/drawing/2010/main">
+                <a:solidFill>
+                  <a:srgbClr val="FFFFFF"/>
+                </a:solidFill>
+              </a14:hiddenFill>
+            </a:ext>
+          </a:extLst>
+        </p:spPr>
+      </p:pic>
+      <p:cxnSp>
+        <p:nvCxnSpPr>
+          <p:cNvPr id="21" name="Straight Connector 20">
+            <a:extLst>
+              <a:ext uri="{FF2B5EF4-FFF2-40B4-BE49-F238E27FC236}">
+                <a16:creationId xmlns:a16="http://schemas.microsoft.com/office/drawing/2014/main" id="{CF6C414C-A11C-0707-9979-274C013DD9BE}"/>
+              </a:ext>
+            </a:extLst>
+          </p:cNvPr>
+          <p:cNvCxnSpPr>
+            <a:cxnSpLocks/>
+          </p:cNvCxnSpPr>
+          <p:nvPr/>
+        </p:nvCxnSpPr>
+        <p:spPr>
+          <a:xfrm>
+            <a:off x="5593712" y="4358993"/>
+            <a:ext cx="640080" cy="0"/>
+          </a:xfrm>
+          <a:prstGeom prst="line">
+            <a:avLst/>
+          </a:prstGeom>
+          <a:ln w="22225">
+            <a:solidFill>
+              <a:schemeClr val="tx2">
+                <a:lumMod val="75000"/>
+              </a:schemeClr>
+            </a:solidFill>
+            <a:prstDash val="sysDash"/>
+            <a:headEnd type="oval"/>
+            <a:tailEnd type="oval"/>
+          </a:ln>
+        </p:spPr>
+        <p:style>
+          <a:lnRef idx="1">
+            <a:schemeClr val="dk1"/>
+          </a:lnRef>
+          <a:fillRef idx="0">
+            <a:schemeClr val="dk1"/>
+          </a:fillRef>
+          <a:effectRef idx="0">
+            <a:schemeClr val="dk1"/>
+          </a:effectRef>
+          <a:fontRef idx="minor">
+            <a:schemeClr val="tx1"/>
+          </a:fontRef>
+        </p:style>
+      </p:cxnSp>
+      <p:pic>
+        <p:nvPicPr>
+          <p:cNvPr id="22" name="Picture 6" descr="3d modeling ">
+            <a:extLst>
+              <a:ext uri="{FF2B5EF4-FFF2-40B4-BE49-F238E27FC236}">
+                <a16:creationId xmlns:a16="http://schemas.microsoft.com/office/drawing/2014/main" id="{E408C3C7-2A2D-199E-0BF3-EE7BA6C803BB}"/>
+              </a:ext>
+            </a:extLst>
+          </p:cNvPr>
+          <p:cNvPicPr>
+            <a:picLocks noChangeAspect="1" noChangeArrowheads="1"/>
+          </p:cNvPicPr>
+          <p:nvPr/>
+        </p:nvPicPr>
+        <p:blipFill>
+          <a:blip r:embed="rId24">
+            <a:extLst>
+              <a:ext uri="{28A0092B-C50C-407E-A947-70E740481C1C}">
+                <a14:useLocalDpi xmlns:a14="http://schemas.microsoft.com/office/drawing/2010/main" val="0"/>
+              </a:ext>
+            </a:extLst>
+          </a:blip>
+          <a:srcRect/>
+          <a:stretch>
+            <a:fillRect/>
+          </a:stretch>
+        </p:blipFill>
+        <p:spPr bwMode="auto">
+          <a:xfrm>
+            <a:off x="6295836" y="4110832"/>
+            <a:ext cx="457200" cy="457200"/>
+          </a:xfrm>
+          <a:prstGeom prst="rect">
+            <a:avLst/>
+          </a:prstGeom>
+          <a:noFill/>
+          <a:extLst>
+            <a:ext uri="{909E8E84-426E-40DD-AFC4-6F175D3DCCD1}">
+              <a14:hiddenFill xmlns:a14="http://schemas.microsoft.com/office/drawing/2010/main">
+                <a:solidFill>
+                  <a:srgbClr val="FFFFFF"/>
+                </a:solidFill>
+              </a14:hiddenFill>
+            </a:ext>
+          </a:extLst>
+        </p:spPr>
+      </p:pic>
+      <p:sp>
+        <p:nvSpPr>
+          <p:cNvPr id="23" name="TextBox 22">
+            <a:extLst>
+              <a:ext uri="{FF2B5EF4-FFF2-40B4-BE49-F238E27FC236}">
+                <a16:creationId xmlns:a16="http://schemas.microsoft.com/office/drawing/2014/main" id="{AC74663E-9DC0-EDC8-38BA-D6856E6155D2}"/>
+              </a:ext>
+            </a:extLst>
+          </p:cNvPr>
+          <p:cNvSpPr txBox="1"/>
+          <p:nvPr/>
+        </p:nvSpPr>
+        <p:spPr>
+          <a:xfrm>
+            <a:off x="6073133" y="4563024"/>
+            <a:ext cx="938530" cy="274320"/>
+          </a:xfrm>
+          <a:prstGeom prst="rect">
+            <a:avLst/>
+          </a:prstGeom>
+          <a:noFill/>
+        </p:spPr>
+        <p:txBody>
+          <a:bodyPr wrap="square">
+            <a:spAutoFit/>
+          </a:bodyPr>
+          <a:lstStyle/>
+          <a:p>
+            <a:pPr algn="ctr">
+              <a:lnSpc>
+                <a:spcPts val="1600"/>
+              </a:lnSpc>
+            </a:pPr>
+            <a:r>
+              <a:rPr lang="en-GB" sz="700" b="1" dirty="0"/>
+              <a:t>Model Monitoring</a:t>
+            </a:r>
+          </a:p>
+        </p:txBody>
+      </p:sp>
+      <p:cxnSp>
+        <p:nvCxnSpPr>
+          <p:cNvPr id="24" name="Straight Connector 23">
+            <a:extLst>
+              <a:ext uri="{FF2B5EF4-FFF2-40B4-BE49-F238E27FC236}">
+                <a16:creationId xmlns:a16="http://schemas.microsoft.com/office/drawing/2014/main" id="{7D81D7F6-B6A8-5A03-F660-675DEE35FE8A}"/>
+              </a:ext>
+            </a:extLst>
+          </p:cNvPr>
+          <p:cNvCxnSpPr>
+            <a:cxnSpLocks/>
+          </p:cNvCxnSpPr>
+          <p:nvPr/>
+        </p:nvCxnSpPr>
+        <p:spPr>
+          <a:xfrm>
+            <a:off x="5602208" y="3275792"/>
+            <a:ext cx="914400" cy="0"/>
+          </a:xfrm>
+          <a:prstGeom prst="line">
+            <a:avLst/>
+          </a:prstGeom>
+          <a:ln w="22225">
+            <a:solidFill>
+              <a:schemeClr val="tx2">
+                <a:lumMod val="75000"/>
+              </a:schemeClr>
+            </a:solidFill>
+            <a:prstDash val="sysDash"/>
+            <a:headEnd type="oval"/>
+            <a:tailEnd type="oval"/>
+          </a:ln>
+        </p:spPr>
+        <p:style>
+          <a:lnRef idx="1">
+            <a:schemeClr val="dk1"/>
+          </a:lnRef>
+          <a:fillRef idx="0">
+            <a:schemeClr val="dk1"/>
+          </a:fillRef>
+          <a:effectRef idx="0">
+            <a:schemeClr val="dk1"/>
+          </a:effectRef>
+          <a:fontRef idx="minor">
+            <a:schemeClr val="tx1"/>
+          </a:fontRef>
+        </p:style>
+      </p:cxnSp>
+      <p:cxnSp>
+        <p:nvCxnSpPr>
+          <p:cNvPr id="25" name="Straight Connector 24">
+            <a:extLst>
+              <a:ext uri="{FF2B5EF4-FFF2-40B4-BE49-F238E27FC236}">
+                <a16:creationId xmlns:a16="http://schemas.microsoft.com/office/drawing/2014/main" id="{5E85E2C3-DC24-28FC-DB61-390008411777}"/>
+              </a:ext>
+            </a:extLst>
+          </p:cNvPr>
+          <p:cNvCxnSpPr>
+            <a:cxnSpLocks/>
+          </p:cNvCxnSpPr>
+          <p:nvPr/>
+        </p:nvCxnSpPr>
+        <p:spPr>
+          <a:xfrm>
+            <a:off x="6499390" y="3268724"/>
+            <a:ext cx="0" cy="822960"/>
+          </a:xfrm>
+          <a:prstGeom prst="line">
+            <a:avLst/>
+          </a:prstGeom>
+          <a:ln w="22225">
+            <a:solidFill>
+              <a:schemeClr val="tx2">
+                <a:lumMod val="75000"/>
+              </a:schemeClr>
+            </a:solidFill>
+            <a:prstDash val="sysDash"/>
+            <a:headEnd type="oval"/>
+            <a:tailEnd type="oval"/>
+          </a:ln>
+        </p:spPr>
+        <p:style>
+          <a:lnRef idx="1">
+            <a:schemeClr val="dk1"/>
+          </a:lnRef>
+          <a:fillRef idx="0">
+            <a:schemeClr val="dk1"/>
+          </a:fillRef>
+          <a:effectRef idx="0">
+            <a:schemeClr val="dk1"/>
+          </a:effectRef>
+          <a:fontRef idx="minor">
+            <a:schemeClr val="tx1"/>
+          </a:fontRef>
+        </p:style>
+      </p:cxnSp>
+      <p:pic>
+        <p:nvPicPr>
+          <p:cNvPr id="27" name="Picture 8" descr="Programmer ">
+            <a:extLst>
+              <a:ext uri="{FF2B5EF4-FFF2-40B4-BE49-F238E27FC236}">
+                <a16:creationId xmlns:a16="http://schemas.microsoft.com/office/drawing/2014/main" id="{9E224448-2874-16B0-4185-8EC3CD4817B9}"/>
+              </a:ext>
+            </a:extLst>
+          </p:cNvPr>
+          <p:cNvPicPr>
+            <a:picLocks noChangeAspect="1" noChangeArrowheads="1"/>
+          </p:cNvPicPr>
+          <p:nvPr/>
+        </p:nvPicPr>
+        <p:blipFill>
+          <a:blip r:embed="rId25">
+            <a:extLst>
+              <a:ext uri="{28A0092B-C50C-407E-A947-70E740481C1C}">
+                <a14:useLocalDpi xmlns:a14="http://schemas.microsoft.com/office/drawing/2010/main" val="0"/>
+              </a:ext>
+            </a:extLst>
+          </a:blip>
+          <a:srcRect/>
+          <a:stretch>
+            <a:fillRect/>
+          </a:stretch>
+        </p:blipFill>
+        <p:spPr bwMode="auto">
+          <a:xfrm>
+            <a:off x="6301717" y="1865238"/>
+            <a:ext cx="457200" cy="457200"/>
+          </a:xfrm>
+          <a:prstGeom prst="rect">
+            <a:avLst/>
+          </a:prstGeom>
+          <a:noFill/>
+          <a:extLst>
+            <a:ext uri="{909E8E84-426E-40DD-AFC4-6F175D3DCCD1}">
+              <a14:hiddenFill xmlns:a14="http://schemas.microsoft.com/office/drawing/2010/main">
+                <a:solidFill>
+                  <a:srgbClr val="FFFFFF"/>
+                </a:solidFill>
+              </a14:hiddenFill>
+            </a:ext>
+          </a:extLst>
+        </p:spPr>
+      </p:pic>
+      <p:sp>
+        <p:nvSpPr>
+          <p:cNvPr id="28" name="TextBox 27">
+            <a:extLst>
+              <a:ext uri="{FF2B5EF4-FFF2-40B4-BE49-F238E27FC236}">
+                <a16:creationId xmlns:a16="http://schemas.microsoft.com/office/drawing/2014/main" id="{65FECE76-1F60-2FFB-EEB9-21E1005FE1FE}"/>
+              </a:ext>
+            </a:extLst>
+          </p:cNvPr>
+          <p:cNvSpPr txBox="1"/>
+          <p:nvPr/>
+        </p:nvSpPr>
+        <p:spPr>
+          <a:xfrm>
+            <a:off x="6073133" y="3428912"/>
+            <a:ext cx="895522" cy="269946"/>
+          </a:xfrm>
+          <a:prstGeom prst="rect">
+            <a:avLst/>
+          </a:prstGeom>
+          <a:solidFill>
+            <a:schemeClr val="bg1"/>
+          </a:solidFill>
+        </p:spPr>
+        <p:txBody>
+          <a:bodyPr wrap="square">
+            <a:spAutoFit/>
+          </a:bodyPr>
+          <a:lstStyle/>
+          <a:p>
+            <a:pPr algn="ctr">
+              <a:lnSpc>
+                <a:spcPts val="1600"/>
+              </a:lnSpc>
+            </a:pPr>
+            <a:r>
+              <a:rPr lang="en-GB" sz="700" b="1" dirty="0"/>
+              <a:t>Application</a:t>
+            </a:r>
+          </a:p>
+        </p:txBody>
+      </p:sp>
+      <p:cxnSp>
+        <p:nvCxnSpPr>
+          <p:cNvPr id="42" name="Connector: Elbow 41">
+            <a:extLst>
+              <a:ext uri="{FF2B5EF4-FFF2-40B4-BE49-F238E27FC236}">
+                <a16:creationId xmlns:a16="http://schemas.microsoft.com/office/drawing/2014/main" id="{0C0B624A-1FA6-C2F1-C84D-00FCF4EFC4CA}"/>
+              </a:ext>
+            </a:extLst>
+          </p:cNvPr>
+          <p:cNvCxnSpPr>
+            <a:cxnSpLocks/>
+            <a:stCxn id="9" idx="3"/>
+          </p:cNvCxnSpPr>
+          <p:nvPr/>
+        </p:nvCxnSpPr>
+        <p:spPr>
+          <a:xfrm flipH="1">
+            <a:off x="5548825" y="2079434"/>
+            <a:ext cx="1" cy="1938865"/>
+          </a:xfrm>
+          <a:prstGeom prst="bentConnector4">
+            <a:avLst>
+              <a:gd name="adj1" fmla="val -22860000000"/>
+              <a:gd name="adj2" fmla="val 100482"/>
+            </a:avLst>
+          </a:prstGeom>
+          <a:ln>
+            <a:solidFill>
+              <a:srgbClr val="002060"/>
+            </a:solidFill>
+            <a:prstDash val="sysDash"/>
+          </a:ln>
+        </p:spPr>
+        <p:style>
+          <a:lnRef idx="1">
+            <a:schemeClr val="accent1"/>
+          </a:lnRef>
+          <a:fillRef idx="0">
+            <a:schemeClr val="accent1"/>
+          </a:fillRef>
+          <a:effectRef idx="0">
+            <a:schemeClr val="accent1"/>
+          </a:effectRef>
+          <a:fontRef idx="minor">
+            <a:schemeClr val="tx1"/>
+          </a:fontRef>
+        </p:style>
+      </p:cxnSp>
+      <p:cxnSp>
+        <p:nvCxnSpPr>
+          <p:cNvPr id="66" name="Straight Connector 65">
+            <a:extLst>
+              <a:ext uri="{FF2B5EF4-FFF2-40B4-BE49-F238E27FC236}">
+                <a16:creationId xmlns:a16="http://schemas.microsoft.com/office/drawing/2014/main" id="{37DEEB80-2CFE-1E76-7735-7A3A3A56B122}"/>
+              </a:ext>
+            </a:extLst>
+          </p:cNvPr>
+          <p:cNvCxnSpPr>
+            <a:cxnSpLocks/>
+          </p:cNvCxnSpPr>
+          <p:nvPr/>
+        </p:nvCxnSpPr>
+        <p:spPr>
+          <a:xfrm>
+            <a:off x="6531051" y="2417348"/>
+            <a:ext cx="0" cy="822960"/>
+          </a:xfrm>
+          <a:prstGeom prst="line">
+            <a:avLst/>
+          </a:prstGeom>
+          <a:ln w="22225">
+            <a:solidFill>
+              <a:schemeClr val="tx2">
+                <a:lumMod val="75000"/>
+              </a:schemeClr>
+            </a:solidFill>
+            <a:prstDash val="sysDash"/>
+            <a:headEnd type="oval"/>
+            <a:tailEnd type="oval"/>
+          </a:ln>
+        </p:spPr>
+        <p:style>
+          <a:lnRef idx="1">
+            <a:schemeClr val="dk1"/>
+          </a:lnRef>
+          <a:fillRef idx="0">
+            <a:schemeClr val="dk1"/>
+          </a:fillRef>
+          <a:effectRef idx="0">
+            <a:schemeClr val="dk1"/>
+          </a:effectRef>
+          <a:fontRef idx="minor">
+            <a:schemeClr val="tx1"/>
+          </a:fontRef>
+        </p:style>
+      </p:cxnSp>
+      <p:pic>
+        <p:nvPicPr>
+          <p:cNvPr id="67" name="Picture 10" descr="Delivery app ">
+            <a:extLst>
+              <a:ext uri="{FF2B5EF4-FFF2-40B4-BE49-F238E27FC236}">
+                <a16:creationId xmlns:a16="http://schemas.microsoft.com/office/drawing/2014/main" id="{75E24697-91FE-214E-6163-9B18B805333A}"/>
+              </a:ext>
+            </a:extLst>
+          </p:cNvPr>
+          <p:cNvPicPr>
+            <a:picLocks noChangeAspect="1" noChangeArrowheads="1"/>
+          </p:cNvPicPr>
+          <p:nvPr/>
+        </p:nvPicPr>
+        <p:blipFill>
+          <a:blip r:embed="rId26">
+            <a:extLst>
+              <a:ext uri="{28A0092B-C50C-407E-A947-70E740481C1C}">
+                <a14:useLocalDpi xmlns:a14="http://schemas.microsoft.com/office/drawing/2010/main" val="0"/>
+              </a:ext>
+            </a:extLst>
+          </a:blip>
+          <a:srcRect/>
+          <a:stretch>
+            <a:fillRect/>
+          </a:stretch>
+        </p:blipFill>
+        <p:spPr bwMode="auto">
+          <a:xfrm>
+            <a:off x="6297670" y="2980870"/>
+            <a:ext cx="457200" cy="457200"/>
+          </a:xfrm>
+          <a:prstGeom prst="rect">
+            <a:avLst/>
+          </a:prstGeom>
+          <a:noFill/>
+          <a:extLst>
+            <a:ext uri="{909E8E84-426E-40DD-AFC4-6F175D3DCCD1}">
+              <a14:hiddenFill xmlns:a14="http://schemas.microsoft.com/office/drawing/2010/main">
+                <a:solidFill>
+                  <a:srgbClr val="FFFFFF"/>
+                </a:solidFill>
+              </a14:hiddenFill>
+            </a:ext>
+          </a:extLst>
+        </p:spPr>
+      </p:pic>
+      <p:sp>
+        <p:nvSpPr>
+          <p:cNvPr id="68" name="TextBox 67">
+            <a:extLst>
+              <a:ext uri="{FF2B5EF4-FFF2-40B4-BE49-F238E27FC236}">
+                <a16:creationId xmlns:a16="http://schemas.microsoft.com/office/drawing/2014/main" id="{3F7792FC-8626-68AF-4310-2DCE6968B4CC}"/>
+              </a:ext>
+            </a:extLst>
+          </p:cNvPr>
+          <p:cNvSpPr txBox="1"/>
+          <p:nvPr/>
+        </p:nvSpPr>
+        <p:spPr>
+          <a:xfrm>
+            <a:off x="6055120" y="1526235"/>
+            <a:ext cx="895522" cy="269946"/>
+          </a:xfrm>
+          <a:prstGeom prst="rect">
+            <a:avLst/>
+          </a:prstGeom>
+          <a:solidFill>
+            <a:schemeClr val="bg1"/>
+          </a:solidFill>
+        </p:spPr>
+        <p:txBody>
+          <a:bodyPr wrap="square">
+            <a:spAutoFit/>
+          </a:bodyPr>
+          <a:lstStyle/>
+          <a:p>
+            <a:pPr algn="ctr">
+              <a:lnSpc>
+                <a:spcPts val="1600"/>
+              </a:lnSpc>
+            </a:pPr>
+            <a:r>
+              <a:rPr lang="en-GB" sz="700" b="1" dirty="0"/>
+              <a:t>User</a:t>
+            </a:r>
+          </a:p>
+        </p:txBody>
+      </p:sp>
+      <p:grpSp>
+        <p:nvGrpSpPr>
+          <p:cNvPr id="69" name="Group 68">
+            <a:extLst>
+              <a:ext uri="{FF2B5EF4-FFF2-40B4-BE49-F238E27FC236}">
+                <a16:creationId xmlns:a16="http://schemas.microsoft.com/office/drawing/2014/main" id="{1E4EED6B-CD57-496E-F393-602133BD0A36}"/>
+              </a:ext>
+            </a:extLst>
+          </p:cNvPr>
+          <p:cNvGrpSpPr/>
+          <p:nvPr/>
+        </p:nvGrpSpPr>
+        <p:grpSpPr>
+          <a:xfrm>
+            <a:off x="510962" y="1962937"/>
+            <a:ext cx="337785" cy="4196559"/>
+            <a:chOff x="510962" y="1962937"/>
+            <a:chExt cx="337785" cy="4196559"/>
+          </a:xfrm>
+        </p:grpSpPr>
+        <p:sp>
+          <p:nvSpPr>
+            <p:cNvPr id="70" name="TextBox 69">
+              <a:extLst>
+                <a:ext uri="{FF2B5EF4-FFF2-40B4-BE49-F238E27FC236}">
+                  <a16:creationId xmlns:a16="http://schemas.microsoft.com/office/drawing/2014/main" id="{35E7F34B-A0AA-F962-CD2B-1825EC79A865}"/>
+                </a:ext>
+              </a:extLst>
+            </p:cNvPr>
+            <p:cNvSpPr txBox="1"/>
+            <p:nvPr/>
+          </p:nvSpPr>
+          <p:spPr>
+            <a:xfrm rot="16200000">
+              <a:off x="-173170" y="2647069"/>
+              <a:ext cx="1706049" cy="337785"/>
+            </a:xfrm>
+            <a:prstGeom prst="rect">
+              <a:avLst/>
+            </a:prstGeom>
+            <a:noFill/>
+          </p:spPr>
+          <p:txBody>
+            <a:bodyPr wrap="square" rtlCol="0">
+              <a:spAutoFit/>
+            </a:bodyPr>
+            <a:lstStyle/>
+            <a:p>
+              <a:pPr>
+                <a:lnSpc>
+                  <a:spcPts val="2200"/>
+                </a:lnSpc>
+              </a:pPr>
+              <a:r>
+                <a:rPr lang="en-GB" sz="1000" b="1" u="sng" dirty="0">
+                  <a:solidFill>
+                    <a:schemeClr val="tx1">
+                      <a:lumMod val="75000"/>
+                      <a:lumOff val="25000"/>
+                    </a:schemeClr>
+                  </a:solidFill>
+                  <a:latin typeface="Candara" panose="020E0502030303020204" pitchFamily="34" charset="0"/>
+                  <a:ea typeface="Inter Medium" panose="02000503000000020004" pitchFamily="2" charset="0"/>
+                </a:rPr>
+                <a:t>Basic Overview</a:t>
+              </a:r>
+            </a:p>
+          </p:txBody>
+        </p:sp>
+        <p:cxnSp>
+          <p:nvCxnSpPr>
+            <p:cNvPr id="71" name="Straight Connector 70">
+              <a:extLst>
+                <a:ext uri="{FF2B5EF4-FFF2-40B4-BE49-F238E27FC236}">
+                  <a16:creationId xmlns:a16="http://schemas.microsoft.com/office/drawing/2014/main" id="{417F049B-8847-7C32-3F5E-FF3BF867EEC3}"/>
+                </a:ext>
+              </a:extLst>
+            </p:cNvPr>
+            <p:cNvCxnSpPr>
+              <a:cxnSpLocks/>
+            </p:cNvCxnSpPr>
+            <p:nvPr/>
+          </p:nvCxnSpPr>
+          <p:spPr>
+            <a:xfrm flipV="1">
+              <a:off x="679855" y="3875093"/>
+              <a:ext cx="0" cy="2284403"/>
+            </a:xfrm>
+            <a:prstGeom prst="line">
+              <a:avLst/>
+            </a:prstGeom>
+            <a:ln w="28575">
+              <a:solidFill>
+                <a:schemeClr val="tx2"/>
+              </a:solidFill>
+            </a:ln>
+          </p:spPr>
+          <p:style>
+            <a:lnRef idx="1">
+              <a:schemeClr val="accent1"/>
+            </a:lnRef>
+            <a:fillRef idx="0">
+              <a:schemeClr val="accent1"/>
+            </a:fillRef>
+            <a:effectRef idx="0">
+              <a:schemeClr val="accent1"/>
+            </a:effectRef>
+            <a:fontRef idx="minor">
+              <a:schemeClr val="tx1"/>
+            </a:fontRef>
+          </p:style>
+        </p:cxnSp>
+      </p:grpSp>
+      <p:grpSp>
+        <p:nvGrpSpPr>
+          <p:cNvPr id="75" name="Group 74">
+            <a:extLst>
+              <a:ext uri="{FF2B5EF4-FFF2-40B4-BE49-F238E27FC236}">
+                <a16:creationId xmlns:a16="http://schemas.microsoft.com/office/drawing/2014/main" id="{989A3005-6DF2-9F66-0190-CAA270934130}"/>
+              </a:ext>
+            </a:extLst>
+          </p:cNvPr>
+          <p:cNvGrpSpPr/>
+          <p:nvPr/>
+        </p:nvGrpSpPr>
+        <p:grpSpPr>
+          <a:xfrm rot="5400000">
+            <a:off x="7489043" y="1671186"/>
+            <a:ext cx="4372257" cy="4135211"/>
+            <a:chOff x="3276838" y="2807467"/>
+            <a:chExt cx="4372257" cy="3388311"/>
+          </a:xfrm>
+        </p:grpSpPr>
+        <p:sp>
+          <p:nvSpPr>
+            <p:cNvPr id="76" name="TextBox 75">
+              <a:extLst>
+                <a:ext uri="{FF2B5EF4-FFF2-40B4-BE49-F238E27FC236}">
+                  <a16:creationId xmlns:a16="http://schemas.microsoft.com/office/drawing/2014/main" id="{F02AC82F-4A41-9FC1-3903-273448A57399}"/>
+                </a:ext>
+              </a:extLst>
+            </p:cNvPr>
+            <p:cNvSpPr txBox="1"/>
+            <p:nvPr/>
+          </p:nvSpPr>
+          <p:spPr>
+            <a:xfrm rot="16200000">
+              <a:off x="4008175" y="2478069"/>
+              <a:ext cx="3311522" cy="3970318"/>
+            </a:xfrm>
+            <a:prstGeom prst="rect">
+              <a:avLst/>
+            </a:prstGeom>
+            <a:noFill/>
+          </p:spPr>
+          <p:txBody>
+            <a:bodyPr wrap="square">
+              <a:spAutoFit/>
+            </a:bodyPr>
+            <a:lstStyle/>
+            <a:p>
+              <a:pPr algn="l"/>
+              <a:r>
+                <a:rPr lang="en-US" sz="1400" b="1" i="0" dirty="0">
+                  <a:effectLst/>
+                  <a:latin typeface="var(--font-fk-grotesk)"/>
+                </a:rPr>
+                <a:t>Data Format Requirements :</a:t>
+              </a:r>
+            </a:p>
+            <a:p>
+              <a:pPr marL="285750" indent="-285750">
+                <a:buFont typeface="Arial" panose="020B0604020202020204" pitchFamily="34" charset="0"/>
+                <a:buChar char="•"/>
+              </a:pPr>
+              <a:r>
+                <a:rPr lang="en-US" sz="1400" b="0" i="0" dirty="0">
+                  <a:effectLst/>
+                  <a:latin typeface="__fkGroteskNeue_598ab8"/>
+                </a:rPr>
+                <a:t>Headers: Headers match the expected format.</a:t>
+              </a:r>
+            </a:p>
+            <a:p>
+              <a:pPr marL="285750" indent="-285750">
+                <a:buFont typeface="Arial" panose="020B0604020202020204" pitchFamily="34" charset="0"/>
+                <a:buChar char="•"/>
+              </a:pPr>
+              <a:r>
+                <a:rPr lang="en-US" sz="1400" b="0" i="0" dirty="0">
+                  <a:effectLst/>
+                  <a:latin typeface="__fkGroteskNeue_598ab8"/>
+                </a:rPr>
+                <a:t>Mapping Files: Create mapping files for consistent data structures.</a:t>
+              </a:r>
+            </a:p>
+            <a:p>
+              <a:pPr algn="l"/>
+              <a:r>
+                <a:rPr lang="en-US" sz="1400" b="1" i="0" dirty="0">
+                  <a:effectLst/>
+                  <a:latin typeface="var(--font-fk-grotesk)"/>
+                </a:rPr>
+                <a:t>Data Structure :</a:t>
+              </a:r>
+            </a:p>
+            <a:p>
+              <a:pPr algn="l"/>
+              <a:r>
+                <a:rPr lang="en-US" sz="1400" b="0" i="0" dirty="0">
+                  <a:effectLst/>
+                  <a:latin typeface="__fkGroteskNeue_598ab8"/>
+                </a:rPr>
+                <a:t>Maintain an identical data structure to the model's requirements, including field types and formatting.</a:t>
+              </a:r>
+            </a:p>
+            <a:p>
+              <a:r>
+                <a:rPr lang="en-US" sz="1400" b="1" i="0" dirty="0">
+                  <a:effectLst/>
+                  <a:latin typeface="var(--font-fk-grotesk)"/>
+                </a:rPr>
+                <a:t>API Endpoints :</a:t>
+              </a:r>
+              <a:r>
+                <a:rPr lang="en-US" sz="1400" b="0" i="0" dirty="0">
+                  <a:effectLst/>
+                  <a:latin typeface="var(--font-fk-grotesk-neue)"/>
+                </a:rPr>
+                <a:t>Expose the API endpoints that will handle the data. This can be done using a web framework like Flask or Express.js within the Docker container. </a:t>
+              </a:r>
+              <a:endParaRPr lang="en-US" sz="1400" b="1" i="0" dirty="0">
+                <a:effectLst/>
+                <a:latin typeface="var(--font-fk-grotesk)"/>
+              </a:endParaRPr>
+            </a:p>
+            <a:p>
+              <a:pPr algn="l"/>
+              <a:r>
+                <a:rPr lang="en-US" sz="1400" b="1" i="0" dirty="0">
+                  <a:effectLst/>
+                  <a:latin typeface="var(--font-fk-grotesk)"/>
+                </a:rPr>
+                <a:t>Data Processing :</a:t>
+              </a:r>
+              <a:r>
+                <a:rPr lang="en-US" sz="1400" b="0" i="0" dirty="0">
+                  <a:effectLst/>
+                  <a:latin typeface="__fkGroteskNeue_598ab8"/>
+                </a:rPr>
+                <a:t>Process incoming data in the Docker container by reading, transforming, and feeding it into the model for exploratory data analysis and generating results.</a:t>
+              </a:r>
+            </a:p>
+            <a:p>
+              <a:pPr algn="l"/>
+              <a:r>
+                <a:rPr lang="en-US" sz="1400" b="1" i="0" dirty="0">
+                  <a:effectLst/>
+                  <a:latin typeface="var(--font-fk-grotesk)"/>
+                </a:rPr>
+                <a:t>Business Decisioning: </a:t>
+              </a:r>
+              <a:r>
+                <a:rPr lang="en-US" sz="1400" b="0" i="0" dirty="0">
+                  <a:effectLst/>
+                  <a:latin typeface="__fkGroteskNeue_598ab8"/>
+                </a:rPr>
+                <a:t>Generate insights and metrics from processed data, including visualizations and summary statistics for business understanding.</a:t>
+              </a:r>
+              <a:endParaRPr lang="en-GB" sz="1400" dirty="0">
+                <a:solidFill>
+                  <a:schemeClr val="tx1">
+                    <a:alpha val="90000"/>
+                  </a:schemeClr>
+                </a:solidFill>
+                <a:latin typeface="Candara" panose="020E0502030303020204" pitchFamily="34" charset="0"/>
+                <a:ea typeface="Arimo" panose="020B0604020202020204" pitchFamily="34" charset="0"/>
+                <a:cs typeface="Arimo" panose="020B0604020202020204" pitchFamily="34" charset="0"/>
+              </a:endParaRPr>
+            </a:p>
+          </p:txBody>
+        </p:sp>
+        <p:sp>
+          <p:nvSpPr>
+            <p:cNvPr id="77" name="TextBox 76">
+              <a:extLst>
+                <a:ext uri="{FF2B5EF4-FFF2-40B4-BE49-F238E27FC236}">
+                  <a16:creationId xmlns:a16="http://schemas.microsoft.com/office/drawing/2014/main" id="{713BF06A-43C6-4F95-9EA3-6A32737C792A}"/>
+                </a:ext>
+              </a:extLst>
+            </p:cNvPr>
+            <p:cNvSpPr txBox="1"/>
+            <p:nvPr/>
+          </p:nvSpPr>
+          <p:spPr>
+            <a:xfrm rot="16200000">
+              <a:off x="2014312" y="4594699"/>
+              <a:ext cx="2863605" cy="338554"/>
+            </a:xfrm>
+            <a:prstGeom prst="rect">
+              <a:avLst/>
+            </a:prstGeom>
+            <a:noFill/>
+          </p:spPr>
+          <p:txBody>
+            <a:bodyPr wrap="square" rtlCol="0">
+              <a:spAutoFit/>
+            </a:bodyPr>
+            <a:lstStyle/>
+            <a:p>
+              <a:r>
+                <a:rPr lang="en-US" sz="1600" b="1" i="0" u="sng" dirty="0">
+                  <a:effectLst/>
+                  <a:latin typeface="Inter "/>
+                  <a:cs typeface="Poppins SemiBold" panose="00000700000000000000" pitchFamily="50" charset="0"/>
+                </a:rPr>
+                <a:t>Model Deployment and API integration </a:t>
+              </a:r>
+            </a:p>
+          </p:txBody>
+        </p:sp>
+      </p:grpSp>
+      <p:pic>
+        <p:nvPicPr>
+          <p:cNvPr id="26" name="Picture 2" descr="Design">
+            <a:extLst>
+              <a:ext uri="{FF2B5EF4-FFF2-40B4-BE49-F238E27FC236}">
+                <a16:creationId xmlns:a16="http://schemas.microsoft.com/office/drawing/2014/main" id="{E13A2B52-9BEC-B49B-136C-1235175E0E3E}"/>
+              </a:ext>
+            </a:extLst>
+          </p:cNvPr>
+          <p:cNvPicPr>
+            <a:picLocks noChangeAspect="1" noChangeArrowheads="1"/>
+          </p:cNvPicPr>
+          <p:nvPr/>
+        </p:nvPicPr>
+        <p:blipFill>
+          <a:blip r:embed="rId27">
+            <a:extLst>
+              <a:ext uri="{28A0092B-C50C-407E-A947-70E740481C1C}">
+                <a14:useLocalDpi xmlns:a14="http://schemas.microsoft.com/office/drawing/2010/main" val="0"/>
+              </a:ext>
+            </a:extLst>
+          </a:blip>
+          <a:srcRect/>
+          <a:stretch>
+            <a:fillRect/>
+          </a:stretch>
+        </p:blipFill>
+        <p:spPr bwMode="auto">
+          <a:xfrm>
+            <a:off x="9098998" y="736229"/>
+            <a:ext cx="457200" cy="457200"/>
+          </a:xfrm>
+          <a:prstGeom prst="rect">
+            <a:avLst/>
+          </a:prstGeom>
+          <a:noFill/>
+          <a:effectLst>
+            <a:outerShdw blurRad="50800" dist="38100" dir="2700000" algn="tl" rotWithShape="0">
+              <a:prstClr val="black">
+                <a:alpha val="40000"/>
+              </a:prstClr>
+            </a:outerShdw>
+          </a:effectLst>
+          <a:extLst>
+            <a:ext uri="{909E8E84-426E-40DD-AFC4-6F175D3DCCD1}">
+              <a14:hiddenFill xmlns:a14="http://schemas.microsoft.com/office/drawing/2010/main">
+                <a:solidFill>
+                  <a:srgbClr val="FFFFFF"/>
+                </a:solidFill>
+              </a14:hiddenFill>
+            </a:ext>
+          </a:extLst>
+        </p:spPr>
+      </p:pic>
+      <p:pic>
+        <p:nvPicPr>
+          <p:cNvPr id="32" name="Picture 4" descr="Column">
+            <a:extLst>
+              <a:ext uri="{FF2B5EF4-FFF2-40B4-BE49-F238E27FC236}">
+                <a16:creationId xmlns:a16="http://schemas.microsoft.com/office/drawing/2014/main" id="{03227021-5BB3-1AAE-C14C-D7129D6276E4}"/>
+              </a:ext>
+            </a:extLst>
+          </p:cNvPr>
+          <p:cNvPicPr>
+            <a:picLocks noChangeAspect="1" noChangeArrowheads="1"/>
+          </p:cNvPicPr>
+          <p:nvPr/>
+        </p:nvPicPr>
+        <p:blipFill>
+          <a:blip r:embed="rId28">
+            <a:extLst>
+              <a:ext uri="{28A0092B-C50C-407E-A947-70E740481C1C}">
+                <a14:useLocalDpi xmlns:a14="http://schemas.microsoft.com/office/drawing/2010/main" val="0"/>
+              </a:ext>
+            </a:extLst>
+          </a:blip>
+          <a:srcRect/>
+          <a:stretch>
+            <a:fillRect/>
+          </a:stretch>
+        </p:blipFill>
+        <p:spPr bwMode="auto">
+          <a:xfrm>
+            <a:off x="304800" y="736229"/>
+            <a:ext cx="365760" cy="365760"/>
+          </a:xfrm>
+          <a:prstGeom prst="rect">
+            <a:avLst/>
+          </a:prstGeom>
+          <a:noFill/>
+          <a:extLst>
+            <a:ext uri="{909E8E84-426E-40DD-AFC4-6F175D3DCCD1}">
+              <a14:hiddenFill xmlns:a14="http://schemas.microsoft.com/office/drawing/2010/main">
+                <a:solidFill>
+                  <a:srgbClr val="FFFFFF"/>
+                </a:solidFill>
+              </a14:hiddenFill>
+            </a:ext>
+          </a:extLst>
+        </p:spPr>
+      </p:pic>
+      <p:cxnSp>
+        <p:nvCxnSpPr>
+          <p:cNvPr id="72" name="Straight Arrow Connector 71">
+            <a:extLst>
+              <a:ext uri="{FF2B5EF4-FFF2-40B4-BE49-F238E27FC236}">
+                <a16:creationId xmlns:a16="http://schemas.microsoft.com/office/drawing/2014/main" id="{E3090A12-84AE-1811-A29A-0F4AA991BDF6}"/>
+              </a:ext>
+            </a:extLst>
+          </p:cNvPr>
+          <p:cNvCxnSpPr/>
+          <p:nvPr/>
+        </p:nvCxnSpPr>
+        <p:spPr>
+          <a:xfrm>
+            <a:off x="2461254" y="2454632"/>
+            <a:ext cx="0" cy="2921267"/>
+          </a:xfrm>
+          <a:prstGeom prst="straightConnector1">
+            <a:avLst/>
+          </a:prstGeom>
+          <a:ln w="19050">
+            <a:solidFill>
+              <a:schemeClr val="tx2"/>
+            </a:solidFill>
+            <a:prstDash val="sysDash"/>
+            <a:tailEnd type="oval"/>
+          </a:ln>
+        </p:spPr>
+        <p:style>
+          <a:lnRef idx="1">
+            <a:schemeClr val="accent1"/>
+          </a:lnRef>
+          <a:fillRef idx="0">
+            <a:schemeClr val="accent1"/>
+          </a:fillRef>
+          <a:effectRef idx="0">
+            <a:schemeClr val="accent1"/>
+          </a:effectRef>
+          <a:fontRef idx="minor">
+            <a:schemeClr val="tx1"/>
+          </a:fontRef>
+        </p:style>
+      </p:cxnSp>
+      <p:cxnSp>
+        <p:nvCxnSpPr>
+          <p:cNvPr id="73" name="Straight Connector 72">
+            <a:extLst>
+              <a:ext uri="{FF2B5EF4-FFF2-40B4-BE49-F238E27FC236}">
+                <a16:creationId xmlns:a16="http://schemas.microsoft.com/office/drawing/2014/main" id="{2A8C7295-65A1-1153-5DF7-92A66432AA4A}"/>
+              </a:ext>
+            </a:extLst>
+          </p:cNvPr>
+          <p:cNvCxnSpPr>
+            <a:cxnSpLocks/>
+          </p:cNvCxnSpPr>
+          <p:nvPr/>
+        </p:nvCxnSpPr>
+        <p:spPr>
+          <a:xfrm>
+            <a:off x="2455221" y="5375899"/>
+            <a:ext cx="274320" cy="0"/>
+          </a:xfrm>
+          <a:prstGeom prst="line">
+            <a:avLst/>
+          </a:prstGeom>
+          <a:ln w="22225">
+            <a:solidFill>
+              <a:schemeClr val="tx2"/>
+            </a:solidFill>
+            <a:prstDash val="sysDash"/>
+            <a:headEnd type="oval"/>
+            <a:tailEnd type="oval"/>
           </a:ln>
         </p:spPr>
         <p:style>
@@ -19437,13 +20600,23 @@
           <a:lstStyle/>
           <a:p>
             <a:r>
-              <a:rPr lang="en-US" sz="1600" dirty="0">
-                <a:latin typeface="Poppins Medium" panose="00000600000000000000" pitchFamily="2" charset="0"/>
+              <a:rPr lang="en-GB" sz="1600" b="1" dirty="0">
+                <a:solidFill>
+                  <a:schemeClr val="tx2">
+                    <a:lumMod val="50000"/>
+                  </a:schemeClr>
+                </a:solidFill>
+                <a:latin typeface="Poppins "/>
                 <a:ea typeface="Arimo SemiBold" panose="020B0604020202020204" pitchFamily="34" charset="0"/>
                 <a:cs typeface="Poppins Medium" panose="00000600000000000000" pitchFamily="2" charset="0"/>
               </a:rPr>
-              <a:t>Overview</a:t>
+              <a:t>Model Fit</a:t>
             </a:r>
+            <a:endParaRPr lang="en-US" sz="1600" dirty="0">
+              <a:latin typeface="Poppins Medium" panose="00000600000000000000" pitchFamily="2" charset="0"/>
+              <a:ea typeface="Arimo SemiBold" panose="020B0604020202020204" pitchFamily="34" charset="0"/>
+              <a:cs typeface="Poppins Medium" panose="00000600000000000000" pitchFamily="2" charset="0"/>
+            </a:endParaRPr>
           </a:p>
         </p:txBody>
       </p:sp>
@@ -19482,16 +20655,13 @@
                 <a:ea typeface="Arimo Medium" panose="020B0604020202020204" pitchFamily="34" charset="0"/>
                 <a:cs typeface="Poppins" panose="00000500000000000000" pitchFamily="2" charset="0"/>
               </a:rPr>
-              <a:t>Busines</a:t>
+              <a:t>Model Results and Insights</a:t>
             </a:r>
-            <a:r>
-              <a:rPr lang="en-US" sz="900" dirty="0">
-                <a:latin typeface="Poppins "/>
-                <a:ea typeface="Arimo Medium" panose="020B0604020202020204" pitchFamily="34" charset="0"/>
-                <a:cs typeface="Poppins" panose="00000500000000000000" pitchFamily="2" charset="0"/>
-              </a:rPr>
-              <a:t>s problem </a:t>
-            </a:r>
+            <a:endParaRPr lang="en-US" sz="900" dirty="0">
+              <a:latin typeface="Poppins "/>
+              <a:ea typeface="Arimo Medium" panose="020B0604020202020204" pitchFamily="34" charset="0"/>
+              <a:cs typeface="Poppins" panose="00000500000000000000" pitchFamily="2" charset="0"/>
+            </a:endParaRPr>
           </a:p>
         </p:txBody>
       </p:sp>
@@ -19697,7 +20867,7 @@
                   <a:latin typeface="Inter "/>
                   <a:cs typeface="Poppins SemiBold" panose="00000700000000000000" pitchFamily="50" charset="0"/>
                 </a:rPr>
-                <a:t>Model Methodology</a:t>
+                <a:t>Variable Importance</a:t>
               </a:r>
             </a:p>
           </p:txBody>

--- a/Presentation/Model_Presentation.pptx
+++ b/Presentation/Model_Presentation.pptx
@@ -280,7 +280,7 @@
           <a:p>
             <a:fld id="{9BBA85A1-4133-4647-A699-AD6F898723FF}" type="datetimeFigureOut">
               <a:rPr lang="en-GB" smtClean="0"/>
-              <a:t>03/10/2024</a:t>
+              <a:t>05/10/2024</a:t>
             </a:fld>
             <a:endParaRPr lang="en-GB" dirty="0"/>
           </a:p>
@@ -2502,7 +2502,7 @@
           <a:p>
             <a:fld id="{9BBA85A1-4133-4647-A699-AD6F898723FF}" type="datetimeFigureOut">
               <a:rPr lang="en-GB" smtClean="0"/>
-              <a:t>03/10/2024</a:t>
+              <a:t>05/10/2024</a:t>
             </a:fld>
             <a:endParaRPr lang="en-GB" dirty="0"/>
           </a:p>
@@ -3856,7 +3856,7 @@
           <a:p>
             <a:fld id="{BDF8DE39-F892-4617-9C97-98FF9D63538F}" type="datetimeFigureOut">
               <a:rPr lang="en-US" smtClean="0"/>
-              <a:t>10/3/2024</a:t>
+              <a:t>10/5/2024</a:t>
             </a:fld>
             <a:endParaRPr lang="en-US"/>
           </a:p>
@@ -4094,7 +4094,7 @@
           <a:p>
             <a:fld id="{BDF8DE39-F892-4617-9C97-98FF9D63538F}" type="datetimeFigureOut">
               <a:rPr lang="en-US" smtClean="0"/>
-              <a:t>10/3/2024</a:t>
+              <a:t>10/5/2024</a:t>
             </a:fld>
             <a:endParaRPr lang="en-US"/>
           </a:p>
@@ -4399,7 +4399,7 @@
           <a:p>
             <a:fld id="{BDF8DE39-F892-4617-9C97-98FF9D63538F}" type="datetimeFigureOut">
               <a:rPr lang="en-US" smtClean="0"/>
-              <a:t>10/3/2024</a:t>
+              <a:t>10/5/2024</a:t>
             </a:fld>
             <a:endParaRPr lang="en-US"/>
           </a:p>
@@ -4814,7 +4814,7 @@
           <a:p>
             <a:fld id="{BDF8DE39-F892-4617-9C97-98FF9D63538F}" type="datetimeFigureOut">
               <a:rPr lang="en-US" smtClean="0"/>
-              <a:t>10/3/2024</a:t>
+              <a:t>10/5/2024</a:t>
             </a:fld>
             <a:endParaRPr lang="en-US"/>
           </a:p>
@@ -5265,7 +5265,7 @@
           <a:p>
             <a:fld id="{BDF8DE39-F892-4617-9C97-98FF9D63538F}" type="datetimeFigureOut">
               <a:rPr lang="en-US" smtClean="0"/>
-              <a:t>10/3/2024</a:t>
+              <a:t>10/5/2024</a:t>
             </a:fld>
             <a:endParaRPr lang="en-US"/>
           </a:p>
@@ -5438,7 +5438,7 @@
           <a:p>
             <a:fld id="{BDF8DE39-F892-4617-9C97-98FF9D63538F}" type="datetimeFigureOut">
               <a:rPr lang="en-US" smtClean="0"/>
-              <a:t>10/3/2024</a:t>
+              <a:t>10/5/2024</a:t>
             </a:fld>
             <a:endParaRPr lang="en-US"/>
           </a:p>
@@ -5575,7 +5575,7 @@
           <a:p>
             <a:fld id="{BDF8DE39-F892-4617-9C97-98FF9D63538F}" type="datetimeFigureOut">
               <a:rPr lang="en-US" smtClean="0"/>
-              <a:t>10/3/2024</a:t>
+              <a:t>10/5/2024</a:t>
             </a:fld>
             <a:endParaRPr lang="en-US"/>
           </a:p>
@@ -5919,7 +5919,7 @@
           <a:p>
             <a:fld id="{BDF8DE39-F892-4617-9C97-98FF9D63538F}" type="datetimeFigureOut">
               <a:rPr lang="en-US" smtClean="0"/>
-              <a:t>10/3/2024</a:t>
+              <a:t>10/5/2024</a:t>
             </a:fld>
             <a:endParaRPr lang="en-US"/>
           </a:p>
@@ -6240,7 +6240,7 @@
           <a:p>
             <a:fld id="{BDF8DE39-F892-4617-9C97-98FF9D63538F}" type="datetimeFigureOut">
               <a:rPr lang="en-US" smtClean="0"/>
-              <a:t>10/3/2024</a:t>
+              <a:t>10/5/2024</a:t>
             </a:fld>
             <a:endParaRPr lang="en-US"/>
           </a:p>
@@ -6478,7 +6478,7 @@
           <a:p>
             <a:fld id="{BDF8DE39-F892-4617-9C97-98FF9D63538F}" type="datetimeFigureOut">
               <a:rPr lang="en-US" smtClean="0"/>
-              <a:t>10/3/2024</a:t>
+              <a:t>10/5/2024</a:t>
             </a:fld>
             <a:endParaRPr lang="en-US"/>
           </a:p>
@@ -6716,7 +6716,7 @@
           <a:p>
             <a:fld id="{BDF8DE39-F892-4617-9C97-98FF9D63538F}" type="datetimeFigureOut">
               <a:rPr lang="en-US" smtClean="0"/>
-              <a:t>10/3/2024</a:t>
+              <a:t>10/5/2024</a:t>
             </a:fld>
             <a:endParaRPr lang="en-US"/>
           </a:p>
@@ -8080,7 +8080,7 @@
           <a:p>
             <a:fld id="{9BBA85A1-4133-4647-A699-AD6F898723FF}" type="datetimeFigureOut">
               <a:rPr lang="en-GB" smtClean="0"/>
-              <a:t>03/10/2024</a:t>
+              <a:t>05/10/2024</a:t>
             </a:fld>
             <a:endParaRPr lang="en-GB" dirty="0"/>
           </a:p>
@@ -11250,6 +11250,36 @@
           </a:extLst>
         </p:spPr>
       </p:pic>
+      <p:pic>
+        <p:nvPicPr>
+          <p:cNvPr id="18" name="Picture 17">
+            <a:extLst>
+              <a:ext uri="{FF2B5EF4-FFF2-40B4-BE49-F238E27FC236}">
+                <a16:creationId xmlns:a16="http://schemas.microsoft.com/office/drawing/2014/main" id="{27451FA6-C636-5E4C-9AA0-48FE9A705503}"/>
+              </a:ext>
+            </a:extLst>
+          </p:cNvPr>
+          <p:cNvPicPr>
+            <a:picLocks noChangeAspect="1"/>
+          </p:cNvPicPr>
+          <p:nvPr/>
+        </p:nvPicPr>
+        <p:blipFill>
+          <a:blip r:embed="rId4"/>
+          <a:stretch>
+            <a:fillRect/>
+          </a:stretch>
+        </p:blipFill>
+        <p:spPr>
+          <a:xfrm>
+            <a:off x="8732992" y="1166716"/>
+            <a:ext cx="604760" cy="604760"/>
+          </a:xfrm>
+          <a:prstGeom prst="rect">
+            <a:avLst/>
+          </a:prstGeom>
+        </p:spPr>
+      </p:pic>
     </p:spTree>
     <p:extLst>
       <p:ext uri="{BB962C8B-B14F-4D97-AF65-F5344CB8AC3E}">
@@ -11607,7 +11637,7 @@
         </p:nvSpPr>
         <p:spPr>
           <a:xfrm>
-            <a:off x="8459068" y="271105"/>
+            <a:off x="7721600" y="239334"/>
             <a:ext cx="1885201" cy="338554"/>
           </a:xfrm>
           <a:prstGeom prst="rect">
@@ -11646,8 +11676,8 @@
         </p:nvSpPr>
         <p:spPr>
           <a:xfrm>
-            <a:off x="8458386" y="611490"/>
-            <a:ext cx="2788734" cy="276999"/>
+            <a:off x="7721600" y="561185"/>
+            <a:ext cx="4221922" cy="276999"/>
           </a:xfrm>
           <a:prstGeom prst="rect">
             <a:avLst/>
@@ -11675,7 +11705,7 @@
                 <a:ea typeface="Arimo Medium" panose="020B0604020202020204" pitchFamily="34" charset="0"/>
                 <a:cs typeface="Poppins" panose="00000500000000000000" pitchFamily="2" charset="0"/>
               </a:rPr>
-              <a:t>s problem </a:t>
+              <a:t>s problem – Automated Model Framework  </a:t>
             </a:r>
           </a:p>
         </p:txBody>
@@ -12208,7 +12238,7 @@
         </p:blipFill>
         <p:spPr bwMode="auto">
           <a:xfrm>
-            <a:off x="269878" y="683071"/>
+            <a:off x="269878" y="825311"/>
             <a:ext cx="365760" cy="365760"/>
           </a:xfrm>
           <a:prstGeom prst="rect">
@@ -15273,6 +15303,70 @@
           </a:extLst>
         </p:spPr>
       </p:pic>
+      <p:sp>
+        <p:nvSpPr>
+          <p:cNvPr id="9" name="TextBox 8">
+            <a:extLst>
+              <a:ext uri="{FF2B5EF4-FFF2-40B4-BE49-F238E27FC236}">
+                <a16:creationId xmlns:a16="http://schemas.microsoft.com/office/drawing/2014/main" id="{9BE199D3-1A2D-5782-079A-5DF0DB6034B5}"/>
+              </a:ext>
+            </a:extLst>
+          </p:cNvPr>
+          <p:cNvSpPr txBox="1"/>
+          <p:nvPr/>
+        </p:nvSpPr>
+        <p:spPr>
+          <a:xfrm>
+            <a:off x="10149840" y="873724"/>
+            <a:ext cx="1606894" cy="282129"/>
+          </a:xfrm>
+          <a:prstGeom prst="rect">
+            <a:avLst/>
+          </a:prstGeom>
+          <a:solidFill>
+            <a:schemeClr val="bg1"/>
+          </a:solidFill>
+          <a:ln>
+            <a:solidFill>
+              <a:schemeClr val="tx2">
+                <a:lumMod val="50000"/>
+              </a:schemeClr>
+            </a:solidFill>
+          </a:ln>
+          <a:effectLst>
+            <a:outerShdw blurRad="50800" dist="38100" dir="2700000" algn="tl" rotWithShape="0">
+              <a:prstClr val="black">
+                <a:alpha val="40000"/>
+              </a:prstClr>
+            </a:outerShdw>
+          </a:effectLst>
+        </p:spPr>
+        <p:txBody>
+          <a:bodyPr wrap="square">
+            <a:spAutoFit/>
+          </a:bodyPr>
+          <a:lstStyle/>
+          <a:p>
+            <a:pPr algn="ctr">
+              <a:lnSpc>
+                <a:spcPts val="1600"/>
+              </a:lnSpc>
+            </a:pPr>
+            <a:r>
+              <a:rPr lang="en-GB" sz="1000" b="1" dirty="0">
+                <a:solidFill>
+                  <a:schemeClr val="tx2">
+                    <a:lumMod val="50000"/>
+                  </a:schemeClr>
+                </a:solidFill>
+                <a:latin typeface="Poppins "/>
+                <a:ea typeface="Inter" panose="02000503000000020004" pitchFamily="2" charset="0"/>
+              </a:rPr>
+              <a:t>Objective</a:t>
+            </a:r>
+          </a:p>
+        </p:txBody>
+      </p:sp>
     </p:spTree>
     <p:extLst>
       <p:ext uri="{BB962C8B-B14F-4D97-AF65-F5344CB8AC3E}">
@@ -15524,7 +15618,7 @@
                   <a:latin typeface="Candara" panose="020E0502030303020204" pitchFamily="34" charset="0"/>
                   <a:ea typeface="Inter Medium" panose="02000503000000020004" pitchFamily="2" charset="0"/>
                 </a:rPr>
-                <a:t>Variables</a:t>
+                <a:t>Overview</a:t>
               </a:r>
             </a:p>
           </p:txBody>
@@ -15618,10 +15712,10 @@
       </p:cxnSp>
       <p:sp>
         <p:nvSpPr>
-          <p:cNvPr id="62" name="TextBox 61">
-            <a:extLst>
-              <a:ext uri="{FF2B5EF4-FFF2-40B4-BE49-F238E27FC236}">
-                <a16:creationId xmlns:a16="http://schemas.microsoft.com/office/drawing/2014/main" id="{B77D17A4-3FBE-B924-C999-7D934CAA1A3D}"/>
+          <p:cNvPr id="65" name="TextBox 64">
+            <a:extLst>
+              <a:ext uri="{FF2B5EF4-FFF2-40B4-BE49-F238E27FC236}">
+                <a16:creationId xmlns:a16="http://schemas.microsoft.com/office/drawing/2014/main" id="{3F73E6F2-B125-22A5-F9F5-8DF7F8F213C4}"/>
               </a:ext>
             </a:extLst>
           </p:cNvPr>
@@ -15630,47 +15724,8 @@
         </p:nvSpPr>
         <p:spPr>
           <a:xfrm>
-            <a:off x="8459068" y="271105"/>
-            <a:ext cx="1885201" cy="338554"/>
-          </a:xfrm>
-          <a:prstGeom prst="rect">
-            <a:avLst/>
-          </a:prstGeom>
-          <a:noFill/>
-        </p:spPr>
-        <p:txBody>
-          <a:bodyPr wrap="square" rtlCol="0">
-            <a:spAutoFit/>
-          </a:bodyPr>
-          <a:lstStyle/>
-          <a:p>
-            <a:r>
-              <a:rPr lang="en-US" sz="1600" dirty="0">
-                <a:latin typeface="Poppins Medium" panose="00000600000000000000" pitchFamily="2" charset="0"/>
-                <a:ea typeface="Arimo SemiBold" panose="020B0604020202020204" pitchFamily="34" charset="0"/>
-                <a:cs typeface="Poppins Medium" panose="00000600000000000000" pitchFamily="2" charset="0"/>
-              </a:rPr>
-              <a:t>Basic EDA</a:t>
-            </a:r>
-          </a:p>
-        </p:txBody>
-      </p:sp>
-      <p:sp>
-        <p:nvSpPr>
-          <p:cNvPr id="65" name="TextBox 64">
-            <a:extLst>
-              <a:ext uri="{FF2B5EF4-FFF2-40B4-BE49-F238E27FC236}">
-                <a16:creationId xmlns:a16="http://schemas.microsoft.com/office/drawing/2014/main" id="{3F73E6F2-B125-22A5-F9F5-8DF7F8F213C4}"/>
-              </a:ext>
-            </a:extLst>
-          </p:cNvPr>
-          <p:cNvSpPr txBox="1"/>
-          <p:nvPr/>
-        </p:nvSpPr>
-        <p:spPr>
-          <a:xfrm>
-            <a:off x="8458386" y="611490"/>
-            <a:ext cx="2788734" cy="230832"/>
+            <a:off x="7721600" y="611490"/>
+            <a:ext cx="3885562" cy="230832"/>
           </a:xfrm>
           <a:prstGeom prst="rect">
             <a:avLst/>
@@ -15689,7 +15744,7 @@
                 <a:ea typeface="Arimo Medium" panose="020B0604020202020204" pitchFamily="34" charset="0"/>
                 <a:cs typeface="Poppins" panose="00000500000000000000" pitchFamily="2" charset="0"/>
               </a:rPr>
-              <a:t>Basic Data Cuts and Overview</a:t>
+              <a:t>A Deep Dive into the data distribution and underlying Patterns </a:t>
             </a:r>
           </a:p>
         </p:txBody>
@@ -15708,8 +15763,8 @@
         </p:nvSpPr>
         <p:spPr>
           <a:xfrm>
-            <a:off x="2336800" y="1126666"/>
-            <a:ext cx="9631680" cy="487313"/>
+            <a:off x="5160578" y="949288"/>
+            <a:ext cx="5536149" cy="282129"/>
           </a:xfrm>
           <a:prstGeom prst="rect">
             <a:avLst/>
@@ -15735,348 +15790,11 @@
                 <a:latin typeface="Poppins "/>
                 <a:ea typeface="Inter" panose="02000503000000020004" pitchFamily="2" charset="0"/>
               </a:rPr>
-              <a:t>There are many variations of passages of Lorem Ipsum and an available, but the passage of Lorem looks reasonable. The injected humour, or non-characteristic words etc.</a:t>
+              <a:t>Basic data distribution across variables and correlation between variables  </a:t>
             </a:r>
           </a:p>
         </p:txBody>
       </p:sp>
-      <p:grpSp>
-        <p:nvGrpSpPr>
-          <p:cNvPr id="74" name="Group 73">
-            <a:extLst>
-              <a:ext uri="{FF2B5EF4-FFF2-40B4-BE49-F238E27FC236}">
-                <a16:creationId xmlns:a16="http://schemas.microsoft.com/office/drawing/2014/main" id="{9B78E40E-8CB9-3B7D-AA52-312EF7C44D20}"/>
-              </a:ext>
-            </a:extLst>
-          </p:cNvPr>
-          <p:cNvGrpSpPr/>
-          <p:nvPr/>
-        </p:nvGrpSpPr>
-        <p:grpSpPr>
-          <a:xfrm>
-            <a:off x="6780912" y="3237230"/>
-            <a:ext cx="1052386" cy="3150060"/>
-            <a:chOff x="3348907" y="2933699"/>
-            <a:chExt cx="1052386" cy="3311522"/>
-          </a:xfrm>
-        </p:grpSpPr>
-        <p:sp>
-          <p:nvSpPr>
-            <p:cNvPr id="72" name="TextBox 71">
-              <a:extLst>
-                <a:ext uri="{FF2B5EF4-FFF2-40B4-BE49-F238E27FC236}">
-                  <a16:creationId xmlns:a16="http://schemas.microsoft.com/office/drawing/2014/main" id="{339F843C-A9F1-EAC2-FF30-7868231BA770}"/>
-                </a:ext>
-              </a:extLst>
-            </p:cNvPr>
-            <p:cNvSpPr txBox="1"/>
-            <p:nvPr/>
-          </p:nvSpPr>
-          <p:spPr>
-            <a:xfrm rot="16200000">
-              <a:off x="2418712" y="4262640"/>
-              <a:ext cx="3311522" cy="653640"/>
-            </a:xfrm>
-            <a:prstGeom prst="rect">
-              <a:avLst/>
-            </a:prstGeom>
-            <a:noFill/>
-          </p:spPr>
-          <p:txBody>
-            <a:bodyPr wrap="square">
-              <a:spAutoFit/>
-            </a:bodyPr>
-            <a:lstStyle/>
-            <a:p>
-              <a:pPr>
-                <a:lnSpc>
-                  <a:spcPts val="1500"/>
-                </a:lnSpc>
-              </a:pPr>
-              <a:r>
-                <a:rPr lang="en-GB" sz="900" b="0" i="0" dirty="0">
-                  <a:solidFill>
-                    <a:schemeClr val="tx1">
-                      <a:alpha val="90000"/>
-                    </a:schemeClr>
-                  </a:solidFill>
-                  <a:effectLst/>
-                  <a:latin typeface="Poppins "/>
-                  <a:ea typeface="Arimo" panose="020B0604020202020204" pitchFamily="34" charset="0"/>
-                  <a:cs typeface="Arimo" panose="020B0604020202020204" pitchFamily="34" charset="0"/>
-                </a:rPr>
-                <a:t>Many desktop publishing packages and web</a:t>
-              </a:r>
-            </a:p>
-            <a:p>
-              <a:pPr>
-                <a:lnSpc>
-                  <a:spcPts val="1500"/>
-                </a:lnSpc>
-              </a:pPr>
-              <a:r>
-                <a:rPr lang="en-GB" sz="900" b="0" i="0" dirty="0">
-                  <a:solidFill>
-                    <a:schemeClr val="tx1">
-                      <a:alpha val="90000"/>
-                    </a:schemeClr>
-                  </a:solidFill>
-                  <a:effectLst/>
-                  <a:latin typeface="Poppins "/>
-                  <a:ea typeface="Arimo" panose="020B0604020202020204" pitchFamily="34" charset="0"/>
-                  <a:cs typeface="Arimo" panose="020B0604020202020204" pitchFamily="34" charset="0"/>
-                </a:rPr>
-                <a:t>now use Lorem Ipsum as their model text, and </a:t>
-              </a:r>
-            </a:p>
-            <a:p>
-              <a:pPr>
-                <a:lnSpc>
-                  <a:spcPts val="1500"/>
-                </a:lnSpc>
-              </a:pPr>
-              <a:r>
-                <a:rPr lang="en-GB" sz="900" b="0" i="0" dirty="0">
-                  <a:solidFill>
-                    <a:schemeClr val="tx1">
-                      <a:alpha val="90000"/>
-                    </a:schemeClr>
-                  </a:solidFill>
-                  <a:effectLst/>
-                  <a:latin typeface="Poppins "/>
-                  <a:ea typeface="Arimo" panose="020B0604020202020204" pitchFamily="34" charset="0"/>
-                  <a:cs typeface="Arimo" panose="020B0604020202020204" pitchFamily="34" charset="0"/>
-                </a:rPr>
-                <a:t>'lorem ipsum’  design</a:t>
-              </a:r>
-              <a:endParaRPr lang="en-GB" sz="900" dirty="0">
-                <a:solidFill>
-                  <a:schemeClr val="tx1">
-                    <a:alpha val="90000"/>
-                  </a:schemeClr>
-                </a:solidFill>
-                <a:latin typeface="Poppins "/>
-                <a:ea typeface="Arimo" panose="020B0604020202020204" pitchFamily="34" charset="0"/>
-                <a:cs typeface="Arimo" panose="020B0604020202020204" pitchFamily="34" charset="0"/>
-              </a:endParaRPr>
-            </a:p>
-          </p:txBody>
-        </p:sp>
-        <p:sp>
-          <p:nvSpPr>
-            <p:cNvPr id="73" name="TextBox 72">
-              <a:extLst>
-                <a:ext uri="{FF2B5EF4-FFF2-40B4-BE49-F238E27FC236}">
-                  <a16:creationId xmlns:a16="http://schemas.microsoft.com/office/drawing/2014/main" id="{6C37D21D-A14D-17B7-7665-515FEBB27368}"/>
-                </a:ext>
-              </a:extLst>
-            </p:cNvPr>
-            <p:cNvSpPr txBox="1"/>
-            <p:nvPr/>
-          </p:nvSpPr>
-          <p:spPr>
-            <a:xfrm rot="16200000">
-              <a:off x="2333120" y="4588318"/>
-              <a:ext cx="2370128" cy="338554"/>
-            </a:xfrm>
-            <a:prstGeom prst="rect">
-              <a:avLst/>
-            </a:prstGeom>
-            <a:noFill/>
-          </p:spPr>
-          <p:txBody>
-            <a:bodyPr wrap="square" rtlCol="0">
-              <a:spAutoFit/>
-            </a:bodyPr>
-            <a:lstStyle/>
-            <a:p>
-              <a:r>
-                <a:rPr lang="en-US" sz="1600" b="1" i="0" spc="140" dirty="0">
-                  <a:effectLst/>
-                  <a:latin typeface="Inter "/>
-                  <a:cs typeface="Poppins SemiBold" panose="00000700000000000000" pitchFamily="50" charset="0"/>
-                </a:rPr>
-                <a:t>Model Methodology</a:t>
-              </a:r>
-            </a:p>
-          </p:txBody>
-        </p:sp>
-      </p:grpSp>
-      <p:sp>
-        <p:nvSpPr>
-          <p:cNvPr id="3" name="TextBox 2">
-            <a:extLst>
-              <a:ext uri="{FF2B5EF4-FFF2-40B4-BE49-F238E27FC236}">
-                <a16:creationId xmlns:a16="http://schemas.microsoft.com/office/drawing/2014/main" id="{594FD04E-677A-0546-E874-DA3CE1EBCE15}"/>
-              </a:ext>
-            </a:extLst>
-          </p:cNvPr>
-          <p:cNvSpPr txBox="1"/>
-          <p:nvPr/>
-        </p:nvSpPr>
-        <p:spPr>
-          <a:xfrm>
-            <a:off x="958719" y="2976489"/>
-            <a:ext cx="4659542" cy="692497"/>
-          </a:xfrm>
-          <a:prstGeom prst="rect">
-            <a:avLst/>
-          </a:prstGeom>
-          <a:noFill/>
-        </p:spPr>
-        <p:txBody>
-          <a:bodyPr wrap="square">
-            <a:spAutoFit/>
-          </a:bodyPr>
-          <a:lstStyle/>
-          <a:p>
-            <a:pPr>
-              <a:lnSpc>
-                <a:spcPts val="1600"/>
-              </a:lnSpc>
-            </a:pPr>
-            <a:r>
-              <a:rPr lang="en-GB" sz="1000" dirty="0">
-                <a:solidFill>
-                  <a:schemeClr val="tx2"/>
-                </a:solidFill>
-                <a:latin typeface="Poppins "/>
-                <a:ea typeface="Inter" panose="02000503000000020004" pitchFamily="2" charset="0"/>
-              </a:rPr>
-              <a:t>There are many variations of passages of Lorem Ipsum and an available, but the passage of Lorem looks reasonable. The injected humour, or non-characteristic words etc.</a:t>
-            </a:r>
-          </a:p>
-        </p:txBody>
-      </p:sp>
-      <p:cxnSp>
-        <p:nvCxnSpPr>
-          <p:cNvPr id="8" name="Straight Connector 7">
-            <a:extLst>
-              <a:ext uri="{FF2B5EF4-FFF2-40B4-BE49-F238E27FC236}">
-                <a16:creationId xmlns:a16="http://schemas.microsoft.com/office/drawing/2014/main" id="{DC03928B-F9C2-9857-A696-D38627A0AC2A}"/>
-              </a:ext>
-            </a:extLst>
-          </p:cNvPr>
-          <p:cNvCxnSpPr>
-            <a:cxnSpLocks/>
-          </p:cNvCxnSpPr>
-          <p:nvPr/>
-        </p:nvCxnSpPr>
-        <p:spPr>
-          <a:xfrm flipV="1">
-            <a:off x="7107600" y="3875092"/>
-            <a:ext cx="0" cy="2284403"/>
-          </a:xfrm>
-          <a:prstGeom prst="line">
-            <a:avLst/>
-          </a:prstGeom>
-          <a:ln w="28575">
-            <a:solidFill>
-              <a:schemeClr val="tx2"/>
-            </a:solidFill>
-          </a:ln>
-        </p:spPr>
-        <p:style>
-          <a:lnRef idx="1">
-            <a:schemeClr val="accent1"/>
-          </a:lnRef>
-          <a:fillRef idx="0">
-            <a:schemeClr val="accent1"/>
-          </a:fillRef>
-          <a:effectRef idx="0">
-            <a:schemeClr val="accent1"/>
-          </a:effectRef>
-          <a:fontRef idx="minor">
-            <a:schemeClr val="tx1"/>
-          </a:fontRef>
-        </p:style>
-      </p:cxnSp>
-      <p:cxnSp>
-        <p:nvCxnSpPr>
-          <p:cNvPr id="11" name="Straight Connector 10">
-            <a:extLst>
-              <a:ext uri="{FF2B5EF4-FFF2-40B4-BE49-F238E27FC236}">
-                <a16:creationId xmlns:a16="http://schemas.microsoft.com/office/drawing/2014/main" id="{77C3D30F-E02C-9ADA-F344-2FA83044B04A}"/>
-              </a:ext>
-            </a:extLst>
-          </p:cNvPr>
-          <p:cNvCxnSpPr>
-            <a:cxnSpLocks/>
-          </p:cNvCxnSpPr>
-          <p:nvPr/>
-        </p:nvCxnSpPr>
-        <p:spPr>
-          <a:xfrm flipV="1">
-            <a:off x="7107600" y="3922312"/>
-            <a:ext cx="0" cy="2284403"/>
-          </a:xfrm>
-          <a:prstGeom prst="line">
-            <a:avLst/>
-          </a:prstGeom>
-          <a:ln w="28575">
-            <a:solidFill>
-              <a:schemeClr val="tx2"/>
-            </a:solidFill>
-          </a:ln>
-        </p:spPr>
-        <p:style>
-          <a:lnRef idx="1">
-            <a:schemeClr val="accent1"/>
-          </a:lnRef>
-          <a:fillRef idx="0">
-            <a:schemeClr val="accent1"/>
-          </a:fillRef>
-          <a:effectRef idx="0">
-            <a:schemeClr val="accent1"/>
-          </a:effectRef>
-          <a:fontRef idx="minor">
-            <a:schemeClr val="tx1"/>
-          </a:fontRef>
-        </p:style>
-      </p:cxnSp>
-      <p:cxnSp>
-        <p:nvCxnSpPr>
-          <p:cNvPr id="13" name="Straight Connector 12">
-            <a:extLst>
-              <a:ext uri="{FF2B5EF4-FFF2-40B4-BE49-F238E27FC236}">
-                <a16:creationId xmlns:a16="http://schemas.microsoft.com/office/drawing/2014/main" id="{EB4AD045-A929-6643-FE71-4145E142DE8A}"/>
-              </a:ext>
-            </a:extLst>
-          </p:cNvPr>
-          <p:cNvCxnSpPr>
-            <a:cxnSpLocks/>
-          </p:cNvCxnSpPr>
-          <p:nvPr/>
-        </p:nvCxnSpPr>
-        <p:spPr>
-          <a:xfrm>
-            <a:off x="8629650" y="2369978"/>
-            <a:ext cx="3562350" cy="0"/>
-          </a:xfrm>
-          <a:prstGeom prst="line">
-            <a:avLst/>
-          </a:prstGeom>
-          <a:ln w="22225">
-            <a:prstDash val="sysDash"/>
-            <a:headEnd type="oval"/>
-            <a:tailEnd type="oval"/>
-          </a:ln>
-        </p:spPr>
-        <p:style>
-          <a:lnRef idx="1">
-            <a:schemeClr val="dk1"/>
-          </a:lnRef>
-          <a:fillRef idx="0">
-            <a:schemeClr val="dk1"/>
-          </a:fillRef>
-          <a:effectRef idx="0">
-            <a:schemeClr val="dk1"/>
-          </a:effectRef>
-          <a:fontRef idx="minor">
-            <a:schemeClr val="tx1"/>
-          </a:fontRef>
-        </p:style>
-      </p:cxnSp>
       <p:pic>
         <p:nvPicPr>
           <p:cNvPr id="9" name="Picture 2" descr="Adventurer ">
@@ -16106,7 +15824,7 @@
         </p:blipFill>
         <p:spPr bwMode="auto">
           <a:xfrm>
-            <a:off x="286662" y="561632"/>
+            <a:off x="277281" y="762661"/>
             <a:ext cx="393192" cy="393192"/>
           </a:xfrm>
           <a:prstGeom prst="rect">
@@ -16124,124 +15842,258 @@
           </a:extLst>
         </p:spPr>
       </p:pic>
-      <p:grpSp>
-        <p:nvGrpSpPr>
-          <p:cNvPr id="10" name="Group 9">
-            <a:extLst>
-              <a:ext uri="{FF2B5EF4-FFF2-40B4-BE49-F238E27FC236}">
-                <a16:creationId xmlns:a16="http://schemas.microsoft.com/office/drawing/2014/main" id="{53F09E4F-7BB0-A09E-9FEA-6AAEF4192F54}"/>
-              </a:ext>
-            </a:extLst>
-          </p:cNvPr>
-          <p:cNvGrpSpPr/>
+      <p:sp>
+        <p:nvSpPr>
+          <p:cNvPr id="5" name="TextBox 4">
+            <a:extLst>
+              <a:ext uri="{FF2B5EF4-FFF2-40B4-BE49-F238E27FC236}">
+                <a16:creationId xmlns:a16="http://schemas.microsoft.com/office/drawing/2014/main" id="{3B1FD673-6FE3-E3A1-4627-52C6A55EF799}"/>
+              </a:ext>
+            </a:extLst>
+          </p:cNvPr>
+          <p:cNvSpPr txBox="1"/>
           <p:nvPr/>
-        </p:nvGrpSpPr>
-        <p:grpSpPr>
-          <a:xfrm>
-            <a:off x="4045727" y="5900234"/>
-            <a:ext cx="1413726" cy="396134"/>
-            <a:chOff x="1524171" y="5770608"/>
-            <a:chExt cx="1413726" cy="396134"/>
-          </a:xfrm>
+        </p:nvSpPr>
+        <p:spPr>
+          <a:xfrm>
+            <a:off x="7721600" y="239334"/>
+            <a:ext cx="3556000" cy="338554"/>
+          </a:xfrm>
+          <a:prstGeom prst="rect">
+            <a:avLst/>
+          </a:prstGeom>
+          <a:noFill/>
+        </p:spPr>
+        <p:txBody>
+          <a:bodyPr wrap="square" rtlCol="0">
+            <a:spAutoFit/>
+          </a:bodyPr>
+          <a:lstStyle/>
+          <a:p>
+            <a:r>
+              <a:rPr lang="en-US" sz="1600" dirty="0">
+                <a:latin typeface="Poppins "/>
+                <a:ea typeface="Arimo Medium" panose="020B0604020202020204" pitchFamily="34" charset="0"/>
+                <a:cs typeface="Poppins" panose="00000500000000000000" pitchFamily="2" charset="0"/>
+              </a:rPr>
+              <a:t>Basic Data Review</a:t>
+            </a:r>
+          </a:p>
+        </p:txBody>
+      </p:sp>
+      <p:sp>
+        <p:nvSpPr>
+          <p:cNvPr id="15" name="TextBox 14">
+            <a:extLst>
+              <a:ext uri="{FF2B5EF4-FFF2-40B4-BE49-F238E27FC236}">
+                <a16:creationId xmlns:a16="http://schemas.microsoft.com/office/drawing/2014/main" id="{560B5708-065F-16FA-80D2-BFCDF7729E62}"/>
+              </a:ext>
+            </a:extLst>
+          </p:cNvPr>
+          <p:cNvSpPr txBox="1"/>
+          <p:nvPr/>
+        </p:nvSpPr>
+        <p:spPr>
+          <a:xfrm>
+            <a:off x="10149840" y="873724"/>
+            <a:ext cx="1606894" cy="282129"/>
+          </a:xfrm>
+          <a:prstGeom prst="rect">
+            <a:avLst/>
+          </a:prstGeom>
           <a:solidFill>
-            <a:schemeClr val="accent6">
-              <a:lumMod val="20000"/>
-              <a:lumOff val="80000"/>
-            </a:schemeClr>
+            <a:schemeClr val="bg1"/>
           </a:solidFill>
-        </p:grpSpPr>
-        <p:sp>
-          <p:nvSpPr>
-            <p:cNvPr id="12" name="Rectangle: Rounded Corners 11">
-              <a:extLst>
-                <a:ext uri="{FF2B5EF4-FFF2-40B4-BE49-F238E27FC236}">
-                  <a16:creationId xmlns:a16="http://schemas.microsoft.com/office/drawing/2014/main" id="{8F08A69C-F7AA-137A-5183-37F0A286560C}"/>
-                </a:ext>
-              </a:extLst>
-            </p:cNvPr>
-            <p:cNvSpPr/>
-            <p:nvPr/>
-          </p:nvSpPr>
-          <p:spPr>
-            <a:xfrm>
-              <a:off x="1524171" y="5770608"/>
-              <a:ext cx="1413726" cy="396134"/>
-            </a:xfrm>
-            <a:prstGeom prst="roundRect">
-              <a:avLst>
-                <a:gd name="adj" fmla="val 50000"/>
-              </a:avLst>
-            </a:prstGeom>
-            <a:grpFill/>
-            <a:ln>
-              <a:noFill/>
-            </a:ln>
-          </p:spPr>
-          <p:style>
-            <a:lnRef idx="2">
-              <a:schemeClr val="accent1">
-                <a:shade val="15000"/>
+          <a:ln>
+            <a:solidFill>
+              <a:schemeClr val="tx2">
+                <a:lumMod val="50000"/>
               </a:schemeClr>
-            </a:lnRef>
-            <a:fillRef idx="1">
-              <a:schemeClr val="accent1"/>
-            </a:fillRef>
-            <a:effectRef idx="0">
-              <a:schemeClr val="accent1"/>
-            </a:effectRef>
-            <a:fontRef idx="minor">
-              <a:schemeClr val="lt1"/>
-            </a:fontRef>
-          </p:style>
-          <p:txBody>
-            <a:bodyPr rtlCol="0" anchor="ctr"/>
-            <a:lstStyle/>
-            <a:p>
-              <a:pPr algn="ctr"/>
-              <a:endParaRPr lang="en-GB"/>
-            </a:p>
-          </p:txBody>
-        </p:sp>
-        <p:sp>
-          <p:nvSpPr>
-            <p:cNvPr id="14" name="TextBox 13">
-              <a:extLst>
-                <a:ext uri="{FF2B5EF4-FFF2-40B4-BE49-F238E27FC236}">
-                  <a16:creationId xmlns:a16="http://schemas.microsoft.com/office/drawing/2014/main" id="{D8C29389-49E6-B3B5-7269-41F02A4BF536}"/>
-                </a:ext>
-              </a:extLst>
-            </p:cNvPr>
-            <p:cNvSpPr txBox="1"/>
-            <p:nvPr/>
-          </p:nvSpPr>
-          <p:spPr>
-            <a:xfrm>
-              <a:off x="1612917" y="5837870"/>
-              <a:ext cx="1236236" cy="246221"/>
-            </a:xfrm>
-            <a:prstGeom prst="rect">
-              <a:avLst/>
-            </a:prstGeom>
-            <a:grpFill/>
-          </p:spPr>
-          <p:txBody>
-            <a:bodyPr wrap="square" rtlCol="0">
-              <a:spAutoFit/>
-            </a:bodyPr>
-            <a:lstStyle/>
-            <a:p>
-              <a:pPr algn="ctr"/>
-              <a:r>
-                <a:rPr lang="en-GB" sz="1000" b="1" dirty="0">
-                  <a:latin typeface="Poppins" panose="00000500000000000000" pitchFamily="2" charset="0"/>
-                  <a:cs typeface="Poppins" panose="00000500000000000000" pitchFamily="2" charset="0"/>
-                </a:rPr>
-                <a:t>Bank &amp; Others</a:t>
-              </a:r>
-            </a:p>
-          </p:txBody>
-        </p:sp>
-      </p:grpSp>
+            </a:solidFill>
+          </a:ln>
+          <a:effectLst>
+            <a:outerShdw blurRad="50800" dist="38100" dir="2700000" algn="tl" rotWithShape="0">
+              <a:prstClr val="black">
+                <a:alpha val="40000"/>
+              </a:prstClr>
+            </a:outerShdw>
+          </a:effectLst>
+        </p:spPr>
+        <p:txBody>
+          <a:bodyPr wrap="square">
+            <a:spAutoFit/>
+          </a:bodyPr>
+          <a:lstStyle/>
+          <a:p>
+            <a:pPr algn="ctr">
+              <a:lnSpc>
+                <a:spcPts val="1600"/>
+              </a:lnSpc>
+            </a:pPr>
+            <a:r>
+              <a:rPr lang="en-GB" sz="1000" b="1" dirty="0">
+                <a:solidFill>
+                  <a:schemeClr val="tx2">
+                    <a:lumMod val="50000"/>
+                  </a:schemeClr>
+                </a:solidFill>
+                <a:latin typeface="Poppins "/>
+                <a:ea typeface="Inter" panose="02000503000000020004" pitchFamily="2" charset="0"/>
+              </a:rPr>
+              <a:t>Data Distribution</a:t>
+            </a:r>
+          </a:p>
+        </p:txBody>
+      </p:sp>
+      <p:pic>
+        <p:nvPicPr>
+          <p:cNvPr id="2" name="Picture 1" descr="temp_stacked_bar.png">
+            <a:extLst>
+              <a:ext uri="{FF2B5EF4-FFF2-40B4-BE49-F238E27FC236}">
+                <a16:creationId xmlns:a16="http://schemas.microsoft.com/office/drawing/2014/main" id="{DD9B45B5-1777-5DA4-007B-CBA3776B4344}"/>
+              </a:ext>
+            </a:extLst>
+          </p:cNvPr>
+          <p:cNvPicPr>
+            <a:picLocks noChangeAspect="1"/>
+          </p:cNvPicPr>
+          <p:nvPr/>
+        </p:nvPicPr>
+        <p:blipFill>
+          <a:blip r:embed="rId3"/>
+          <a:stretch>
+            <a:fillRect/>
+          </a:stretch>
+        </p:blipFill>
+        <p:spPr>
+          <a:xfrm>
+            <a:off x="7250987" y="4275601"/>
+            <a:ext cx="4568806" cy="2284403"/>
+          </a:xfrm>
+          <a:prstGeom prst="rect">
+            <a:avLst/>
+          </a:prstGeom>
+        </p:spPr>
+      </p:pic>
+      <p:pic>
+        <p:nvPicPr>
+          <p:cNvPr id="3" name="Picture 2" descr="temp_correlation_heatmap.png">
+            <a:extLst>
+              <a:ext uri="{FF2B5EF4-FFF2-40B4-BE49-F238E27FC236}">
+                <a16:creationId xmlns:a16="http://schemas.microsoft.com/office/drawing/2014/main" id="{FBB4A05C-66E1-E5CD-C740-1C2907768D18}"/>
+              </a:ext>
+            </a:extLst>
+          </p:cNvPr>
+          <p:cNvPicPr>
+            <a:picLocks noChangeAspect="1"/>
+          </p:cNvPicPr>
+          <p:nvPr/>
+        </p:nvPicPr>
+        <p:blipFill>
+          <a:blip r:embed="rId4"/>
+          <a:srcRect r="5664"/>
+          <a:stretch/>
+        </p:blipFill>
+        <p:spPr>
+          <a:xfrm>
+            <a:off x="7717356" y="1376420"/>
+            <a:ext cx="4102437" cy="2899181"/>
+          </a:xfrm>
+          <a:prstGeom prst="rect">
+            <a:avLst/>
+          </a:prstGeom>
+        </p:spPr>
+      </p:pic>
+      <p:pic>
+        <p:nvPicPr>
+          <p:cNvPr id="4" name="Picture 3" descr="temp_plot.png">
+            <a:extLst>
+              <a:ext uri="{FF2B5EF4-FFF2-40B4-BE49-F238E27FC236}">
+                <a16:creationId xmlns:a16="http://schemas.microsoft.com/office/drawing/2014/main" id="{63B967BE-1AF9-D982-EEF5-D4AD1CD1F110}"/>
+              </a:ext>
+            </a:extLst>
+          </p:cNvPr>
+          <p:cNvPicPr>
+            <a:picLocks noChangeAspect="1"/>
+          </p:cNvPicPr>
+          <p:nvPr/>
+        </p:nvPicPr>
+        <p:blipFill>
+          <a:blip r:embed="rId5"/>
+          <a:stretch>
+            <a:fillRect/>
+          </a:stretch>
+        </p:blipFill>
+        <p:spPr>
+          <a:xfrm>
+            <a:off x="1168398" y="4275601"/>
+            <a:ext cx="4111634" cy="2055817"/>
+          </a:xfrm>
+          <a:prstGeom prst="rect">
+            <a:avLst/>
+          </a:prstGeom>
+        </p:spPr>
+      </p:pic>
+      <p:pic>
+        <p:nvPicPr>
+          <p:cNvPr id="8" name="Picture 7" descr="temp_plot.png">
+            <a:extLst>
+              <a:ext uri="{FF2B5EF4-FFF2-40B4-BE49-F238E27FC236}">
+                <a16:creationId xmlns:a16="http://schemas.microsoft.com/office/drawing/2014/main" id="{E3348FA8-2C21-7F71-ACCC-CAE7D8A0E3D6}"/>
+              </a:ext>
+            </a:extLst>
+          </p:cNvPr>
+          <p:cNvPicPr>
+            <a:picLocks noChangeAspect="1"/>
+          </p:cNvPicPr>
+          <p:nvPr/>
+        </p:nvPicPr>
+        <p:blipFill>
+          <a:blip r:embed="rId6"/>
+          <a:stretch>
+            <a:fillRect/>
+          </a:stretch>
+        </p:blipFill>
+        <p:spPr>
+          <a:xfrm>
+            <a:off x="1052123" y="1504497"/>
+            <a:ext cx="3586480" cy="1793240"/>
+          </a:xfrm>
+          <a:prstGeom prst="rect">
+            <a:avLst/>
+          </a:prstGeom>
+        </p:spPr>
+      </p:pic>
+      <p:pic>
+        <p:nvPicPr>
+          <p:cNvPr id="10" name="Picture 9" descr="temp_plot.png">
+            <a:extLst>
+              <a:ext uri="{FF2B5EF4-FFF2-40B4-BE49-F238E27FC236}">
+                <a16:creationId xmlns:a16="http://schemas.microsoft.com/office/drawing/2014/main" id="{BCEE8C7E-9127-41A0-08F6-23CA58E7ACB9}"/>
+              </a:ext>
+            </a:extLst>
+          </p:cNvPr>
+          <p:cNvPicPr>
+            <a:picLocks noChangeAspect="1"/>
+          </p:cNvPicPr>
+          <p:nvPr/>
+        </p:nvPicPr>
+        <p:blipFill>
+          <a:blip r:embed="rId7"/>
+          <a:stretch>
+            <a:fillRect/>
+          </a:stretch>
+        </p:blipFill>
+        <p:spPr>
+          <a:xfrm>
+            <a:off x="4754811" y="1575318"/>
+            <a:ext cx="3773214" cy="1886607"/>
+          </a:xfrm>
+          <a:prstGeom prst="rect">
+            <a:avLst/>
+          </a:prstGeom>
+        </p:spPr>
+      </p:pic>
     </p:spTree>
     <p:extLst>
       <p:ext uri="{BB962C8B-B14F-4D97-AF65-F5344CB8AC3E}">
@@ -19892,11 +19744,18 @@
                 <a:buChar char="•"/>
               </a:pPr>
               <a:r>
+                <a:rPr lang="en-US" sz="1400" b="1" i="0" dirty="0">
+                  <a:effectLst/>
+                  <a:latin typeface="__fkGroteskNeue_598ab8"/>
+                </a:rPr>
+                <a:t>Headers: </a:t>
+              </a:r>
+              <a:r>
                 <a:rPr lang="en-US" sz="1400" b="0" i="0" dirty="0">
                   <a:effectLst/>
                   <a:latin typeface="__fkGroteskNeue_598ab8"/>
                 </a:rPr>
-                <a:t>Headers: Headers match the expected format.</a:t>
+                <a:t>Headers match the expected format.</a:t>
               </a:r>
             </a:p>
             <a:p>
@@ -19905,11 +19764,18 @@
                 <a:buChar char="•"/>
               </a:pPr>
               <a:r>
+                <a:rPr lang="en-US" sz="1400" b="1" i="0" dirty="0">
+                  <a:effectLst/>
+                  <a:latin typeface="__fkGroteskNeue_598ab8"/>
+                </a:rPr>
+                <a:t>Mapping Files: </a:t>
+              </a:r>
+              <a:r>
                 <a:rPr lang="en-US" sz="1400" b="0" i="0" dirty="0">
                   <a:effectLst/>
                   <a:latin typeface="__fkGroteskNeue_598ab8"/>
                 </a:rPr>
-                <a:t>Mapping Files: Create mapping files for consistent data structures.</a:t>
+                <a:t>Create mapping files for consistent data structures.</a:t>
               </a:r>
             </a:p>
             <a:p>
@@ -21048,53 +20914,6 @@
           </a:fontRef>
         </p:style>
       </p:cxnSp>
-      <p:pic>
-        <p:nvPicPr>
-          <p:cNvPr id="9" name="Picture 2" descr="Adventurer ">
-            <a:extLst>
-              <a:ext uri="{FF2B5EF4-FFF2-40B4-BE49-F238E27FC236}">
-                <a16:creationId xmlns:a16="http://schemas.microsoft.com/office/drawing/2014/main" id="{E0DC8389-FD7D-7206-480D-C70E0A8AA4E6}"/>
-              </a:ext>
-            </a:extLst>
-          </p:cNvPr>
-          <p:cNvPicPr>
-            <a:picLocks noChangeAspect="1" noChangeArrowheads="1"/>
-          </p:cNvPicPr>
-          <p:nvPr/>
-        </p:nvPicPr>
-        <p:blipFill>
-          <a:blip r:embed="rId2">
-            <a:extLst>
-              <a:ext uri="{28A0092B-C50C-407E-A947-70E740481C1C}">
-                <a14:useLocalDpi xmlns:a14="http://schemas.microsoft.com/office/drawing/2010/main" val="0"/>
-              </a:ext>
-            </a:extLst>
-          </a:blip>
-          <a:srcRect/>
-          <a:stretch>
-            <a:fillRect/>
-          </a:stretch>
-        </p:blipFill>
-        <p:spPr bwMode="auto">
-          <a:xfrm>
-            <a:off x="286662" y="561632"/>
-            <a:ext cx="393192" cy="393192"/>
-          </a:xfrm>
-          <a:prstGeom prst="rect">
-            <a:avLst/>
-          </a:prstGeom>
-          <a:noFill/>
-          <a:extLst>
-            <a:ext uri="{909E8E84-426E-40DD-AFC4-6F175D3DCCD1}">
-              <a14:hiddenFill xmlns:a14="http://schemas.microsoft.com/office/drawing/2010/main">
-                <a:solidFill>
-                  <a:srgbClr val="FFFFFF"/>
-                </a:solidFill>
-              </a14:hiddenFill>
-            </a:ext>
-          </a:extLst>
-        </p:spPr>
-      </p:pic>
       <p:grpSp>
         <p:nvGrpSpPr>
           <p:cNvPr id="10" name="Group 9">
@@ -21213,6 +21032,42 @@
           </p:txBody>
         </p:sp>
       </p:grpSp>
+      <p:pic>
+        <p:nvPicPr>
+          <p:cNvPr id="4" name="Picture 3">
+            <a:extLst>
+              <a:ext uri="{FF2B5EF4-FFF2-40B4-BE49-F238E27FC236}">
+                <a16:creationId xmlns:a16="http://schemas.microsoft.com/office/drawing/2014/main" id="{7F0C0374-4215-D80A-B3E8-A872D705A164}"/>
+              </a:ext>
+            </a:extLst>
+          </p:cNvPr>
+          <p:cNvPicPr>
+            <a:picLocks noChangeAspect="1"/>
+          </p:cNvPicPr>
+          <p:nvPr/>
+        </p:nvPicPr>
+        <p:blipFill>
+          <a:blip r:embed="rId2">
+            <a:extLst>
+              <a:ext uri="{28A0092B-C50C-407E-A947-70E740481C1C}">
+                <a14:useLocalDpi xmlns:a14="http://schemas.microsoft.com/office/drawing/2010/main" val="0"/>
+              </a:ext>
+            </a:extLst>
+          </a:blip>
+          <a:stretch>
+            <a:fillRect/>
+          </a:stretch>
+        </p:blipFill>
+        <p:spPr>
+          <a:xfrm>
+            <a:off x="328081" y="705492"/>
+            <a:ext cx="365760" cy="365760"/>
+          </a:xfrm>
+          <a:prstGeom prst="rect">
+            <a:avLst/>
+          </a:prstGeom>
+        </p:spPr>
+      </p:pic>
     </p:spTree>
     <p:extLst>
       <p:ext uri="{BB962C8B-B14F-4D97-AF65-F5344CB8AC3E}">
